--- a/Sql分享.pptx
+++ b/Sql分享.pptx
@@ -4,6 +4,19 @@
   <p:sldMasterIdLst>
     <p:sldMasterId id="2147483648" r:id="rId1"/>
   </p:sldMasterIdLst>
+  <p:notesMasterIdLst>
+    <p:notesMasterId r:id="rId10"/>
+  </p:notesMasterIdLst>
+  <p:sldIdLst>
+    <p:sldId id="256" r:id="rId2"/>
+    <p:sldId id="257" r:id="rId3"/>
+    <p:sldId id="258" r:id="rId4"/>
+    <p:sldId id="259" r:id="rId5"/>
+    <p:sldId id="261" r:id="rId6"/>
+    <p:sldId id="262" r:id="rId7"/>
+    <p:sldId id="263" r:id="rId8"/>
+    <p:sldId id="264" r:id="rId9"/>
+  </p:sldIdLst>
   <p:sldSz cx="9144000" cy="6858000" type="screen4x3"/>
   <p:notesSz cx="6858000" cy="9144000"/>
   <p:defaultTextStyle>
@@ -104,6 +117,434 @@
 </p:presentation>
 </file>
 
+<file path=ppt/notesMasters/notesMaster1.xml><?xml version="1.0" encoding="utf-8"?>
+<p:notesMaster xmlns:a="http://schemas.openxmlformats.org/drawingml/2006/main" xmlns:r="http://schemas.openxmlformats.org/officeDocument/2006/relationships" xmlns:p="http://schemas.openxmlformats.org/presentationml/2006/main">
+  <p:cSld>
+    <p:bg>
+      <p:bgRef idx="1001">
+        <a:schemeClr val="bg1"/>
+      </p:bgRef>
+    </p:bg>
+    <p:spTree>
+      <p:nvGrpSpPr>
+        <p:cNvPr id="1" name=""/>
+        <p:cNvGrpSpPr/>
+        <p:nvPr/>
+      </p:nvGrpSpPr>
+      <p:grpSpPr>
+        <a:xfrm>
+          <a:off x="0" y="0"/>
+          <a:ext cx="0" cy="0"/>
+          <a:chOff x="0" y="0"/>
+          <a:chExt cx="0" cy="0"/>
+        </a:xfrm>
+      </p:grpSpPr>
+      <p:sp>
+        <p:nvSpPr>
+          <p:cNvPr id="2" name="页眉占位符 1"/>
+          <p:cNvSpPr>
+            <a:spLocks noGrp="1"/>
+          </p:cNvSpPr>
+          <p:nvPr>
+            <p:ph type="hdr" sz="quarter"/>
+          </p:nvPr>
+        </p:nvSpPr>
+        <p:spPr>
+          <a:xfrm>
+            <a:off x="0" y="0"/>
+            <a:ext cx="2971800" cy="457200"/>
+          </a:xfrm>
+          <a:prstGeom prst="rect">
+            <a:avLst/>
+          </a:prstGeom>
+        </p:spPr>
+        <p:txBody>
+          <a:bodyPr vert="horz" lIns="91440" tIns="45720" rIns="91440" bIns="45720" rtlCol="0"/>
+          <a:lstStyle>
+            <a:lvl1pPr algn="l">
+              <a:defRPr sz="1200"/>
+            </a:lvl1pPr>
+          </a:lstStyle>
+          <a:p>
+            <a:endParaRPr lang="zh-CN" altLang="en-US"/>
+          </a:p>
+        </p:txBody>
+      </p:sp>
+      <p:sp>
+        <p:nvSpPr>
+          <p:cNvPr id="3" name="日期占位符 2"/>
+          <p:cNvSpPr>
+            <a:spLocks noGrp="1"/>
+          </p:cNvSpPr>
+          <p:nvPr>
+            <p:ph type="dt" idx="1"/>
+          </p:nvPr>
+        </p:nvSpPr>
+        <p:spPr>
+          <a:xfrm>
+            <a:off x="3884613" y="0"/>
+            <a:ext cx="2971800" cy="457200"/>
+          </a:xfrm>
+          <a:prstGeom prst="rect">
+            <a:avLst/>
+          </a:prstGeom>
+        </p:spPr>
+        <p:txBody>
+          <a:bodyPr vert="horz" lIns="91440" tIns="45720" rIns="91440" bIns="45720" rtlCol="0"/>
+          <a:lstStyle>
+            <a:lvl1pPr algn="r">
+              <a:defRPr sz="1200"/>
+            </a:lvl1pPr>
+          </a:lstStyle>
+          <a:p>
+            <a:fld id="{5038CF4C-1DAC-477C-827A-C4F4DE6C48F4}" type="datetimeFigureOut">
+              <a:rPr lang="zh-CN" altLang="en-US" smtClean="0"/>
+              <a:t>2017-11-04</a:t>
+            </a:fld>
+            <a:endParaRPr lang="zh-CN" altLang="en-US"/>
+          </a:p>
+        </p:txBody>
+      </p:sp>
+      <p:sp>
+        <p:nvSpPr>
+          <p:cNvPr id="4" name="幻灯片图像占位符 3"/>
+          <p:cNvSpPr>
+            <a:spLocks noGrp="1" noRot="1" noChangeAspect="1"/>
+          </p:cNvSpPr>
+          <p:nvPr>
+            <p:ph type="sldImg" idx="2"/>
+          </p:nvPr>
+        </p:nvSpPr>
+        <p:spPr>
+          <a:xfrm>
+            <a:off x="1143000" y="685800"/>
+            <a:ext cx="4572000" cy="3429000"/>
+          </a:xfrm>
+          <a:prstGeom prst="rect">
+            <a:avLst/>
+          </a:prstGeom>
+          <a:noFill/>
+          <a:ln w="12700">
+            <a:solidFill>
+              <a:prstClr val="black"/>
+            </a:solidFill>
+          </a:ln>
+        </p:spPr>
+        <p:txBody>
+          <a:bodyPr vert="horz" lIns="91440" tIns="45720" rIns="91440" bIns="45720" rtlCol="0" anchor="ctr"/>
+          <a:lstStyle/>
+          <a:p>
+            <a:endParaRPr lang="zh-CN" altLang="en-US"/>
+          </a:p>
+        </p:txBody>
+      </p:sp>
+      <p:sp>
+        <p:nvSpPr>
+          <p:cNvPr id="5" name="备注占位符 4"/>
+          <p:cNvSpPr>
+            <a:spLocks noGrp="1"/>
+          </p:cNvSpPr>
+          <p:nvPr>
+            <p:ph type="body" sz="quarter" idx="3"/>
+          </p:nvPr>
+        </p:nvSpPr>
+        <p:spPr>
+          <a:xfrm>
+            <a:off x="685800" y="4343400"/>
+            <a:ext cx="5486400" cy="4114800"/>
+          </a:xfrm>
+          <a:prstGeom prst="rect">
+            <a:avLst/>
+          </a:prstGeom>
+        </p:spPr>
+        <p:txBody>
+          <a:bodyPr vert="horz" lIns="91440" tIns="45720" rIns="91440" bIns="45720" rtlCol="0">
+            <a:normAutofit/>
+          </a:bodyPr>
+          <a:lstStyle/>
+          <a:p>
+            <a:pPr lvl="0"/>
+            <a:r>
+              <a:rPr lang="zh-CN" altLang="en-US" smtClean="0"/>
+              <a:t>单击此处编辑母版文本样式</a:t>
+            </a:r>
+          </a:p>
+          <a:p>
+            <a:pPr lvl="1"/>
+            <a:r>
+              <a:rPr lang="zh-CN" altLang="en-US" smtClean="0"/>
+              <a:t>第二级</a:t>
+            </a:r>
+          </a:p>
+          <a:p>
+            <a:pPr lvl="2"/>
+            <a:r>
+              <a:rPr lang="zh-CN" altLang="en-US" smtClean="0"/>
+              <a:t>第三级</a:t>
+            </a:r>
+          </a:p>
+          <a:p>
+            <a:pPr lvl="3"/>
+            <a:r>
+              <a:rPr lang="zh-CN" altLang="en-US" smtClean="0"/>
+              <a:t>第四级</a:t>
+            </a:r>
+          </a:p>
+          <a:p>
+            <a:pPr lvl="4"/>
+            <a:r>
+              <a:rPr lang="zh-CN" altLang="en-US" smtClean="0"/>
+              <a:t>第五级</a:t>
+            </a:r>
+            <a:endParaRPr lang="zh-CN" altLang="en-US"/>
+          </a:p>
+        </p:txBody>
+      </p:sp>
+      <p:sp>
+        <p:nvSpPr>
+          <p:cNvPr id="6" name="页脚占位符 5"/>
+          <p:cNvSpPr>
+            <a:spLocks noGrp="1"/>
+          </p:cNvSpPr>
+          <p:nvPr>
+            <p:ph type="ftr" sz="quarter" idx="4"/>
+          </p:nvPr>
+        </p:nvSpPr>
+        <p:spPr>
+          <a:xfrm>
+            <a:off x="0" y="8685213"/>
+            <a:ext cx="2971800" cy="457200"/>
+          </a:xfrm>
+          <a:prstGeom prst="rect">
+            <a:avLst/>
+          </a:prstGeom>
+        </p:spPr>
+        <p:txBody>
+          <a:bodyPr vert="horz" lIns="91440" tIns="45720" rIns="91440" bIns="45720" rtlCol="0" anchor="b"/>
+          <a:lstStyle>
+            <a:lvl1pPr algn="l">
+              <a:defRPr sz="1200"/>
+            </a:lvl1pPr>
+          </a:lstStyle>
+          <a:p>
+            <a:endParaRPr lang="zh-CN" altLang="en-US"/>
+          </a:p>
+        </p:txBody>
+      </p:sp>
+      <p:sp>
+        <p:nvSpPr>
+          <p:cNvPr id="7" name="灯片编号占位符 6"/>
+          <p:cNvSpPr>
+            <a:spLocks noGrp="1"/>
+          </p:cNvSpPr>
+          <p:nvPr>
+            <p:ph type="sldNum" sz="quarter" idx="5"/>
+          </p:nvPr>
+        </p:nvSpPr>
+        <p:spPr>
+          <a:xfrm>
+            <a:off x="3884613" y="8685213"/>
+            <a:ext cx="2971800" cy="457200"/>
+          </a:xfrm>
+          <a:prstGeom prst="rect">
+            <a:avLst/>
+          </a:prstGeom>
+        </p:spPr>
+        <p:txBody>
+          <a:bodyPr vert="horz" lIns="91440" tIns="45720" rIns="91440" bIns="45720" rtlCol="0" anchor="b"/>
+          <a:lstStyle>
+            <a:lvl1pPr algn="r">
+              <a:defRPr sz="1200"/>
+            </a:lvl1pPr>
+          </a:lstStyle>
+          <a:p>
+            <a:fld id="{FC770086-5751-47E0-9E57-FD524038D9EE}" type="slidenum">
+              <a:rPr lang="zh-CN" altLang="en-US" smtClean="0"/>
+              <a:t>‹#›</a:t>
+            </a:fld>
+            <a:endParaRPr lang="zh-CN" altLang="en-US"/>
+          </a:p>
+        </p:txBody>
+      </p:sp>
+    </p:spTree>
+  </p:cSld>
+  <p:clrMap bg1="lt1" tx1="dk1" bg2="lt2" tx2="dk2" accent1="accent1" accent2="accent2" accent3="accent3" accent4="accent4" accent5="accent5" accent6="accent6" hlink="hlink" folHlink="folHlink"/>
+  <p:notesStyle>
+    <a:lvl1pPr marL="0" algn="l" defTabSz="914400" rtl="0" eaLnBrk="1" latinLnBrk="0" hangingPunct="1">
+      <a:defRPr sz="1200" kern="1200">
+        <a:solidFill>
+          <a:schemeClr val="tx1"/>
+        </a:solidFill>
+        <a:latin typeface="+mn-lt"/>
+        <a:ea typeface="+mn-ea"/>
+        <a:cs typeface="+mn-cs"/>
+      </a:defRPr>
+    </a:lvl1pPr>
+    <a:lvl2pPr marL="457200" algn="l" defTabSz="914400" rtl="0" eaLnBrk="1" latinLnBrk="0" hangingPunct="1">
+      <a:defRPr sz="1200" kern="1200">
+        <a:solidFill>
+          <a:schemeClr val="tx1"/>
+        </a:solidFill>
+        <a:latin typeface="+mn-lt"/>
+        <a:ea typeface="+mn-ea"/>
+        <a:cs typeface="+mn-cs"/>
+      </a:defRPr>
+    </a:lvl2pPr>
+    <a:lvl3pPr marL="914400" algn="l" defTabSz="914400" rtl="0" eaLnBrk="1" latinLnBrk="0" hangingPunct="1">
+      <a:defRPr sz="1200" kern="1200">
+        <a:solidFill>
+          <a:schemeClr val="tx1"/>
+        </a:solidFill>
+        <a:latin typeface="+mn-lt"/>
+        <a:ea typeface="+mn-ea"/>
+        <a:cs typeface="+mn-cs"/>
+      </a:defRPr>
+    </a:lvl3pPr>
+    <a:lvl4pPr marL="1371600" algn="l" defTabSz="914400" rtl="0" eaLnBrk="1" latinLnBrk="0" hangingPunct="1">
+      <a:defRPr sz="1200" kern="1200">
+        <a:solidFill>
+          <a:schemeClr val="tx1"/>
+        </a:solidFill>
+        <a:latin typeface="+mn-lt"/>
+        <a:ea typeface="+mn-ea"/>
+        <a:cs typeface="+mn-cs"/>
+      </a:defRPr>
+    </a:lvl4pPr>
+    <a:lvl5pPr marL="1828800" algn="l" defTabSz="914400" rtl="0" eaLnBrk="1" latinLnBrk="0" hangingPunct="1">
+      <a:defRPr sz="1200" kern="1200">
+        <a:solidFill>
+          <a:schemeClr val="tx1"/>
+        </a:solidFill>
+        <a:latin typeface="+mn-lt"/>
+        <a:ea typeface="+mn-ea"/>
+        <a:cs typeface="+mn-cs"/>
+      </a:defRPr>
+    </a:lvl5pPr>
+    <a:lvl6pPr marL="2286000" algn="l" defTabSz="914400" rtl="0" eaLnBrk="1" latinLnBrk="0" hangingPunct="1">
+      <a:defRPr sz="1200" kern="1200">
+        <a:solidFill>
+          <a:schemeClr val="tx1"/>
+        </a:solidFill>
+        <a:latin typeface="+mn-lt"/>
+        <a:ea typeface="+mn-ea"/>
+        <a:cs typeface="+mn-cs"/>
+      </a:defRPr>
+    </a:lvl6pPr>
+    <a:lvl7pPr marL="2743200" algn="l" defTabSz="914400" rtl="0" eaLnBrk="1" latinLnBrk="0" hangingPunct="1">
+      <a:defRPr sz="1200" kern="1200">
+        <a:solidFill>
+          <a:schemeClr val="tx1"/>
+        </a:solidFill>
+        <a:latin typeface="+mn-lt"/>
+        <a:ea typeface="+mn-ea"/>
+        <a:cs typeface="+mn-cs"/>
+      </a:defRPr>
+    </a:lvl7pPr>
+    <a:lvl8pPr marL="3200400" algn="l" defTabSz="914400" rtl="0" eaLnBrk="1" latinLnBrk="0" hangingPunct="1">
+      <a:defRPr sz="1200" kern="1200">
+        <a:solidFill>
+          <a:schemeClr val="tx1"/>
+        </a:solidFill>
+        <a:latin typeface="+mn-lt"/>
+        <a:ea typeface="+mn-ea"/>
+        <a:cs typeface="+mn-cs"/>
+      </a:defRPr>
+    </a:lvl8pPr>
+    <a:lvl9pPr marL="3657600" algn="l" defTabSz="914400" rtl="0" eaLnBrk="1" latinLnBrk="0" hangingPunct="1">
+      <a:defRPr sz="1200" kern="1200">
+        <a:solidFill>
+          <a:schemeClr val="tx1"/>
+        </a:solidFill>
+        <a:latin typeface="+mn-lt"/>
+        <a:ea typeface="+mn-ea"/>
+        <a:cs typeface="+mn-cs"/>
+      </a:defRPr>
+    </a:lvl9pPr>
+  </p:notesStyle>
+</p:notesMaster>
+</file>
+
+<file path=ppt/notesSlides/notesSlide1.xml><?xml version="1.0" encoding="utf-8"?>
+<p:notes xmlns:a="http://schemas.openxmlformats.org/drawingml/2006/main" xmlns:r="http://schemas.openxmlformats.org/officeDocument/2006/relationships" xmlns:p="http://schemas.openxmlformats.org/presentationml/2006/main">
+  <p:cSld>
+    <p:spTree>
+      <p:nvGrpSpPr>
+        <p:cNvPr id="1" name=""/>
+        <p:cNvGrpSpPr/>
+        <p:nvPr/>
+      </p:nvGrpSpPr>
+      <p:grpSpPr>
+        <a:xfrm>
+          <a:off x="0" y="0"/>
+          <a:ext cx="0" cy="0"/>
+          <a:chOff x="0" y="0"/>
+          <a:chExt cx="0" cy="0"/>
+        </a:xfrm>
+      </p:grpSpPr>
+      <p:sp>
+        <p:nvSpPr>
+          <p:cNvPr id="2" name="幻灯片图像占位符 1"/>
+          <p:cNvSpPr>
+            <a:spLocks noGrp="1" noRot="1" noChangeAspect="1"/>
+          </p:cNvSpPr>
+          <p:nvPr>
+            <p:ph type="sldImg"/>
+          </p:nvPr>
+        </p:nvSpPr>
+        <p:spPr/>
+      </p:sp>
+      <p:sp>
+        <p:nvSpPr>
+          <p:cNvPr id="3" name="备注占位符 2"/>
+          <p:cNvSpPr>
+            <a:spLocks noGrp="1"/>
+          </p:cNvSpPr>
+          <p:nvPr>
+            <p:ph type="body" idx="1"/>
+          </p:nvPr>
+        </p:nvSpPr>
+        <p:spPr/>
+        <p:txBody>
+          <a:bodyPr>
+            <a:normAutofit/>
+          </a:bodyPr>
+          <a:lstStyle/>
+          <a:p>
+            <a:endParaRPr lang="zh-CN" altLang="en-US" dirty="0"/>
+          </a:p>
+        </p:txBody>
+      </p:sp>
+      <p:sp>
+        <p:nvSpPr>
+          <p:cNvPr id="4" name="灯片编号占位符 3"/>
+          <p:cNvSpPr>
+            <a:spLocks noGrp="1"/>
+          </p:cNvSpPr>
+          <p:nvPr>
+            <p:ph type="sldNum" sz="quarter" idx="10"/>
+          </p:nvPr>
+        </p:nvSpPr>
+        <p:spPr/>
+        <p:txBody>
+          <a:bodyPr/>
+          <a:lstStyle/>
+          <a:p>
+            <a:fld id="{FC770086-5751-47E0-9E57-FD524038D9EE}" type="slidenum">
+              <a:rPr lang="zh-CN" altLang="en-US" smtClean="0"/>
+              <a:t>1</a:t>
+            </a:fld>
+            <a:endParaRPr lang="zh-CN" altLang="en-US"/>
+          </a:p>
+        </p:txBody>
+      </p:sp>
+    </p:spTree>
+  </p:cSld>
+  <p:clrMapOvr>
+    <a:masterClrMapping/>
+  </p:clrMapOvr>
+</p:notes>
+</file>
+
 <file path=ppt/slideLayouts/slideLayout1.xml><?xml version="1.0" encoding="utf-8"?>
 <p:sldLayout xmlns:a="http://schemas.openxmlformats.org/drawingml/2006/main" xmlns:r="http://schemas.openxmlformats.org/officeDocument/2006/relationships" xmlns:p="http://schemas.openxmlformats.org/presentationml/2006/main" type="title" preserve="1">
   <p:cSld name="标题幻灯片">
@@ -285,7 +726,8 @@
           <a:p>
             <a:fld id="{530820CF-B880-4189-942D-D702A7CBA730}" type="datetimeFigureOut">
               <a:rPr lang="zh-CN" altLang="en-US" smtClean="0"/>
-              <a:t>2006-9-7</a:t>
+              <a:pPr/>
+              <a:t>2017-11-04</a:t>
             </a:fld>
             <a:endParaRPr lang="zh-CN" altLang="en-US"/>
           </a:p>
@@ -327,6 +769,7 @@
           <a:p>
             <a:fld id="{0C913308-F349-4B6D-A68A-DD1791B4A57B}" type="slidenum">
               <a:rPr lang="zh-CN" altLang="en-US" smtClean="0"/>
+              <a:pPr/>
               <a:t>‹#›</a:t>
             </a:fld>
             <a:endParaRPr lang="zh-CN" altLang="en-US"/>
@@ -450,7 +893,8 @@
           <a:p>
             <a:fld id="{530820CF-B880-4189-942D-D702A7CBA730}" type="datetimeFigureOut">
               <a:rPr lang="zh-CN" altLang="en-US" smtClean="0"/>
-              <a:t>2006-9-7</a:t>
+              <a:pPr/>
+              <a:t>2017-11-04</a:t>
             </a:fld>
             <a:endParaRPr lang="zh-CN" altLang="en-US"/>
           </a:p>
@@ -492,6 +936,7 @@
           <a:p>
             <a:fld id="{0C913308-F349-4B6D-A68A-DD1791B4A57B}" type="slidenum">
               <a:rPr lang="zh-CN" altLang="en-US" smtClean="0"/>
+              <a:pPr/>
               <a:t>‹#›</a:t>
             </a:fld>
             <a:endParaRPr lang="zh-CN" altLang="en-US"/>
@@ -625,7 +1070,8 @@
           <a:p>
             <a:fld id="{530820CF-B880-4189-942D-D702A7CBA730}" type="datetimeFigureOut">
               <a:rPr lang="zh-CN" altLang="en-US" smtClean="0"/>
-              <a:t>2006-9-7</a:t>
+              <a:pPr/>
+              <a:t>2017-11-04</a:t>
             </a:fld>
             <a:endParaRPr lang="zh-CN" altLang="en-US"/>
           </a:p>
@@ -667,6 +1113,7 @@
           <a:p>
             <a:fld id="{0C913308-F349-4B6D-A68A-DD1791B4A57B}" type="slidenum">
               <a:rPr lang="zh-CN" altLang="en-US" smtClean="0"/>
+              <a:pPr/>
               <a:t>‹#›</a:t>
             </a:fld>
             <a:endParaRPr lang="zh-CN" altLang="en-US"/>
@@ -790,7 +1237,8 @@
           <a:p>
             <a:fld id="{530820CF-B880-4189-942D-D702A7CBA730}" type="datetimeFigureOut">
               <a:rPr lang="zh-CN" altLang="en-US" smtClean="0"/>
-              <a:t>2006-9-7</a:t>
+              <a:pPr/>
+              <a:t>2017-11-04</a:t>
             </a:fld>
             <a:endParaRPr lang="zh-CN" altLang="en-US"/>
           </a:p>
@@ -832,6 +1280,7 @@
           <a:p>
             <a:fld id="{0C913308-F349-4B6D-A68A-DD1791B4A57B}" type="slidenum">
               <a:rPr lang="zh-CN" altLang="en-US" smtClean="0"/>
+              <a:pPr/>
               <a:t>‹#›</a:t>
             </a:fld>
             <a:endParaRPr lang="zh-CN" altLang="en-US"/>
@@ -1031,7 +1480,8 @@
           <a:p>
             <a:fld id="{530820CF-B880-4189-942D-D702A7CBA730}" type="datetimeFigureOut">
               <a:rPr lang="zh-CN" altLang="en-US" smtClean="0"/>
-              <a:t>2006-9-7</a:t>
+              <a:pPr/>
+              <a:t>2017-11-04</a:t>
             </a:fld>
             <a:endParaRPr lang="zh-CN" altLang="en-US"/>
           </a:p>
@@ -1073,6 +1523,7 @@
           <a:p>
             <a:fld id="{0C913308-F349-4B6D-A68A-DD1791B4A57B}" type="slidenum">
               <a:rPr lang="zh-CN" altLang="en-US" smtClean="0"/>
+              <a:pPr/>
               <a:t>‹#›</a:t>
             </a:fld>
             <a:endParaRPr lang="zh-CN" altLang="en-US"/>
@@ -1314,7 +1765,8 @@
           <a:p>
             <a:fld id="{530820CF-B880-4189-942D-D702A7CBA730}" type="datetimeFigureOut">
               <a:rPr lang="zh-CN" altLang="en-US" smtClean="0"/>
-              <a:t>2006-9-7</a:t>
+              <a:pPr/>
+              <a:t>2017-11-04</a:t>
             </a:fld>
             <a:endParaRPr lang="zh-CN" altLang="en-US"/>
           </a:p>
@@ -1356,6 +1808,7 @@
           <a:p>
             <a:fld id="{0C913308-F349-4B6D-A68A-DD1791B4A57B}" type="slidenum">
               <a:rPr lang="zh-CN" altLang="en-US" smtClean="0"/>
+              <a:pPr/>
               <a:t>‹#›</a:t>
             </a:fld>
             <a:endParaRPr lang="zh-CN" altLang="en-US"/>
@@ -1731,7 +2184,8 @@
           <a:p>
             <a:fld id="{530820CF-B880-4189-942D-D702A7CBA730}" type="datetimeFigureOut">
               <a:rPr lang="zh-CN" altLang="en-US" smtClean="0"/>
-              <a:t>2006-9-7</a:t>
+              <a:pPr/>
+              <a:t>2017-11-04</a:t>
             </a:fld>
             <a:endParaRPr lang="zh-CN" altLang="en-US"/>
           </a:p>
@@ -1773,6 +2227,7 @@
           <a:p>
             <a:fld id="{0C913308-F349-4B6D-A68A-DD1791B4A57B}" type="slidenum">
               <a:rPr lang="zh-CN" altLang="en-US" smtClean="0"/>
+              <a:pPr/>
               <a:t>‹#›</a:t>
             </a:fld>
             <a:endParaRPr lang="zh-CN" altLang="en-US"/>
@@ -1844,7 +2299,8 @@
           <a:p>
             <a:fld id="{530820CF-B880-4189-942D-D702A7CBA730}" type="datetimeFigureOut">
               <a:rPr lang="zh-CN" altLang="en-US" smtClean="0"/>
-              <a:t>2006-9-7</a:t>
+              <a:pPr/>
+              <a:t>2017-11-04</a:t>
             </a:fld>
             <a:endParaRPr lang="zh-CN" altLang="en-US"/>
           </a:p>
@@ -1886,6 +2342,7 @@
           <a:p>
             <a:fld id="{0C913308-F349-4B6D-A68A-DD1791B4A57B}" type="slidenum">
               <a:rPr lang="zh-CN" altLang="en-US" smtClean="0"/>
+              <a:pPr/>
               <a:t>‹#›</a:t>
             </a:fld>
             <a:endParaRPr lang="zh-CN" altLang="en-US"/>
@@ -1934,7 +2391,8 @@
           <a:p>
             <a:fld id="{530820CF-B880-4189-942D-D702A7CBA730}" type="datetimeFigureOut">
               <a:rPr lang="zh-CN" altLang="en-US" smtClean="0"/>
-              <a:t>2006-9-7</a:t>
+              <a:pPr/>
+              <a:t>2017-11-04</a:t>
             </a:fld>
             <a:endParaRPr lang="zh-CN" altLang="en-US"/>
           </a:p>
@@ -1976,6 +2434,7 @@
           <a:p>
             <a:fld id="{0C913308-F349-4B6D-A68A-DD1791B4A57B}" type="slidenum">
               <a:rPr lang="zh-CN" altLang="en-US" smtClean="0"/>
+              <a:pPr/>
               <a:t>‹#›</a:t>
             </a:fld>
             <a:endParaRPr lang="zh-CN" altLang="en-US"/>
@@ -2206,7 +2665,8 @@
           <a:p>
             <a:fld id="{530820CF-B880-4189-942D-D702A7CBA730}" type="datetimeFigureOut">
               <a:rPr lang="zh-CN" altLang="en-US" smtClean="0"/>
-              <a:t>2006-9-7</a:t>
+              <a:pPr/>
+              <a:t>2017-11-04</a:t>
             </a:fld>
             <a:endParaRPr lang="zh-CN" altLang="en-US"/>
           </a:p>
@@ -2248,6 +2708,7 @@
           <a:p>
             <a:fld id="{0C913308-F349-4B6D-A68A-DD1791B4A57B}" type="slidenum">
               <a:rPr lang="zh-CN" altLang="en-US" smtClean="0"/>
+              <a:pPr/>
               <a:t>‹#›</a:t>
             </a:fld>
             <a:endParaRPr lang="zh-CN" altLang="en-US"/>
@@ -2454,7 +2915,8 @@
           <a:p>
             <a:fld id="{530820CF-B880-4189-942D-D702A7CBA730}" type="datetimeFigureOut">
               <a:rPr lang="zh-CN" altLang="en-US" smtClean="0"/>
-              <a:t>2006-9-7</a:t>
+              <a:pPr/>
+              <a:t>2017-11-04</a:t>
             </a:fld>
             <a:endParaRPr lang="zh-CN" altLang="en-US"/>
           </a:p>
@@ -2496,6 +2958,7 @@
           <a:p>
             <a:fld id="{0C913308-F349-4B6D-A68A-DD1791B4A57B}" type="slidenum">
               <a:rPr lang="zh-CN" altLang="en-US" smtClean="0"/>
+              <a:pPr/>
               <a:t>‹#›</a:t>
             </a:fld>
             <a:endParaRPr lang="zh-CN" altLang="en-US"/>
@@ -2662,7 +3125,8 @@
           <a:p>
             <a:fld id="{530820CF-B880-4189-942D-D702A7CBA730}" type="datetimeFigureOut">
               <a:rPr lang="zh-CN" altLang="en-US" smtClean="0"/>
-              <a:t>2006-9-7</a:t>
+              <a:pPr/>
+              <a:t>2017-11-04</a:t>
             </a:fld>
             <a:endParaRPr lang="zh-CN" altLang="en-US"/>
           </a:p>
@@ -2740,6 +3204,7 @@
           <a:p>
             <a:fld id="{0C913308-F349-4B6D-A68A-DD1791B4A57B}" type="slidenum">
               <a:rPr lang="zh-CN" altLang="en-US" smtClean="0"/>
+              <a:pPr/>
               <a:t>‹#›</a:t>
             </a:fld>
             <a:endParaRPr lang="zh-CN" altLang="en-US"/>
@@ -3013,6 +3478,2065 @@
     </p:otherStyle>
   </p:txStyles>
 </p:sldMaster>
+</file>
+
+<file path=ppt/slides/slide1.xml><?xml version="1.0" encoding="utf-8"?>
+<p:sld xmlns:a="http://schemas.openxmlformats.org/drawingml/2006/main" xmlns:r="http://schemas.openxmlformats.org/officeDocument/2006/relationships" xmlns:p="http://schemas.openxmlformats.org/presentationml/2006/main">
+  <p:cSld>
+    <p:spTree>
+      <p:nvGrpSpPr>
+        <p:cNvPr id="1" name=""/>
+        <p:cNvGrpSpPr/>
+        <p:nvPr/>
+      </p:nvGrpSpPr>
+      <p:grpSpPr>
+        <a:xfrm>
+          <a:off x="0" y="0"/>
+          <a:ext cx="0" cy="0"/>
+          <a:chOff x="0" y="0"/>
+          <a:chExt cx="0" cy="0"/>
+        </a:xfrm>
+      </p:grpSpPr>
+      <p:sp>
+        <p:nvSpPr>
+          <p:cNvPr id="2" name="标题 1"/>
+          <p:cNvSpPr>
+            <a:spLocks noGrp="1"/>
+          </p:cNvSpPr>
+          <p:nvPr>
+            <p:ph type="ctrTitle"/>
+          </p:nvPr>
+        </p:nvSpPr>
+        <p:spPr>
+          <a:xfrm>
+            <a:off x="357158" y="357166"/>
+            <a:ext cx="8501122" cy="1470025"/>
+          </a:xfrm>
+        </p:spPr>
+        <p:style>
+          <a:lnRef idx="0">
+            <a:scrgbClr r="0" g="0" b="0"/>
+          </a:lnRef>
+          <a:fillRef idx="1002">
+            <a:schemeClr val="dk1"/>
+          </a:fillRef>
+          <a:effectRef idx="0">
+            <a:scrgbClr r="0" g="0" b="0"/>
+          </a:effectRef>
+          <a:fontRef idx="major"/>
+        </p:style>
+        <p:txBody>
+          <a:bodyPr/>
+          <a:lstStyle/>
+          <a:p>
+            <a:r>
+              <a:rPr lang="zh-CN" altLang="en-US" dirty="0" smtClean="0"/>
+              <a:t>什么是</a:t>
+            </a:r>
+            <a:r>
+              <a:rPr lang="en-US" altLang="zh-CN" dirty="0" smtClean="0"/>
+              <a:t>SQL</a:t>
+            </a:r>
+            <a:endParaRPr lang="zh-CN" altLang="en-US" dirty="0"/>
+          </a:p>
+        </p:txBody>
+      </p:sp>
+      <p:sp>
+        <p:nvSpPr>
+          <p:cNvPr id="4" name="矩形 3"/>
+          <p:cNvSpPr/>
+          <p:nvPr/>
+        </p:nvSpPr>
+        <p:spPr>
+          <a:xfrm>
+            <a:off x="357158" y="1785926"/>
+            <a:ext cx="8501122" cy="3571900"/>
+          </a:xfrm>
+          <a:prstGeom prst="rect">
+            <a:avLst/>
+          </a:prstGeom>
+        </p:spPr>
+        <p:style>
+          <a:lnRef idx="2">
+            <a:schemeClr val="accent1">
+              <a:shade val="50000"/>
+            </a:schemeClr>
+          </a:lnRef>
+          <a:fillRef idx="1002">
+            <a:schemeClr val="dk2"/>
+          </a:fillRef>
+          <a:effectRef idx="0">
+            <a:schemeClr val="accent1"/>
+          </a:effectRef>
+          <a:fontRef idx="minor">
+            <a:schemeClr val="lt1"/>
+          </a:fontRef>
+        </p:style>
+        <p:txBody>
+          <a:bodyPr rtlCol="0" anchor="ctr"/>
+          <a:lstStyle/>
+          <a:p>
+            <a:pPr algn="ctr"/>
+            <a:r>
+              <a:rPr lang="zh-CN" altLang="en-US" sz="2800" dirty="0" smtClean="0"/>
+              <a:t>结构化查询语言</a:t>
+            </a:r>
+            <a:r>
+              <a:rPr lang="en-US" altLang="zh-CN" sz="2800" dirty="0" smtClean="0"/>
+              <a:t>(Structured Query Language)</a:t>
+            </a:r>
+            <a:r>
+              <a:rPr lang="zh-CN" altLang="en-US" sz="2800" dirty="0" smtClean="0"/>
+              <a:t>简称</a:t>
+            </a:r>
+            <a:r>
+              <a:rPr lang="en-US" altLang="zh-CN" sz="2800" dirty="0" smtClean="0"/>
+              <a:t>SQL</a:t>
+            </a:r>
+          </a:p>
+          <a:p>
+            <a:pPr algn="ctr"/>
+            <a:r>
+              <a:rPr lang="zh-CN" altLang="en-US" sz="2800" dirty="0" smtClean="0"/>
+              <a:t>是</a:t>
+            </a:r>
+            <a:r>
+              <a:rPr lang="zh-CN" altLang="en-US" sz="2800" dirty="0" smtClean="0"/>
+              <a:t>一种特殊目的的编程语言，是一种数据库查询和程序设计语言，用于存取数据以及查询、更新和管理关系数据库系统；同时也是数据库脚本文件的扩展名。</a:t>
+            </a:r>
+            <a:endParaRPr lang="zh-CN" altLang="en-US" sz="2800" dirty="0"/>
+          </a:p>
+        </p:txBody>
+      </p:sp>
+    </p:spTree>
+  </p:cSld>
+  <p:clrMapOvr>
+    <a:masterClrMapping/>
+  </p:clrMapOvr>
+</p:sld>
+</file>
+
+<file path=ppt/slides/slide2.xml><?xml version="1.0" encoding="utf-8"?>
+<p:sld xmlns:a="http://schemas.openxmlformats.org/drawingml/2006/main" xmlns:r="http://schemas.openxmlformats.org/officeDocument/2006/relationships" xmlns:p="http://schemas.openxmlformats.org/presentationml/2006/main">
+  <p:cSld>
+    <p:spTree>
+      <p:nvGrpSpPr>
+        <p:cNvPr id="1" name=""/>
+        <p:cNvGrpSpPr/>
+        <p:nvPr/>
+      </p:nvGrpSpPr>
+      <p:grpSpPr>
+        <a:xfrm>
+          <a:off x="0" y="0"/>
+          <a:ext cx="0" cy="0"/>
+          <a:chOff x="0" y="0"/>
+          <a:chExt cx="0" cy="0"/>
+        </a:xfrm>
+      </p:grpSpPr>
+      <p:sp>
+        <p:nvSpPr>
+          <p:cNvPr id="2" name="标题 1"/>
+          <p:cNvSpPr>
+            <a:spLocks noGrp="1"/>
+          </p:cNvSpPr>
+          <p:nvPr>
+            <p:ph type="title"/>
+          </p:nvPr>
+        </p:nvSpPr>
+        <p:spPr/>
+        <p:style>
+          <a:lnRef idx="0">
+            <a:scrgbClr r="0" g="0" b="0"/>
+          </a:lnRef>
+          <a:fillRef idx="1002">
+            <a:schemeClr val="dk2"/>
+          </a:fillRef>
+          <a:effectRef idx="0">
+            <a:scrgbClr r="0" g="0" b="0"/>
+          </a:effectRef>
+          <a:fontRef idx="major"/>
+        </p:style>
+        <p:txBody>
+          <a:bodyPr/>
+          <a:lstStyle/>
+          <a:p>
+            <a:r>
+              <a:rPr lang="en-US" altLang="zh-CN" dirty="0" smtClean="0"/>
+              <a:t>SELECT</a:t>
+            </a:r>
+            <a:r>
+              <a:rPr lang="zh-CN" altLang="en-US" dirty="0" smtClean="0"/>
+              <a:t>语句</a:t>
+            </a:r>
+            <a:endParaRPr lang="zh-CN" altLang="en-US" dirty="0"/>
+          </a:p>
+        </p:txBody>
+      </p:sp>
+      <p:sp>
+        <p:nvSpPr>
+          <p:cNvPr id="3" name="内容占位符 2"/>
+          <p:cNvSpPr>
+            <a:spLocks noGrp="1"/>
+          </p:cNvSpPr>
+          <p:nvPr>
+            <p:ph idx="1"/>
+          </p:nvPr>
+        </p:nvSpPr>
+        <p:spPr/>
+        <p:txBody>
+          <a:bodyPr/>
+          <a:lstStyle/>
+          <a:p>
+            <a:r>
+              <a:rPr lang="zh-CN" altLang="en-US" dirty="0" smtClean="0"/>
+              <a:t>看似简单，功能却特别强大。</a:t>
+            </a:r>
+            <a:endParaRPr lang="en-US" altLang="zh-CN" dirty="0" smtClean="0"/>
+          </a:p>
+          <a:p>
+            <a:pPr>
+              <a:buNone/>
+            </a:pPr>
+            <a:endParaRPr lang="en-US" altLang="zh-CN" dirty="0" smtClean="0"/>
+          </a:p>
+          <a:p>
+            <a:endParaRPr lang="zh-CN" altLang="en-US" dirty="0"/>
+          </a:p>
+        </p:txBody>
+      </p:sp>
+    </p:spTree>
+  </p:cSld>
+  <p:clrMapOvr>
+    <a:masterClrMapping/>
+  </p:clrMapOvr>
+</p:sld>
+</file>
+
+<file path=ppt/slides/slide3.xml><?xml version="1.0" encoding="utf-8"?>
+<p:sld xmlns:a="http://schemas.openxmlformats.org/drawingml/2006/main" xmlns:r="http://schemas.openxmlformats.org/officeDocument/2006/relationships" xmlns:p="http://schemas.openxmlformats.org/presentationml/2006/main">
+  <p:cSld>
+    <p:spTree>
+      <p:nvGrpSpPr>
+        <p:cNvPr id="1" name=""/>
+        <p:cNvGrpSpPr/>
+        <p:nvPr/>
+      </p:nvGrpSpPr>
+      <p:grpSpPr>
+        <a:xfrm>
+          <a:off x="0" y="0"/>
+          <a:ext cx="0" cy="0"/>
+          <a:chOff x="0" y="0"/>
+          <a:chExt cx="0" cy="0"/>
+        </a:xfrm>
+      </p:grpSpPr>
+      <p:sp>
+        <p:nvSpPr>
+          <p:cNvPr id="2" name="标题 1"/>
+          <p:cNvSpPr>
+            <a:spLocks noGrp="1"/>
+          </p:cNvSpPr>
+          <p:nvPr>
+            <p:ph type="title"/>
+          </p:nvPr>
+        </p:nvSpPr>
+        <p:spPr/>
+        <p:txBody>
+          <a:bodyPr/>
+          <a:lstStyle/>
+          <a:p>
+            <a:r>
+              <a:rPr lang="en-US" altLang="zh-CN" dirty="0" smtClean="0"/>
+              <a:t>SELECT</a:t>
+            </a:r>
+            <a:r>
+              <a:rPr lang="zh-CN" altLang="en-US" dirty="0" smtClean="0"/>
+              <a:t>语法</a:t>
+            </a:r>
+            <a:endParaRPr lang="zh-CN" altLang="en-US" dirty="0"/>
+          </a:p>
+        </p:txBody>
+      </p:sp>
+      <p:pic>
+        <p:nvPicPr>
+          <p:cNvPr id="1027" name="Picture 3"/>
+          <p:cNvPicPr>
+            <a:picLocks noGrp="1" noChangeAspect="1" noChangeArrowheads="1"/>
+          </p:cNvPicPr>
+          <p:nvPr>
+            <p:ph idx="1"/>
+          </p:nvPr>
+        </p:nvPicPr>
+        <p:blipFill>
+          <a:blip r:embed="rId2"/>
+          <a:srcRect/>
+          <a:stretch>
+            <a:fillRect/>
+          </a:stretch>
+        </p:blipFill>
+        <p:spPr bwMode="auto">
+          <a:xfrm>
+            <a:off x="1928794" y="2214554"/>
+            <a:ext cx="5086350" cy="1581947"/>
+          </a:xfrm>
+          <a:prstGeom prst="rect">
+            <a:avLst/>
+          </a:prstGeom>
+          <a:ln w="9525">
+            <a:noFill/>
+            <a:miter lim="800000"/>
+            <a:headEnd/>
+            <a:tailEnd/>
+          </a:ln>
+          <a:effectLst/>
+        </p:spPr>
+        <p:style>
+          <a:lnRef idx="0">
+            <a:scrgbClr r="0" g="0" b="0"/>
+          </a:lnRef>
+          <a:fillRef idx="1002">
+            <a:schemeClr val="dk2"/>
+          </a:fillRef>
+          <a:effectRef idx="0">
+            <a:scrgbClr r="0" g="0" b="0"/>
+          </a:effectRef>
+          <a:fontRef idx="major"/>
+        </p:style>
+      </p:pic>
+    </p:spTree>
+  </p:cSld>
+  <p:clrMapOvr>
+    <a:masterClrMapping/>
+  </p:clrMapOvr>
+</p:sld>
+</file>
+
+<file path=ppt/slides/slide4.xml><?xml version="1.0" encoding="utf-8"?>
+<p:sld xmlns:a="http://schemas.openxmlformats.org/drawingml/2006/main" xmlns:r="http://schemas.openxmlformats.org/officeDocument/2006/relationships" xmlns:p="http://schemas.openxmlformats.org/presentationml/2006/main">
+  <p:cSld>
+    <p:spTree>
+      <p:nvGrpSpPr>
+        <p:cNvPr id="1" name=""/>
+        <p:cNvGrpSpPr/>
+        <p:nvPr/>
+      </p:nvGrpSpPr>
+      <p:grpSpPr>
+        <a:xfrm>
+          <a:off x="0" y="0"/>
+          <a:ext cx="0" cy="0"/>
+          <a:chOff x="0" y="0"/>
+          <a:chExt cx="0" cy="0"/>
+        </a:xfrm>
+      </p:grpSpPr>
+      <p:sp>
+        <p:nvSpPr>
+          <p:cNvPr id="2" name="标题 1"/>
+          <p:cNvSpPr>
+            <a:spLocks noGrp="1"/>
+          </p:cNvSpPr>
+          <p:nvPr>
+            <p:ph type="title"/>
+          </p:nvPr>
+        </p:nvSpPr>
+        <p:spPr/>
+        <p:txBody>
+          <a:bodyPr/>
+          <a:lstStyle/>
+          <a:p>
+            <a:r>
+              <a:rPr lang="zh-CN" altLang="en-US" dirty="0" smtClean="0"/>
+              <a:t>执行顺序</a:t>
+            </a:r>
+            <a:endParaRPr lang="zh-CN" altLang="en-US" dirty="0"/>
+          </a:p>
+        </p:txBody>
+      </p:sp>
+      <p:sp>
+        <p:nvSpPr>
+          <p:cNvPr id="3" name="内容占位符 2"/>
+          <p:cNvSpPr>
+            <a:spLocks noGrp="1"/>
+          </p:cNvSpPr>
+          <p:nvPr>
+            <p:ph idx="1"/>
+          </p:nvPr>
+        </p:nvSpPr>
+        <p:spPr/>
+        <p:txBody>
+          <a:bodyPr>
+            <a:normAutofit fontScale="32500" lnSpcReduction="20000"/>
+          </a:bodyPr>
+          <a:lstStyle/>
+          <a:p>
+            <a:r>
+              <a:rPr lang="en-US" dirty="0" smtClean="0"/>
+              <a:t>SQL Server 2005</a:t>
+            </a:r>
+            <a:r>
+              <a:rPr lang="zh-CN" altLang="en-US" dirty="0" smtClean="0"/>
+              <a:t>的各个逻辑步骤的简单描述。</a:t>
+            </a:r>
+          </a:p>
+          <a:p>
+            <a:r>
+              <a:rPr lang="en-US" altLang="zh-CN" dirty="0" smtClean="0"/>
+              <a:t>( 8 ) </a:t>
+            </a:r>
+            <a:r>
+              <a:rPr lang="en-US" dirty="0" smtClean="0"/>
+              <a:t>SELECT ( 9 ) DISTINCT ( 11 ) &lt; Top Num &gt; &lt; select list &gt; </a:t>
+            </a:r>
+            <a:br>
+              <a:rPr lang="en-US" dirty="0" smtClean="0"/>
+            </a:br>
+            <a:r>
+              <a:rPr lang="en-US" dirty="0" smtClean="0"/>
+              <a:t>( 1 ) FROM [ </a:t>
+            </a:r>
+            <a:r>
+              <a:rPr lang="en-US" dirty="0" err="1" smtClean="0"/>
+              <a:t>left_table</a:t>
+            </a:r>
+            <a:r>
+              <a:rPr lang="en-US" dirty="0" smtClean="0"/>
+              <a:t> ] </a:t>
+            </a:r>
+            <a:br>
+              <a:rPr lang="en-US" dirty="0" smtClean="0"/>
+            </a:br>
+            <a:r>
+              <a:rPr lang="en-US" dirty="0" smtClean="0"/>
+              <a:t>( 3 ) &lt; </a:t>
+            </a:r>
+            <a:r>
+              <a:rPr lang="en-US" dirty="0" err="1" smtClean="0"/>
+              <a:t>join_type</a:t>
+            </a:r>
+            <a:r>
+              <a:rPr lang="en-US" dirty="0" smtClean="0"/>
+              <a:t> &gt; JOIN &lt; </a:t>
+            </a:r>
+            <a:r>
+              <a:rPr lang="en-US" dirty="0" err="1" smtClean="0"/>
+              <a:t>right_table</a:t>
+            </a:r>
+            <a:r>
+              <a:rPr lang="en-US" dirty="0" smtClean="0"/>
+              <a:t> &gt; </a:t>
+            </a:r>
+            <a:br>
+              <a:rPr lang="en-US" dirty="0" smtClean="0"/>
+            </a:br>
+            <a:r>
+              <a:rPr lang="en-US" dirty="0" smtClean="0"/>
+              <a:t>( 2 ) ON &lt; </a:t>
+            </a:r>
+            <a:r>
+              <a:rPr lang="en-US" dirty="0" err="1" smtClean="0"/>
+              <a:t>join_condition</a:t>
+            </a:r>
+            <a:r>
+              <a:rPr lang="en-US" dirty="0" smtClean="0"/>
+              <a:t> &gt; </a:t>
+            </a:r>
+            <a:br>
+              <a:rPr lang="en-US" dirty="0" smtClean="0"/>
+            </a:br>
+            <a:r>
+              <a:rPr lang="en-US" dirty="0" smtClean="0"/>
+              <a:t>( 4 ) WHERE &lt; </a:t>
+            </a:r>
+            <a:r>
+              <a:rPr lang="en-US" dirty="0" err="1" smtClean="0"/>
+              <a:t>where_condition</a:t>
+            </a:r>
+            <a:r>
+              <a:rPr lang="en-US" dirty="0" smtClean="0"/>
+              <a:t> &gt; </a:t>
+            </a:r>
+            <a:br>
+              <a:rPr lang="en-US" dirty="0" smtClean="0"/>
+            </a:br>
+            <a:r>
+              <a:rPr lang="en-US" dirty="0" smtClean="0"/>
+              <a:t>( 5 ) GROUP BY &lt; </a:t>
+            </a:r>
+            <a:r>
+              <a:rPr lang="en-US" dirty="0" err="1" smtClean="0"/>
+              <a:t>group_by_list</a:t>
+            </a:r>
+            <a:r>
+              <a:rPr lang="en-US" dirty="0" smtClean="0"/>
+              <a:t> &gt; </a:t>
+            </a:r>
+            <a:br>
+              <a:rPr lang="en-US" dirty="0" smtClean="0"/>
+            </a:br>
+            <a:r>
+              <a:rPr lang="en-US" dirty="0" smtClean="0"/>
+              <a:t>( 6 ) WITH &lt; CUBE | </a:t>
+            </a:r>
+            <a:r>
+              <a:rPr lang="en-US" dirty="0" err="1" smtClean="0"/>
+              <a:t>RollUP</a:t>
+            </a:r>
+            <a:r>
+              <a:rPr lang="en-US" dirty="0" smtClean="0"/>
+              <a:t> &gt; </a:t>
+            </a:r>
+            <a:br>
+              <a:rPr lang="en-US" dirty="0" smtClean="0"/>
+            </a:br>
+            <a:r>
+              <a:rPr lang="en-US" dirty="0" smtClean="0"/>
+              <a:t>( 7 ) HAVING &lt; </a:t>
+            </a:r>
+            <a:r>
+              <a:rPr lang="en-US" dirty="0" err="1" smtClean="0"/>
+              <a:t>having_condition</a:t>
+            </a:r>
+            <a:r>
+              <a:rPr lang="en-US" dirty="0" smtClean="0"/>
+              <a:t> &gt; </a:t>
+            </a:r>
+            <a:br>
+              <a:rPr lang="en-US" dirty="0" smtClean="0"/>
+            </a:br>
+            <a:r>
+              <a:rPr lang="en-US" dirty="0" smtClean="0"/>
+              <a:t>( 10 ) ORDER BY &lt; </a:t>
+            </a:r>
+            <a:r>
+              <a:rPr lang="en-US" dirty="0" err="1" smtClean="0"/>
+              <a:t>order_by_list</a:t>
+            </a:r>
+            <a:r>
+              <a:rPr lang="en-US" dirty="0" smtClean="0"/>
+              <a:t> &gt;</a:t>
+            </a:r>
+          </a:p>
+          <a:p>
+            <a:r>
+              <a:rPr lang="zh-CN" altLang="en-US" dirty="0" smtClean="0"/>
+              <a:t>逻辑查询处理阶段简介 </a:t>
+            </a:r>
+            <a:br>
+              <a:rPr lang="zh-CN" altLang="en-US" dirty="0" smtClean="0"/>
+            </a:br>
+            <a:r>
+              <a:rPr lang="en-US" dirty="0" smtClean="0"/>
+              <a:t>FROM：</a:t>
+            </a:r>
+            <a:r>
+              <a:rPr lang="zh-CN" altLang="en-US" dirty="0" smtClean="0"/>
+              <a:t>对</a:t>
+            </a:r>
+            <a:r>
+              <a:rPr lang="en-US" dirty="0" smtClean="0"/>
+              <a:t>FROM</a:t>
+            </a:r>
+            <a:r>
+              <a:rPr lang="zh-CN" altLang="en-US" dirty="0" smtClean="0"/>
+              <a:t>子句中的前两个表执行笛卡尔积（</a:t>
+            </a:r>
+            <a:r>
+              <a:rPr lang="en-US" dirty="0" smtClean="0"/>
+              <a:t>Cartesian product)(</a:t>
+            </a:r>
+            <a:r>
+              <a:rPr lang="zh-CN" altLang="en-US" dirty="0" smtClean="0"/>
+              <a:t>交叉联接），生成虚拟表</a:t>
+            </a:r>
+            <a:r>
+              <a:rPr lang="en-US" dirty="0" smtClean="0"/>
+              <a:t>VT1</a:t>
+            </a:r>
+          </a:p>
+          <a:p>
+            <a:r>
+              <a:rPr lang="en-US" dirty="0" smtClean="0"/>
+              <a:t>ON：</a:t>
+            </a:r>
+            <a:r>
+              <a:rPr lang="zh-CN" altLang="en-US" dirty="0" smtClean="0"/>
+              <a:t>对</a:t>
+            </a:r>
+            <a:r>
+              <a:rPr lang="en-US" dirty="0" smtClean="0"/>
+              <a:t>VT1</a:t>
+            </a:r>
+            <a:r>
+              <a:rPr lang="zh-CN" altLang="en-US" dirty="0" smtClean="0"/>
+              <a:t>应用</a:t>
+            </a:r>
+            <a:r>
+              <a:rPr lang="en-US" dirty="0" smtClean="0"/>
+              <a:t>ON</a:t>
+            </a:r>
+            <a:r>
+              <a:rPr lang="zh-CN" altLang="en-US" dirty="0" smtClean="0"/>
+              <a:t>筛选器。只有那些使为真的行才被插入</a:t>
+            </a:r>
+            <a:r>
+              <a:rPr lang="en-US" dirty="0" smtClean="0"/>
+              <a:t>VT2。</a:t>
+            </a:r>
+          </a:p>
+          <a:p>
+            <a:r>
+              <a:rPr lang="en-US" dirty="0" smtClean="0"/>
+              <a:t>OUTER(JOIN)：</a:t>
+            </a:r>
+            <a:r>
+              <a:rPr lang="zh-CN" altLang="en-US" dirty="0" smtClean="0"/>
+              <a:t>如 果指定了</a:t>
+            </a:r>
+            <a:r>
+              <a:rPr lang="en-US" dirty="0" smtClean="0"/>
+              <a:t>OUTER JOIN（</a:t>
+            </a:r>
+            <a:r>
+              <a:rPr lang="zh-CN" altLang="en-US" dirty="0" smtClean="0"/>
+              <a:t>相对于</a:t>
+            </a:r>
+            <a:r>
+              <a:rPr lang="en-US" dirty="0" smtClean="0"/>
+              <a:t>CROSS JOIN </a:t>
+            </a:r>
+            <a:r>
+              <a:rPr lang="zh-CN" altLang="en-US" dirty="0" smtClean="0"/>
+              <a:t>或</a:t>
+            </a:r>
+            <a:r>
+              <a:rPr lang="en-US" altLang="zh-CN" dirty="0" smtClean="0"/>
+              <a:t>(</a:t>
+            </a:r>
+            <a:r>
+              <a:rPr lang="en-US" dirty="0" smtClean="0"/>
+              <a:t>INNER JOIN),</a:t>
+            </a:r>
+            <a:r>
+              <a:rPr lang="zh-CN" altLang="en-US" dirty="0" smtClean="0"/>
+              <a:t>保留表（</a:t>
+            </a:r>
+            <a:r>
+              <a:rPr lang="en-US" dirty="0" smtClean="0"/>
+              <a:t>preserved table：</a:t>
+            </a:r>
+            <a:r>
+              <a:rPr lang="zh-CN" altLang="en-US" dirty="0" smtClean="0"/>
+              <a:t>左外部联接把左表标记为保留表，右外部联接把右表标记为保留表，完全外部联接把两个表都标记为保留表）中未找到匹配的行将作为外部行添加到 </a:t>
+            </a:r>
+            <a:r>
+              <a:rPr lang="en-US" dirty="0" smtClean="0"/>
+              <a:t>VT2,</a:t>
+            </a:r>
+            <a:r>
+              <a:rPr lang="zh-CN" altLang="en-US" dirty="0" smtClean="0"/>
+              <a:t>生成</a:t>
+            </a:r>
+            <a:r>
+              <a:rPr lang="en-US" dirty="0" smtClean="0"/>
+              <a:t>VT3.</a:t>
+            </a:r>
+            <a:r>
+              <a:rPr lang="zh-CN" altLang="en-US" dirty="0" smtClean="0"/>
+              <a:t>如果</a:t>
+            </a:r>
+            <a:r>
+              <a:rPr lang="en-US" dirty="0" smtClean="0"/>
+              <a:t>FROM</a:t>
+            </a:r>
+            <a:r>
+              <a:rPr lang="zh-CN" altLang="en-US" dirty="0" smtClean="0"/>
+              <a:t>子句包含两个以上的表，则对上一个联接生成的结果表和下一个表重复执行步骤</a:t>
+            </a:r>
+            <a:r>
+              <a:rPr lang="en-US" altLang="zh-CN" dirty="0" smtClean="0"/>
+              <a:t>1</a:t>
+            </a:r>
+            <a:r>
+              <a:rPr lang="zh-CN" altLang="en-US" dirty="0" smtClean="0"/>
+              <a:t>到步骤</a:t>
+            </a:r>
+            <a:r>
+              <a:rPr lang="en-US" altLang="zh-CN" dirty="0" smtClean="0"/>
+              <a:t>3</a:t>
+            </a:r>
+            <a:r>
+              <a:rPr lang="zh-CN" altLang="en-US" dirty="0" smtClean="0"/>
+              <a:t>，直到处理完所有的表为止。</a:t>
+            </a:r>
+          </a:p>
+          <a:p>
+            <a:r>
+              <a:rPr lang="en-US" dirty="0" smtClean="0"/>
+              <a:t>WHERE：</a:t>
+            </a:r>
+            <a:r>
+              <a:rPr lang="zh-CN" altLang="en-US" dirty="0" smtClean="0"/>
+              <a:t>对</a:t>
+            </a:r>
+            <a:r>
+              <a:rPr lang="en-US" dirty="0" smtClean="0"/>
+              <a:t>VT3</a:t>
+            </a:r>
+            <a:r>
+              <a:rPr lang="zh-CN" altLang="en-US" dirty="0" smtClean="0"/>
+              <a:t>应用</a:t>
+            </a:r>
+            <a:r>
+              <a:rPr lang="en-US" dirty="0" smtClean="0"/>
+              <a:t>WHERE</a:t>
+            </a:r>
+            <a:r>
+              <a:rPr lang="zh-CN" altLang="en-US" dirty="0" smtClean="0"/>
+              <a:t>筛选器。只有使为</a:t>
+            </a:r>
+            <a:r>
+              <a:rPr lang="en-US" dirty="0" smtClean="0"/>
+              <a:t>true</a:t>
+            </a:r>
+            <a:r>
+              <a:rPr lang="zh-CN" altLang="en-US" dirty="0" smtClean="0"/>
+              <a:t>的行才被插入</a:t>
+            </a:r>
+            <a:r>
+              <a:rPr lang="en-US" dirty="0" smtClean="0"/>
+              <a:t>VT4.</a:t>
+            </a:r>
+          </a:p>
+          <a:p>
+            <a:r>
+              <a:rPr lang="en-US" dirty="0" smtClean="0"/>
+              <a:t>GROUP BY：</a:t>
+            </a:r>
+            <a:r>
+              <a:rPr lang="zh-CN" altLang="en-US" dirty="0" smtClean="0"/>
+              <a:t>按</a:t>
+            </a:r>
+            <a:r>
+              <a:rPr lang="en-US" dirty="0" smtClean="0"/>
+              <a:t>GROUP BY</a:t>
+            </a:r>
+            <a:r>
+              <a:rPr lang="zh-CN" altLang="en-US" dirty="0" smtClean="0"/>
+              <a:t>子句中的列列表对</a:t>
+            </a:r>
+            <a:r>
+              <a:rPr lang="en-US" dirty="0" smtClean="0"/>
+              <a:t>VT4</a:t>
+            </a:r>
+            <a:r>
+              <a:rPr lang="zh-CN" altLang="en-US" dirty="0" smtClean="0"/>
+              <a:t>中的行分组，生成</a:t>
+            </a:r>
+            <a:r>
+              <a:rPr lang="en-US" dirty="0" smtClean="0"/>
+              <a:t>VT5.</a:t>
+            </a:r>
+          </a:p>
+          <a:p>
+            <a:r>
+              <a:rPr lang="en-US" dirty="0" smtClean="0"/>
+              <a:t>CUBE|ROLLUP：</a:t>
+            </a:r>
+            <a:r>
+              <a:rPr lang="zh-CN" altLang="en-US" dirty="0" smtClean="0"/>
+              <a:t>把超组</a:t>
+            </a:r>
+            <a:r>
+              <a:rPr lang="en-US" altLang="zh-CN" dirty="0" smtClean="0"/>
+              <a:t>(</a:t>
+            </a:r>
+            <a:r>
+              <a:rPr lang="en-US" dirty="0" err="1" smtClean="0"/>
+              <a:t>Suppergroups</a:t>
+            </a:r>
+            <a:r>
+              <a:rPr lang="en-US" dirty="0" smtClean="0"/>
+              <a:t>)</a:t>
+            </a:r>
+            <a:r>
+              <a:rPr lang="zh-CN" altLang="en-US" dirty="0" smtClean="0"/>
+              <a:t>插入</a:t>
+            </a:r>
+            <a:r>
+              <a:rPr lang="en-US" dirty="0" smtClean="0"/>
+              <a:t>VT5,</a:t>
+            </a:r>
+            <a:r>
+              <a:rPr lang="zh-CN" altLang="en-US" dirty="0" smtClean="0"/>
+              <a:t>生成</a:t>
+            </a:r>
+            <a:r>
+              <a:rPr lang="en-US" dirty="0" smtClean="0"/>
+              <a:t>VT6.</a:t>
+            </a:r>
+          </a:p>
+          <a:p>
+            <a:r>
+              <a:rPr lang="en-US" dirty="0" smtClean="0"/>
+              <a:t>HAVING：</a:t>
+            </a:r>
+            <a:r>
+              <a:rPr lang="zh-CN" altLang="en-US" dirty="0" smtClean="0"/>
+              <a:t>对</a:t>
+            </a:r>
+            <a:r>
+              <a:rPr lang="en-US" dirty="0" smtClean="0"/>
+              <a:t>VT6</a:t>
+            </a:r>
+            <a:r>
+              <a:rPr lang="zh-CN" altLang="en-US" dirty="0" smtClean="0"/>
+              <a:t>应用</a:t>
+            </a:r>
+            <a:r>
+              <a:rPr lang="en-US" dirty="0" smtClean="0"/>
+              <a:t>HAVING</a:t>
+            </a:r>
+            <a:r>
+              <a:rPr lang="zh-CN" altLang="en-US" dirty="0" smtClean="0"/>
+              <a:t>筛选器。只有使为</a:t>
+            </a:r>
+            <a:r>
+              <a:rPr lang="en-US" dirty="0" smtClean="0"/>
+              <a:t>true</a:t>
+            </a:r>
+            <a:r>
+              <a:rPr lang="zh-CN" altLang="en-US" dirty="0" smtClean="0"/>
+              <a:t>的组才会被插入</a:t>
+            </a:r>
+            <a:r>
+              <a:rPr lang="en-US" dirty="0" smtClean="0"/>
+              <a:t>VT7.</a:t>
+            </a:r>
+          </a:p>
+          <a:p>
+            <a:r>
+              <a:rPr lang="en-US" dirty="0" smtClean="0"/>
+              <a:t>SELECT：</a:t>
+            </a:r>
+            <a:r>
+              <a:rPr lang="zh-CN" altLang="en-US" dirty="0" smtClean="0"/>
+              <a:t>处理</a:t>
+            </a:r>
+            <a:r>
+              <a:rPr lang="en-US" dirty="0" smtClean="0"/>
+              <a:t>SELECT</a:t>
+            </a:r>
+            <a:r>
+              <a:rPr lang="zh-CN" altLang="en-US" dirty="0" smtClean="0"/>
+              <a:t>列表，产生</a:t>
+            </a:r>
+            <a:r>
+              <a:rPr lang="en-US" dirty="0" smtClean="0"/>
+              <a:t>VT8.</a:t>
+            </a:r>
+          </a:p>
+          <a:p>
+            <a:r>
+              <a:rPr lang="en-US" dirty="0" smtClean="0"/>
+              <a:t>DISTINCT：</a:t>
+            </a:r>
+            <a:r>
+              <a:rPr lang="zh-CN" altLang="en-US" dirty="0" smtClean="0"/>
+              <a:t>将重复的行从</a:t>
+            </a:r>
+            <a:r>
+              <a:rPr lang="en-US" dirty="0" smtClean="0"/>
+              <a:t>VT8</a:t>
+            </a:r>
+            <a:r>
+              <a:rPr lang="zh-CN" altLang="en-US" dirty="0" smtClean="0"/>
+              <a:t>中移除，产生</a:t>
+            </a:r>
+            <a:r>
+              <a:rPr lang="en-US" dirty="0" smtClean="0"/>
+              <a:t>VT9.</a:t>
+            </a:r>
+          </a:p>
+          <a:p>
+            <a:r>
+              <a:rPr lang="en-US" dirty="0" smtClean="0"/>
+              <a:t>ORDER BY：</a:t>
+            </a:r>
+            <a:r>
+              <a:rPr lang="zh-CN" altLang="en-US" dirty="0" smtClean="0"/>
+              <a:t>将</a:t>
+            </a:r>
+            <a:r>
+              <a:rPr lang="en-US" dirty="0" smtClean="0"/>
+              <a:t>VT9</a:t>
+            </a:r>
+            <a:r>
+              <a:rPr lang="zh-CN" altLang="en-US" dirty="0" smtClean="0"/>
+              <a:t>中的行按</a:t>
+            </a:r>
+            <a:r>
+              <a:rPr lang="en-US" dirty="0" smtClean="0"/>
+              <a:t>ORDER BY </a:t>
+            </a:r>
+            <a:r>
+              <a:rPr lang="zh-CN" altLang="en-US" dirty="0" smtClean="0"/>
+              <a:t>子句中的列列表排序，生成游标（</a:t>
+            </a:r>
+            <a:r>
+              <a:rPr lang="en-US" dirty="0" smtClean="0"/>
+              <a:t>VC10).</a:t>
+            </a:r>
+          </a:p>
+          <a:p>
+            <a:r>
+              <a:rPr lang="en-US" dirty="0" smtClean="0"/>
+              <a:t>TOP：</a:t>
+            </a:r>
+            <a:r>
+              <a:rPr lang="zh-CN" altLang="en-US" dirty="0" smtClean="0"/>
+              <a:t>从</a:t>
+            </a:r>
+            <a:r>
+              <a:rPr lang="en-US" dirty="0" smtClean="0"/>
+              <a:t>VC10</a:t>
+            </a:r>
+            <a:r>
+              <a:rPr lang="zh-CN" altLang="en-US" dirty="0" smtClean="0"/>
+              <a:t>的开始处选择指定数量或比例的行，生成表</a:t>
+            </a:r>
+            <a:r>
+              <a:rPr lang="en-US" dirty="0" smtClean="0"/>
+              <a:t>VT11,</a:t>
+            </a:r>
+            <a:r>
+              <a:rPr lang="zh-CN" altLang="en-US" dirty="0" smtClean="0"/>
+              <a:t>并返回调用者。</a:t>
+            </a:r>
+          </a:p>
+          <a:p>
+            <a:endParaRPr lang="zh-CN" altLang="en-US" dirty="0"/>
+          </a:p>
+        </p:txBody>
+      </p:sp>
+    </p:spTree>
+  </p:cSld>
+  <p:clrMapOvr>
+    <a:masterClrMapping/>
+  </p:clrMapOvr>
+</p:sld>
+</file>
+
+<file path=ppt/slides/slide5.xml><?xml version="1.0" encoding="utf-8"?>
+<p:sld xmlns:a="http://schemas.openxmlformats.org/drawingml/2006/main" xmlns:r="http://schemas.openxmlformats.org/officeDocument/2006/relationships" xmlns:p="http://schemas.openxmlformats.org/presentationml/2006/main">
+  <p:cSld>
+    <p:spTree>
+      <p:nvGrpSpPr>
+        <p:cNvPr id="1" name=""/>
+        <p:cNvGrpSpPr/>
+        <p:nvPr/>
+      </p:nvGrpSpPr>
+      <p:grpSpPr>
+        <a:xfrm>
+          <a:off x="0" y="0"/>
+          <a:ext cx="0" cy="0"/>
+          <a:chOff x="0" y="0"/>
+          <a:chExt cx="0" cy="0"/>
+        </a:xfrm>
+      </p:grpSpPr>
+      <p:sp>
+        <p:nvSpPr>
+          <p:cNvPr id="2" name="标题 1"/>
+          <p:cNvSpPr>
+            <a:spLocks noGrp="1"/>
+          </p:cNvSpPr>
+          <p:nvPr>
+            <p:ph type="title"/>
+          </p:nvPr>
+        </p:nvSpPr>
+        <p:spPr/>
+        <p:txBody>
+          <a:bodyPr/>
+          <a:lstStyle/>
+          <a:p>
+            <a:endParaRPr lang="zh-CN" altLang="en-US"/>
+          </a:p>
+        </p:txBody>
+      </p:sp>
+      <p:sp>
+        <p:nvSpPr>
+          <p:cNvPr id="3" name="内容占位符 2"/>
+          <p:cNvSpPr>
+            <a:spLocks noGrp="1"/>
+          </p:cNvSpPr>
+          <p:nvPr>
+            <p:ph idx="1"/>
+          </p:nvPr>
+        </p:nvSpPr>
+        <p:spPr/>
+        <p:txBody>
+          <a:bodyPr/>
+          <a:lstStyle/>
+          <a:p>
+            <a:endParaRPr lang="zh-CN" altLang="en-US" dirty="0"/>
+          </a:p>
+        </p:txBody>
+      </p:sp>
+      <p:pic>
+        <p:nvPicPr>
+          <p:cNvPr id="2050" name="Picture 2" descr="C:\Users\Administrator\Desktop\464220-20151218111516912-1701670617.png"/>
+          <p:cNvPicPr>
+            <a:picLocks noChangeAspect="1" noChangeArrowheads="1"/>
+          </p:cNvPicPr>
+          <p:nvPr/>
+        </p:nvPicPr>
+        <p:blipFill>
+          <a:blip r:embed="rId2"/>
+          <a:srcRect/>
+          <a:stretch>
+            <a:fillRect/>
+          </a:stretch>
+        </p:blipFill>
+        <p:spPr bwMode="auto">
+          <a:xfrm>
+            <a:off x="-1360488" y="-1346200"/>
+            <a:ext cx="8570913" cy="8256588"/>
+          </a:xfrm>
+          <a:prstGeom prst="rect">
+            <a:avLst/>
+          </a:prstGeom>
+          <a:noFill/>
+        </p:spPr>
+      </p:pic>
+    </p:spTree>
+  </p:cSld>
+  <p:clrMapOvr>
+    <a:masterClrMapping/>
+  </p:clrMapOvr>
+</p:sld>
+</file>
+
+<file path=ppt/slides/slide6.xml><?xml version="1.0" encoding="utf-8"?>
+<p:sld xmlns:a="http://schemas.openxmlformats.org/drawingml/2006/main" xmlns:r="http://schemas.openxmlformats.org/officeDocument/2006/relationships" xmlns:p="http://schemas.openxmlformats.org/presentationml/2006/main">
+  <p:cSld>
+    <p:spTree>
+      <p:nvGrpSpPr>
+        <p:cNvPr id="1" name=""/>
+        <p:cNvGrpSpPr/>
+        <p:nvPr/>
+      </p:nvGrpSpPr>
+      <p:grpSpPr>
+        <a:xfrm>
+          <a:off x="0" y="0"/>
+          <a:ext cx="0" cy="0"/>
+          <a:chOff x="0" y="0"/>
+          <a:chExt cx="0" cy="0"/>
+        </a:xfrm>
+      </p:grpSpPr>
+      <p:sp>
+        <p:nvSpPr>
+          <p:cNvPr id="2" name="标题 1"/>
+          <p:cNvSpPr>
+            <a:spLocks noGrp="1"/>
+          </p:cNvSpPr>
+          <p:nvPr>
+            <p:ph type="title"/>
+          </p:nvPr>
+        </p:nvSpPr>
+        <p:spPr/>
+        <p:txBody>
+          <a:bodyPr/>
+          <a:lstStyle/>
+          <a:p>
+            <a:r>
+              <a:rPr lang="zh-CN" altLang="en-US" dirty="0" smtClean="0"/>
+              <a:t>顺序详解</a:t>
+            </a:r>
+            <a:endParaRPr lang="zh-CN" altLang="en-US" dirty="0"/>
+          </a:p>
+        </p:txBody>
+      </p:sp>
+      <p:sp>
+        <p:nvSpPr>
+          <p:cNvPr id="3" name="内容占位符 2"/>
+          <p:cNvSpPr>
+            <a:spLocks noGrp="1"/>
+          </p:cNvSpPr>
+          <p:nvPr>
+            <p:ph idx="1"/>
+          </p:nvPr>
+        </p:nvSpPr>
+        <p:spPr/>
+        <p:txBody>
+          <a:bodyPr>
+            <a:normAutofit fontScale="32500" lnSpcReduction="20000"/>
+          </a:bodyPr>
+          <a:lstStyle/>
+          <a:p>
+            <a:r>
+              <a:rPr lang="zh-CN" altLang="en-US" dirty="0" smtClean="0"/>
+              <a:t>所有的 查询语句都是从</a:t>
+            </a:r>
+            <a:r>
+              <a:rPr lang="en-US" altLang="zh-CN" dirty="0" smtClean="0"/>
+              <a:t>from</a:t>
+            </a:r>
+            <a:r>
+              <a:rPr lang="zh-CN" altLang="en-US" dirty="0" smtClean="0"/>
+              <a:t>开始执行的，在执行过程中，每个步骤都会为下一个步骤生成一个虚拟表，这个虚拟表将作为下一个执行步骤的输入。 </a:t>
+            </a:r>
+            <a:br>
+              <a:rPr lang="zh-CN" altLang="en-US" dirty="0" smtClean="0"/>
+            </a:br>
+            <a:r>
+              <a:rPr lang="zh-CN" altLang="en-US" dirty="0" smtClean="0"/>
+              <a:t>第一步：首先对</a:t>
+            </a:r>
+            <a:r>
+              <a:rPr lang="en-US" altLang="zh-CN" dirty="0" smtClean="0"/>
+              <a:t>from</a:t>
+            </a:r>
+            <a:r>
+              <a:rPr lang="zh-CN" altLang="en-US" dirty="0" smtClean="0"/>
+              <a:t>子句中的前两个表执行一个笛卡尔乘积，此时生成虚拟表 </a:t>
+            </a:r>
+            <a:r>
+              <a:rPr lang="en-US" altLang="zh-CN" dirty="0" smtClean="0"/>
+              <a:t>vt1</a:t>
+            </a:r>
+            <a:r>
+              <a:rPr lang="zh-CN" altLang="en-US" dirty="0" smtClean="0"/>
+              <a:t>（选择相对小的表做基础表） </a:t>
+            </a:r>
+            <a:br>
+              <a:rPr lang="zh-CN" altLang="en-US" dirty="0" smtClean="0"/>
+            </a:br>
+            <a:r>
+              <a:rPr lang="zh-CN" altLang="en-US" dirty="0" smtClean="0"/>
+              <a:t>第二步：接下来便是应用</a:t>
+            </a:r>
+            <a:r>
+              <a:rPr lang="en-US" altLang="zh-CN" dirty="0" smtClean="0"/>
+              <a:t>on</a:t>
+            </a:r>
+            <a:r>
+              <a:rPr lang="zh-CN" altLang="en-US" dirty="0" smtClean="0"/>
+              <a:t>筛选器，</a:t>
+            </a:r>
+            <a:r>
+              <a:rPr lang="en-US" altLang="zh-CN" dirty="0" smtClean="0"/>
+              <a:t>on </a:t>
+            </a:r>
+            <a:r>
+              <a:rPr lang="zh-CN" altLang="en-US" dirty="0" smtClean="0"/>
+              <a:t>中的逻辑表达式将应用到 </a:t>
+            </a:r>
+            <a:r>
+              <a:rPr lang="en-US" altLang="zh-CN" dirty="0" smtClean="0"/>
+              <a:t>vt1 </a:t>
+            </a:r>
+            <a:r>
+              <a:rPr lang="zh-CN" altLang="en-US" dirty="0" smtClean="0"/>
+              <a:t>中的各个行，筛选出满足</a:t>
+            </a:r>
+            <a:r>
+              <a:rPr lang="en-US" altLang="zh-CN" dirty="0" smtClean="0"/>
+              <a:t>on</a:t>
+            </a:r>
+            <a:r>
+              <a:rPr lang="zh-CN" altLang="en-US" dirty="0" smtClean="0"/>
+              <a:t>逻辑表达式的行，生成虚拟表 </a:t>
+            </a:r>
+            <a:r>
+              <a:rPr lang="en-US" altLang="zh-CN" dirty="0" smtClean="0"/>
+              <a:t>vt2 </a:t>
+            </a:r>
+            <a:br>
+              <a:rPr lang="en-US" altLang="zh-CN" dirty="0" smtClean="0"/>
+            </a:br>
+            <a:r>
+              <a:rPr lang="zh-CN" altLang="en-US" dirty="0" smtClean="0"/>
+              <a:t>第三步：如果是</a:t>
+            </a:r>
+            <a:r>
+              <a:rPr lang="en-US" altLang="zh-CN" dirty="0" smtClean="0"/>
+              <a:t>outer join </a:t>
+            </a:r>
+            <a:r>
+              <a:rPr lang="zh-CN" altLang="en-US" dirty="0" smtClean="0"/>
+              <a:t>那么这一步就将添加外部行，</a:t>
+            </a:r>
+            <a:r>
+              <a:rPr lang="en-US" altLang="zh-CN" dirty="0" smtClean="0"/>
+              <a:t>left outer </a:t>
+            </a:r>
+            <a:r>
+              <a:rPr lang="en-US" altLang="zh-CN" dirty="0" err="1" smtClean="0"/>
+              <a:t>jion</a:t>
+            </a:r>
+            <a:r>
+              <a:rPr lang="en-US" altLang="zh-CN" dirty="0" smtClean="0"/>
+              <a:t> </a:t>
+            </a:r>
+            <a:r>
+              <a:rPr lang="zh-CN" altLang="en-US" dirty="0" smtClean="0"/>
+              <a:t>就把左表在第二步中过滤的添加进来，如果是</a:t>
+            </a:r>
+            <a:r>
+              <a:rPr lang="en-US" altLang="zh-CN" dirty="0" smtClean="0"/>
+              <a:t>right outer join </a:t>
+            </a:r>
+            <a:r>
+              <a:rPr lang="zh-CN" altLang="en-US" dirty="0" smtClean="0"/>
+              <a:t>那么就将右表在第二步中过滤掉的行添加进来，这样生成虚拟表 </a:t>
+            </a:r>
+            <a:r>
+              <a:rPr lang="en-US" altLang="zh-CN" dirty="0" smtClean="0"/>
+              <a:t>vt3 </a:t>
+            </a:r>
+            <a:br>
+              <a:rPr lang="en-US" altLang="zh-CN" dirty="0" smtClean="0"/>
+            </a:br>
+            <a:r>
+              <a:rPr lang="zh-CN" altLang="en-US" dirty="0" smtClean="0"/>
+              <a:t>第四步：如果 </a:t>
+            </a:r>
+            <a:r>
+              <a:rPr lang="en-US" altLang="zh-CN" dirty="0" smtClean="0"/>
+              <a:t>from </a:t>
+            </a:r>
+            <a:r>
+              <a:rPr lang="zh-CN" altLang="en-US" dirty="0" smtClean="0"/>
+              <a:t>子句中的表数目多余两个表，那么就将</a:t>
+            </a:r>
+            <a:r>
+              <a:rPr lang="en-US" altLang="zh-CN" dirty="0" smtClean="0"/>
+              <a:t>vt3</a:t>
+            </a:r>
+            <a:r>
+              <a:rPr lang="zh-CN" altLang="en-US" dirty="0" smtClean="0"/>
+              <a:t>和第三个表连接从而计算笛卡尔乘积，生成虚拟表，该过程就是一个重复</a:t>
+            </a:r>
+            <a:r>
+              <a:rPr lang="en-US" altLang="zh-CN" dirty="0" smtClean="0"/>
+              <a:t>1-3</a:t>
+            </a:r>
+            <a:r>
+              <a:rPr lang="zh-CN" altLang="en-US" dirty="0" smtClean="0"/>
+              <a:t>的步骤，最终得到一个新的虚拟表 </a:t>
+            </a:r>
+            <a:r>
+              <a:rPr lang="en-US" altLang="zh-CN" dirty="0" smtClean="0"/>
+              <a:t>vt3</a:t>
+            </a:r>
+            <a:r>
+              <a:rPr lang="zh-CN" altLang="en-US" dirty="0" smtClean="0"/>
+              <a:t>。 </a:t>
+            </a:r>
+            <a:br>
+              <a:rPr lang="zh-CN" altLang="en-US" dirty="0" smtClean="0"/>
+            </a:br>
+            <a:r>
+              <a:rPr lang="zh-CN" altLang="en-US" dirty="0" smtClean="0"/>
+              <a:t>第五步：应用</a:t>
+            </a:r>
+            <a:r>
+              <a:rPr lang="en-US" altLang="zh-CN" dirty="0" smtClean="0"/>
+              <a:t>where</a:t>
+            </a:r>
+            <a:r>
+              <a:rPr lang="zh-CN" altLang="en-US" dirty="0" smtClean="0"/>
+              <a:t>筛选器，对上一步生产的虚拟表引用</a:t>
+            </a:r>
+            <a:r>
+              <a:rPr lang="en-US" altLang="zh-CN" dirty="0" smtClean="0"/>
+              <a:t>where</a:t>
+            </a:r>
+            <a:r>
+              <a:rPr lang="zh-CN" altLang="en-US" dirty="0" smtClean="0"/>
+              <a:t>筛选器，生成虚拟表</a:t>
+            </a:r>
+            <a:r>
+              <a:rPr lang="en-US" altLang="zh-CN" dirty="0" smtClean="0"/>
+              <a:t>vt4</a:t>
+            </a:r>
+            <a:r>
+              <a:rPr lang="zh-CN" altLang="en-US" dirty="0" smtClean="0"/>
+              <a:t>，在这有个比较重要的细节不得不说一下，对于包含</a:t>
+            </a:r>
+            <a:r>
+              <a:rPr lang="en-US" altLang="zh-CN" dirty="0" smtClean="0"/>
+              <a:t>outer join</a:t>
+            </a:r>
+            <a:r>
+              <a:rPr lang="zh-CN" altLang="en-US" dirty="0" smtClean="0"/>
+              <a:t>子句的查询，就有一个让人感到困惑的问题，到底在</a:t>
+            </a:r>
+            <a:r>
+              <a:rPr lang="en-US" altLang="zh-CN" dirty="0" smtClean="0"/>
+              <a:t>on</a:t>
+            </a:r>
+            <a:r>
+              <a:rPr lang="zh-CN" altLang="en-US" dirty="0" smtClean="0"/>
+              <a:t>筛选器还是用</a:t>
+            </a:r>
+            <a:r>
+              <a:rPr lang="en-US" altLang="zh-CN" dirty="0" smtClean="0"/>
+              <a:t>where</a:t>
+            </a:r>
+            <a:r>
+              <a:rPr lang="zh-CN" altLang="en-US" dirty="0" smtClean="0"/>
+              <a:t>筛选器指定逻辑表达式呢？</a:t>
+            </a:r>
+            <a:r>
+              <a:rPr lang="en-US" altLang="zh-CN" dirty="0" smtClean="0"/>
+              <a:t>on</a:t>
+            </a:r>
+            <a:r>
+              <a:rPr lang="zh-CN" altLang="en-US" dirty="0" smtClean="0"/>
+              <a:t>和</a:t>
+            </a:r>
+            <a:r>
+              <a:rPr lang="en-US" altLang="zh-CN" dirty="0" smtClean="0"/>
+              <a:t>where</a:t>
+            </a:r>
+            <a:r>
+              <a:rPr lang="zh-CN" altLang="en-US" dirty="0" smtClean="0"/>
+              <a:t>的最大区别在于，如果在</a:t>
+            </a:r>
+            <a:r>
+              <a:rPr lang="en-US" altLang="zh-CN" dirty="0" smtClean="0"/>
+              <a:t>on</a:t>
+            </a:r>
+            <a:r>
+              <a:rPr lang="zh-CN" altLang="en-US" dirty="0" smtClean="0"/>
+              <a:t>应用逻辑表达式那么在第三步</a:t>
+            </a:r>
+            <a:r>
+              <a:rPr lang="en-US" altLang="zh-CN" dirty="0" smtClean="0"/>
+              <a:t>outer join</a:t>
+            </a:r>
+            <a:r>
+              <a:rPr lang="zh-CN" altLang="en-US" dirty="0" smtClean="0"/>
+              <a:t>中还可以把移除的行再次添加回来，而</a:t>
+            </a:r>
+            <a:r>
+              <a:rPr lang="en-US" altLang="zh-CN" dirty="0" smtClean="0"/>
+              <a:t>where</a:t>
+            </a:r>
+            <a:r>
+              <a:rPr lang="zh-CN" altLang="en-US" dirty="0" smtClean="0"/>
+              <a:t>的移除的最终的。举个简单的例子，有一个学生表（班级</a:t>
+            </a:r>
+            <a:r>
+              <a:rPr lang="en-US" altLang="zh-CN" dirty="0" smtClean="0"/>
+              <a:t>,</a:t>
+            </a:r>
+            <a:r>
+              <a:rPr lang="zh-CN" altLang="en-US" dirty="0" smtClean="0"/>
+              <a:t>姓名）和一个成绩表</a:t>
+            </a:r>
+            <a:r>
+              <a:rPr lang="en-US" altLang="zh-CN" dirty="0" smtClean="0"/>
+              <a:t>(</a:t>
+            </a:r>
+            <a:r>
+              <a:rPr lang="zh-CN" altLang="en-US" dirty="0" smtClean="0"/>
+              <a:t>姓名</a:t>
+            </a:r>
+            <a:r>
+              <a:rPr lang="en-US" altLang="zh-CN" dirty="0" smtClean="0"/>
+              <a:t>,</a:t>
+            </a:r>
+            <a:r>
+              <a:rPr lang="zh-CN" altLang="en-US" dirty="0" smtClean="0"/>
+              <a:t>成绩</a:t>
+            </a:r>
+            <a:r>
+              <a:rPr lang="en-US" altLang="zh-CN" dirty="0" smtClean="0"/>
+              <a:t>)</a:t>
+            </a:r>
+            <a:r>
+              <a:rPr lang="zh-CN" altLang="en-US" dirty="0" smtClean="0"/>
+              <a:t>，我现在需要返回一个</a:t>
+            </a:r>
+            <a:r>
+              <a:rPr lang="en-US" altLang="zh-CN" dirty="0" smtClean="0"/>
+              <a:t>x</a:t>
+            </a:r>
+            <a:r>
+              <a:rPr lang="zh-CN" altLang="en-US" dirty="0" smtClean="0"/>
+              <a:t>班级的全体同学的成绩，但是这个班级有几个学生缺考，也就是说在成绩表中没有记录。为了得到我们预期的结果我们就需要在</a:t>
+            </a:r>
+            <a:r>
+              <a:rPr lang="en-US" altLang="zh-CN" dirty="0" smtClean="0"/>
+              <a:t>on</a:t>
+            </a:r>
+            <a:r>
+              <a:rPr lang="zh-CN" altLang="en-US" dirty="0" smtClean="0"/>
+              <a:t>子句指定学生和成绩表的关系（学生</a:t>
+            </a:r>
+            <a:r>
+              <a:rPr lang="en-US" altLang="zh-CN" dirty="0" smtClean="0"/>
+              <a:t>.</a:t>
+            </a:r>
+            <a:r>
+              <a:rPr lang="zh-CN" altLang="en-US" dirty="0" smtClean="0"/>
+              <a:t>姓名</a:t>
+            </a:r>
+            <a:r>
+              <a:rPr lang="en-US" altLang="zh-CN" dirty="0" smtClean="0"/>
+              <a:t>=</a:t>
+            </a:r>
+            <a:r>
+              <a:rPr lang="zh-CN" altLang="en-US" dirty="0" smtClean="0"/>
+              <a:t>成绩</a:t>
+            </a:r>
+            <a:r>
+              <a:rPr lang="en-US" altLang="zh-CN" dirty="0" smtClean="0"/>
+              <a:t>.</a:t>
+            </a:r>
+            <a:r>
+              <a:rPr lang="zh-CN" altLang="en-US" dirty="0" smtClean="0"/>
+              <a:t>姓名）那么我们是否发现在执行第二步的时候，对于没有参加考试的学生记录就不会出现在</a:t>
+            </a:r>
+            <a:r>
+              <a:rPr lang="en-US" altLang="zh-CN" dirty="0" smtClean="0"/>
+              <a:t>vt2</a:t>
+            </a:r>
+            <a:r>
+              <a:rPr lang="zh-CN" altLang="en-US" dirty="0" smtClean="0"/>
+              <a:t>中，因为他们被</a:t>
+            </a:r>
+            <a:r>
+              <a:rPr lang="en-US" altLang="zh-CN" dirty="0" smtClean="0"/>
+              <a:t>on</a:t>
+            </a:r>
+            <a:r>
+              <a:rPr lang="zh-CN" altLang="en-US" dirty="0" smtClean="0"/>
+              <a:t>的逻辑表达式过滤掉了</a:t>
+            </a:r>
+            <a:r>
+              <a:rPr lang="en-US" altLang="zh-CN" dirty="0" smtClean="0"/>
+              <a:t>,</a:t>
+            </a:r>
+            <a:r>
+              <a:rPr lang="zh-CN" altLang="en-US" dirty="0" smtClean="0"/>
+              <a:t>但是我们用</a:t>
+            </a:r>
+            <a:r>
+              <a:rPr lang="en-US" altLang="zh-CN" dirty="0" smtClean="0"/>
+              <a:t>left outer join</a:t>
+            </a:r>
+            <a:r>
+              <a:rPr lang="zh-CN" altLang="en-US" dirty="0" smtClean="0"/>
+              <a:t>就可以把左表（学生）中没有参加考试的学生找回来，因为我们想返回的是</a:t>
+            </a:r>
+            <a:r>
+              <a:rPr lang="en-US" altLang="zh-CN" dirty="0" smtClean="0"/>
+              <a:t>x</a:t>
+            </a:r>
+            <a:r>
+              <a:rPr lang="zh-CN" altLang="en-US" dirty="0" smtClean="0"/>
+              <a:t>班级的所有学生，如果在</a:t>
+            </a:r>
+            <a:r>
+              <a:rPr lang="en-US" altLang="zh-CN" dirty="0" smtClean="0"/>
+              <a:t>on</a:t>
+            </a:r>
+            <a:r>
+              <a:rPr lang="zh-CN" altLang="en-US" dirty="0" smtClean="0"/>
+              <a:t>中应用学生</a:t>
+            </a:r>
+            <a:r>
+              <a:rPr lang="en-US" altLang="zh-CN" dirty="0" smtClean="0"/>
+              <a:t>.</a:t>
+            </a:r>
+            <a:r>
+              <a:rPr lang="zh-CN" altLang="en-US" dirty="0" smtClean="0"/>
+              <a:t>班级</a:t>
+            </a:r>
+            <a:r>
+              <a:rPr lang="en-US" altLang="zh-CN" dirty="0" smtClean="0"/>
+              <a:t>='x'</a:t>
+            </a:r>
+            <a:r>
+              <a:rPr lang="zh-CN" altLang="en-US" dirty="0" smtClean="0"/>
+              <a:t>的话，</a:t>
+            </a:r>
+            <a:r>
+              <a:rPr lang="en-US" altLang="zh-CN" dirty="0" smtClean="0"/>
+              <a:t>left outer join</a:t>
+            </a:r>
+            <a:r>
+              <a:rPr lang="zh-CN" altLang="en-US" dirty="0" smtClean="0"/>
+              <a:t>会把</a:t>
+            </a:r>
+            <a:r>
+              <a:rPr lang="en-US" altLang="zh-CN" dirty="0" smtClean="0"/>
+              <a:t>x</a:t>
+            </a:r>
+            <a:r>
+              <a:rPr lang="zh-CN" altLang="en-US" dirty="0" smtClean="0"/>
+              <a:t>班级的所有学生记录找回（感谢网友康钦谋</a:t>
+            </a:r>
+            <a:r>
+              <a:rPr lang="en-US" altLang="zh-CN" dirty="0" smtClean="0"/>
+              <a:t>__</a:t>
+            </a:r>
+            <a:r>
+              <a:rPr lang="zh-CN" altLang="en-US" dirty="0" smtClean="0"/>
+              <a:t>康钦苗的指正），所以只能在</a:t>
+            </a:r>
+            <a:r>
+              <a:rPr lang="en-US" altLang="zh-CN" dirty="0" smtClean="0"/>
+              <a:t>where</a:t>
+            </a:r>
+            <a:r>
+              <a:rPr lang="zh-CN" altLang="en-US" dirty="0" smtClean="0"/>
+              <a:t>筛选器中应用学生</a:t>
+            </a:r>
+            <a:r>
+              <a:rPr lang="en-US" altLang="zh-CN" dirty="0" smtClean="0"/>
+              <a:t>.</a:t>
+            </a:r>
+            <a:r>
+              <a:rPr lang="zh-CN" altLang="en-US" dirty="0" smtClean="0"/>
+              <a:t>班级</a:t>
+            </a:r>
+            <a:r>
+              <a:rPr lang="en-US" altLang="zh-CN" dirty="0" smtClean="0"/>
+              <a:t>='x' </a:t>
+            </a:r>
+            <a:r>
+              <a:rPr lang="zh-CN" altLang="en-US" dirty="0" smtClean="0"/>
+              <a:t>因为它的过滤是最终的。 </a:t>
+            </a:r>
+            <a:br>
+              <a:rPr lang="zh-CN" altLang="en-US" dirty="0" smtClean="0"/>
+            </a:br>
+            <a:r>
+              <a:rPr lang="zh-CN" altLang="en-US" dirty="0" smtClean="0"/>
+              <a:t>第六步：</a:t>
+            </a:r>
+            <a:r>
+              <a:rPr lang="en-US" altLang="zh-CN" dirty="0" smtClean="0"/>
+              <a:t>group by </a:t>
+            </a:r>
+            <a:r>
+              <a:rPr lang="zh-CN" altLang="en-US" dirty="0" smtClean="0"/>
+              <a:t>子句将中的唯一的值组合成为一组，得到虚拟表</a:t>
+            </a:r>
+            <a:r>
+              <a:rPr lang="en-US" altLang="zh-CN" dirty="0" smtClean="0"/>
+              <a:t>vt5</a:t>
+            </a:r>
+            <a:r>
+              <a:rPr lang="zh-CN" altLang="en-US" dirty="0" smtClean="0"/>
+              <a:t>。如果应用了</a:t>
+            </a:r>
+            <a:r>
+              <a:rPr lang="en-US" altLang="zh-CN" dirty="0" smtClean="0"/>
+              <a:t>group by</a:t>
+            </a:r>
+            <a:r>
+              <a:rPr lang="zh-CN" altLang="en-US" dirty="0" smtClean="0"/>
+              <a:t>，那么后面的所有步骤都只能得到的</a:t>
+            </a:r>
+            <a:r>
+              <a:rPr lang="en-US" altLang="zh-CN" dirty="0" smtClean="0"/>
+              <a:t>vt5</a:t>
+            </a:r>
+            <a:r>
+              <a:rPr lang="zh-CN" altLang="en-US" dirty="0" smtClean="0"/>
+              <a:t>的列或者是聚合函数（</a:t>
+            </a:r>
+            <a:r>
+              <a:rPr lang="en-US" altLang="zh-CN" dirty="0" smtClean="0"/>
+              <a:t>count</a:t>
+            </a:r>
+            <a:r>
+              <a:rPr lang="zh-CN" altLang="en-US" dirty="0" smtClean="0"/>
+              <a:t>、</a:t>
+            </a:r>
+            <a:r>
+              <a:rPr lang="en-US" altLang="zh-CN" dirty="0" smtClean="0"/>
+              <a:t>sum</a:t>
+            </a:r>
+            <a:r>
+              <a:rPr lang="zh-CN" altLang="en-US" dirty="0" smtClean="0"/>
+              <a:t>、</a:t>
+            </a:r>
+            <a:r>
+              <a:rPr lang="en-US" altLang="zh-CN" dirty="0" err="1" smtClean="0"/>
+              <a:t>avg</a:t>
+            </a:r>
+            <a:r>
+              <a:rPr lang="zh-CN" altLang="en-US" dirty="0" smtClean="0"/>
+              <a:t>等）。原因在于最终的结果集中只为每个组包含一行。这一点请牢记。 </a:t>
+            </a:r>
+            <a:br>
+              <a:rPr lang="zh-CN" altLang="en-US" dirty="0" smtClean="0"/>
+            </a:br>
+            <a:r>
+              <a:rPr lang="zh-CN" altLang="en-US" dirty="0" smtClean="0"/>
+              <a:t>第七步：应用</a:t>
+            </a:r>
+            <a:r>
+              <a:rPr lang="en-US" altLang="zh-CN" dirty="0" smtClean="0"/>
+              <a:t>cube</a:t>
+            </a:r>
+            <a:r>
+              <a:rPr lang="zh-CN" altLang="en-US" dirty="0" smtClean="0"/>
+              <a:t>或者</a:t>
+            </a:r>
+            <a:r>
+              <a:rPr lang="en-US" altLang="zh-CN" dirty="0" smtClean="0"/>
+              <a:t>rollup</a:t>
+            </a:r>
+            <a:r>
+              <a:rPr lang="zh-CN" altLang="en-US" dirty="0" smtClean="0"/>
+              <a:t>选项，为</a:t>
+            </a:r>
+            <a:r>
+              <a:rPr lang="en-US" altLang="zh-CN" dirty="0" smtClean="0"/>
+              <a:t>vt5</a:t>
+            </a:r>
+            <a:r>
+              <a:rPr lang="zh-CN" altLang="en-US" dirty="0" smtClean="0"/>
+              <a:t>生成超组，生成</a:t>
+            </a:r>
+            <a:r>
+              <a:rPr lang="en-US" altLang="zh-CN" dirty="0" smtClean="0"/>
+              <a:t>vt6. </a:t>
+            </a:r>
+            <a:br>
+              <a:rPr lang="en-US" altLang="zh-CN" dirty="0" smtClean="0"/>
+            </a:br>
+            <a:r>
+              <a:rPr lang="zh-CN" altLang="en-US" dirty="0" smtClean="0"/>
+              <a:t>第八步：应用</a:t>
+            </a:r>
+            <a:r>
+              <a:rPr lang="en-US" altLang="zh-CN" dirty="0" smtClean="0"/>
+              <a:t>having</a:t>
+            </a:r>
+            <a:r>
+              <a:rPr lang="zh-CN" altLang="en-US" dirty="0" smtClean="0"/>
+              <a:t>筛选器，生成</a:t>
+            </a:r>
+            <a:r>
+              <a:rPr lang="en-US" altLang="zh-CN" dirty="0" smtClean="0"/>
+              <a:t>vt7</a:t>
+            </a:r>
+            <a:r>
+              <a:rPr lang="zh-CN" altLang="en-US" dirty="0" smtClean="0"/>
+              <a:t>。</a:t>
+            </a:r>
+            <a:r>
+              <a:rPr lang="en-US" altLang="zh-CN" dirty="0" smtClean="0"/>
+              <a:t>having</a:t>
+            </a:r>
+            <a:r>
+              <a:rPr lang="zh-CN" altLang="en-US" dirty="0" smtClean="0"/>
+              <a:t>筛选器是第一个也是为唯一一个应用到已分组数据的筛选器。 </a:t>
+            </a:r>
+            <a:br>
+              <a:rPr lang="zh-CN" altLang="en-US" dirty="0" smtClean="0"/>
+            </a:br>
+            <a:r>
+              <a:rPr lang="zh-CN" altLang="en-US" dirty="0" smtClean="0"/>
+              <a:t>第九步：处理</a:t>
+            </a:r>
+            <a:r>
+              <a:rPr lang="en-US" altLang="zh-CN" dirty="0" smtClean="0"/>
+              <a:t>select</a:t>
+            </a:r>
+            <a:r>
+              <a:rPr lang="zh-CN" altLang="en-US" dirty="0" smtClean="0"/>
+              <a:t>子句。将</a:t>
+            </a:r>
+            <a:r>
+              <a:rPr lang="en-US" altLang="zh-CN" dirty="0" smtClean="0"/>
+              <a:t>vt7</a:t>
+            </a:r>
+            <a:r>
+              <a:rPr lang="zh-CN" altLang="en-US" dirty="0" smtClean="0"/>
+              <a:t>中的在</a:t>
+            </a:r>
+            <a:r>
+              <a:rPr lang="en-US" altLang="zh-CN" dirty="0" smtClean="0"/>
+              <a:t>select</a:t>
+            </a:r>
+            <a:r>
+              <a:rPr lang="zh-CN" altLang="en-US" dirty="0" smtClean="0"/>
+              <a:t>中出现的列筛选出来。生成</a:t>
+            </a:r>
+            <a:r>
+              <a:rPr lang="en-US" altLang="zh-CN" dirty="0" smtClean="0"/>
+              <a:t>vt8. </a:t>
+            </a:r>
+            <a:br>
+              <a:rPr lang="en-US" altLang="zh-CN" dirty="0" smtClean="0"/>
+            </a:br>
+            <a:r>
+              <a:rPr lang="zh-CN" altLang="en-US" dirty="0" smtClean="0"/>
+              <a:t>第十步：应用</a:t>
+            </a:r>
+            <a:r>
+              <a:rPr lang="en-US" altLang="zh-CN" dirty="0" smtClean="0"/>
+              <a:t>distinct</a:t>
+            </a:r>
+            <a:r>
+              <a:rPr lang="zh-CN" altLang="en-US" dirty="0" smtClean="0"/>
+              <a:t>子句，</a:t>
+            </a:r>
+            <a:r>
+              <a:rPr lang="en-US" altLang="zh-CN" dirty="0" smtClean="0"/>
+              <a:t>vt8</a:t>
+            </a:r>
+            <a:r>
+              <a:rPr lang="zh-CN" altLang="en-US" dirty="0" smtClean="0"/>
+              <a:t>中移除相同的行，生成</a:t>
+            </a:r>
+            <a:r>
+              <a:rPr lang="en-US" altLang="zh-CN" dirty="0" smtClean="0"/>
+              <a:t>vt9</a:t>
+            </a:r>
+            <a:r>
+              <a:rPr lang="zh-CN" altLang="en-US" dirty="0" smtClean="0"/>
+              <a:t>。事实上如果应用了</a:t>
+            </a:r>
+            <a:r>
+              <a:rPr lang="en-US" altLang="zh-CN" dirty="0" smtClean="0"/>
+              <a:t>group by</a:t>
+            </a:r>
+            <a:r>
+              <a:rPr lang="zh-CN" altLang="en-US" dirty="0" smtClean="0"/>
+              <a:t>子句那么</a:t>
+            </a:r>
+            <a:r>
+              <a:rPr lang="en-US" altLang="zh-CN" dirty="0" smtClean="0"/>
+              <a:t>distinct</a:t>
+            </a:r>
+            <a:r>
+              <a:rPr lang="zh-CN" altLang="en-US" dirty="0" smtClean="0"/>
+              <a:t>是多余的，原因同样在于，分组的时候是将列中唯一的值分成一组，同时只为每一组返回一行记录，那么所以的记录都将是不相同的。 </a:t>
+            </a:r>
+            <a:br>
+              <a:rPr lang="zh-CN" altLang="en-US" dirty="0" smtClean="0"/>
+            </a:br>
+            <a:r>
+              <a:rPr lang="zh-CN" altLang="en-US" dirty="0" smtClean="0"/>
+              <a:t>第十一步：应用</a:t>
+            </a:r>
+            <a:r>
+              <a:rPr lang="en-US" altLang="zh-CN" dirty="0" smtClean="0"/>
+              <a:t>order by</a:t>
+            </a:r>
+            <a:r>
+              <a:rPr lang="zh-CN" altLang="en-US" dirty="0" smtClean="0"/>
+              <a:t>子句。按照</a:t>
+            </a:r>
+            <a:r>
+              <a:rPr lang="en-US" altLang="zh-CN" dirty="0" err="1" smtClean="0"/>
+              <a:t>order_by_condition</a:t>
+            </a:r>
+            <a:r>
+              <a:rPr lang="zh-CN" altLang="en-US" dirty="0" smtClean="0"/>
+              <a:t>排序</a:t>
+            </a:r>
+            <a:r>
+              <a:rPr lang="en-US" altLang="zh-CN" dirty="0" smtClean="0"/>
+              <a:t>vt9</a:t>
+            </a:r>
+            <a:r>
+              <a:rPr lang="zh-CN" altLang="en-US" dirty="0" smtClean="0"/>
+              <a:t>，此时返回的一个游标，而不是虚拟表。</a:t>
+            </a:r>
+            <a:r>
+              <a:rPr lang="en-US" altLang="zh-CN" dirty="0" err="1" smtClean="0"/>
+              <a:t>sql</a:t>
+            </a:r>
+            <a:r>
+              <a:rPr lang="zh-CN" altLang="en-US" dirty="0" smtClean="0"/>
+              <a:t>是基于集合的理论的，集合不会预先对他的行排序，它只是成员的逻辑集合，成员的顺序是无关紧要的。对表进行排序的查询可以返回一个对象，这个对象包含特定的物理顺序的逻辑组织。这个对象就叫游标。正因为返回值是游标，那么使用</a:t>
+            </a:r>
+            <a:r>
+              <a:rPr lang="en-US" altLang="zh-CN" dirty="0" smtClean="0"/>
+              <a:t>order by </a:t>
+            </a:r>
+            <a:r>
+              <a:rPr lang="zh-CN" altLang="en-US" dirty="0" smtClean="0"/>
+              <a:t>子句查询不能应用于表表达式。排序是很需要成本的，除非你必须要排序，否则最好不要指定</a:t>
+            </a:r>
+            <a:r>
+              <a:rPr lang="en-US" altLang="zh-CN" dirty="0" smtClean="0"/>
+              <a:t>order by</a:t>
+            </a:r>
+            <a:r>
+              <a:rPr lang="zh-CN" altLang="en-US" dirty="0" smtClean="0"/>
+              <a:t>，最后，在这一步中是第一个也是唯一一个可以使用</a:t>
+            </a:r>
+            <a:r>
+              <a:rPr lang="en-US" altLang="zh-CN" dirty="0" smtClean="0"/>
+              <a:t>select</a:t>
+            </a:r>
+            <a:r>
+              <a:rPr lang="zh-CN" altLang="en-US" dirty="0" smtClean="0"/>
+              <a:t>列表中别名的步骤。 </a:t>
+            </a:r>
+            <a:br>
+              <a:rPr lang="zh-CN" altLang="en-US" dirty="0" smtClean="0"/>
+            </a:br>
+            <a:r>
+              <a:rPr lang="zh-CN" altLang="en-US" dirty="0" smtClean="0"/>
+              <a:t>第十二步：应用</a:t>
+            </a:r>
+            <a:r>
+              <a:rPr lang="en-US" altLang="zh-CN" dirty="0" smtClean="0"/>
+              <a:t>top</a:t>
+            </a:r>
+            <a:r>
+              <a:rPr lang="zh-CN" altLang="en-US" dirty="0" smtClean="0"/>
+              <a:t>选项。此时才返回结果给请求者即用户。 </a:t>
+            </a:r>
+          </a:p>
+          <a:p>
+            <a:r>
+              <a:rPr lang="zh-CN" altLang="en-US" dirty="0" smtClean="0"/>
+              <a:t>注：步骤</a:t>
+            </a:r>
+            <a:r>
+              <a:rPr lang="en-US" altLang="zh-CN" dirty="0" smtClean="0"/>
+              <a:t>10</a:t>
+            </a:r>
+            <a:r>
+              <a:rPr lang="zh-CN" altLang="en-US" dirty="0" smtClean="0"/>
+              <a:t>，按</a:t>
+            </a:r>
+            <a:r>
+              <a:rPr lang="en-US" altLang="zh-CN" dirty="0" smtClean="0"/>
+              <a:t>ORDER BY</a:t>
+            </a:r>
+            <a:r>
+              <a:rPr lang="zh-CN" altLang="en-US" dirty="0" smtClean="0"/>
+              <a:t>子句中的列列表排序上步返回的行，返回游标</a:t>
+            </a:r>
+            <a:r>
+              <a:rPr lang="en-US" altLang="zh-CN" dirty="0" smtClean="0"/>
+              <a:t>VC10.</a:t>
+            </a:r>
+            <a:r>
+              <a:rPr lang="zh-CN" altLang="en-US" dirty="0" smtClean="0"/>
+              <a:t>这一步是第一步也是唯一一步可以使用</a:t>
+            </a:r>
+            <a:r>
+              <a:rPr lang="en-US" altLang="zh-CN" dirty="0" smtClean="0"/>
+              <a:t>SELECT</a:t>
+            </a:r>
+            <a:r>
+              <a:rPr lang="zh-CN" altLang="en-US" dirty="0" smtClean="0"/>
+              <a:t>列表中的列别名的步骤。这一步不同于其它步骤的 是，它不返回有效的表，而是返回一个游标。</a:t>
+            </a:r>
+            <a:r>
+              <a:rPr lang="en-US" altLang="zh-CN" dirty="0" smtClean="0"/>
+              <a:t>SQL</a:t>
+            </a:r>
+            <a:r>
+              <a:rPr lang="zh-CN" altLang="en-US" dirty="0" smtClean="0"/>
+              <a:t>是基于集合理论的。集合不会预先对它的行排序，它只是成员的逻辑集合，成员的顺序无关紧要。对表进行排序 的查询可以返回一个对象，包含按特定物理顺序组织的行。</a:t>
+            </a:r>
+            <a:r>
+              <a:rPr lang="en-US" altLang="zh-CN" dirty="0" smtClean="0"/>
+              <a:t>ANSI</a:t>
+            </a:r>
+            <a:r>
+              <a:rPr lang="zh-CN" altLang="en-US" dirty="0" smtClean="0"/>
+              <a:t>把这种对象称为游标。理解这一步是正确理解</a:t>
+            </a:r>
+            <a:r>
+              <a:rPr lang="en-US" altLang="zh-CN" dirty="0" smtClean="0"/>
+              <a:t>SQL</a:t>
+            </a:r>
+            <a:r>
+              <a:rPr lang="zh-CN" altLang="en-US" dirty="0" smtClean="0"/>
+              <a:t>的基础。</a:t>
+            </a:r>
+          </a:p>
+          <a:p>
+            <a:endParaRPr lang="zh-CN" altLang="en-US" dirty="0"/>
+          </a:p>
+        </p:txBody>
+      </p:sp>
+    </p:spTree>
+  </p:cSld>
+  <p:clrMapOvr>
+    <a:masterClrMapping/>
+  </p:clrMapOvr>
+</p:sld>
+</file>
+
+<file path=ppt/slides/slide7.xml><?xml version="1.0" encoding="utf-8"?>
+<p:sld xmlns:a="http://schemas.openxmlformats.org/drawingml/2006/main" xmlns:r="http://schemas.openxmlformats.org/officeDocument/2006/relationships" xmlns:p="http://schemas.openxmlformats.org/presentationml/2006/main">
+  <p:cSld>
+    <p:spTree>
+      <p:nvGrpSpPr>
+        <p:cNvPr id="1" name=""/>
+        <p:cNvGrpSpPr/>
+        <p:nvPr/>
+      </p:nvGrpSpPr>
+      <p:grpSpPr>
+        <a:xfrm>
+          <a:off x="0" y="0"/>
+          <a:ext cx="0" cy="0"/>
+          <a:chOff x="0" y="0"/>
+          <a:chExt cx="0" cy="0"/>
+        </a:xfrm>
+      </p:grpSpPr>
+      <p:sp>
+        <p:nvSpPr>
+          <p:cNvPr id="2" name="标题 1"/>
+          <p:cNvSpPr>
+            <a:spLocks noGrp="1"/>
+          </p:cNvSpPr>
+          <p:nvPr>
+            <p:ph type="title"/>
+          </p:nvPr>
+        </p:nvSpPr>
+        <p:spPr/>
+        <p:txBody>
+          <a:bodyPr/>
+          <a:lstStyle/>
+          <a:p>
+            <a:r>
+              <a:rPr lang="en-US" altLang="zh-CN" dirty="0" smtClean="0"/>
+              <a:t>Join</a:t>
+            </a:r>
+            <a:r>
+              <a:rPr lang="zh-CN" altLang="en-US" dirty="0" smtClean="0"/>
+              <a:t>连接</a:t>
+            </a:r>
+            <a:endParaRPr lang="zh-CN" altLang="en-US" dirty="0"/>
+          </a:p>
+        </p:txBody>
+      </p:sp>
+      <p:sp>
+        <p:nvSpPr>
+          <p:cNvPr id="3" name="内容占位符 2"/>
+          <p:cNvSpPr>
+            <a:spLocks noGrp="1"/>
+          </p:cNvSpPr>
+          <p:nvPr>
+            <p:ph idx="1"/>
+          </p:nvPr>
+        </p:nvSpPr>
+        <p:spPr>
+          <a:xfrm>
+            <a:off x="457200" y="1600200"/>
+            <a:ext cx="8229600" cy="5043510"/>
+          </a:xfrm>
+        </p:spPr>
+        <p:txBody>
+          <a:bodyPr/>
+          <a:lstStyle/>
+          <a:p>
+            <a:endParaRPr lang="zh-CN" altLang="en-US" dirty="0"/>
+          </a:p>
+        </p:txBody>
+      </p:sp>
+      <p:pic>
+        <p:nvPicPr>
+          <p:cNvPr id="3074" name="Picture 2" descr="C:\Users\Administrator\Desktop\Visual_SQL_JOINS_V2.png"/>
+          <p:cNvPicPr>
+            <a:picLocks noChangeAspect="1" noChangeArrowheads="1"/>
+          </p:cNvPicPr>
+          <p:nvPr/>
+        </p:nvPicPr>
+        <p:blipFill>
+          <a:blip r:embed="rId2"/>
+          <a:srcRect/>
+          <a:stretch>
+            <a:fillRect/>
+          </a:stretch>
+        </p:blipFill>
+        <p:spPr bwMode="auto">
+          <a:xfrm>
+            <a:off x="642910" y="1643050"/>
+            <a:ext cx="6858008" cy="3995734"/>
+          </a:xfrm>
+          <a:prstGeom prst="rect">
+            <a:avLst/>
+          </a:prstGeom>
+          <a:noFill/>
+        </p:spPr>
+      </p:pic>
+    </p:spTree>
+  </p:cSld>
+  <p:clrMapOvr>
+    <a:masterClrMapping/>
+  </p:clrMapOvr>
+</p:sld>
+</file>
+
+<file path=ppt/slides/slide8.xml><?xml version="1.0" encoding="utf-8"?>
+<p:sld xmlns:a="http://schemas.openxmlformats.org/drawingml/2006/main" xmlns:r="http://schemas.openxmlformats.org/officeDocument/2006/relationships" xmlns:p="http://schemas.openxmlformats.org/presentationml/2006/main">
+  <p:cSld>
+    <p:spTree>
+      <p:nvGrpSpPr>
+        <p:cNvPr id="1" name=""/>
+        <p:cNvGrpSpPr/>
+        <p:nvPr/>
+      </p:nvGrpSpPr>
+      <p:grpSpPr>
+        <a:xfrm>
+          <a:off x="0" y="0"/>
+          <a:ext cx="0" cy="0"/>
+          <a:chOff x="0" y="0"/>
+          <a:chExt cx="0" cy="0"/>
+        </a:xfrm>
+      </p:grpSpPr>
+      <p:sp>
+        <p:nvSpPr>
+          <p:cNvPr id="2" name="标题 1"/>
+          <p:cNvSpPr>
+            <a:spLocks noGrp="1"/>
+          </p:cNvSpPr>
+          <p:nvPr>
+            <p:ph type="title"/>
+          </p:nvPr>
+        </p:nvSpPr>
+        <p:spPr/>
+        <p:txBody>
+          <a:bodyPr/>
+          <a:lstStyle/>
+          <a:p>
+            <a:endParaRPr lang="zh-CN" altLang="en-US" dirty="0"/>
+          </a:p>
+        </p:txBody>
+      </p:sp>
+      <p:sp>
+        <p:nvSpPr>
+          <p:cNvPr id="3" name="内容占位符 2"/>
+          <p:cNvSpPr>
+            <a:spLocks noGrp="1"/>
+          </p:cNvSpPr>
+          <p:nvPr>
+            <p:ph idx="1"/>
+          </p:nvPr>
+        </p:nvSpPr>
+        <p:spPr/>
+        <p:txBody>
+          <a:bodyPr/>
+          <a:lstStyle/>
+          <a:p>
+            <a:endParaRPr lang="zh-CN" altLang="en-US"/>
+          </a:p>
+        </p:txBody>
+      </p:sp>
+    </p:spTree>
+  </p:cSld>
+  <p:clrMapOvr>
+    <a:masterClrMapping/>
+  </p:clrMapOvr>
+</p:sld>
 </file>
 
 <file path=ppt/theme/theme1.xml><?xml version="1.0" encoding="utf-8"?>
@@ -3296,4 +5820,287 @@
   <a:objectDefaults/>
   <a:extraClrSchemeLst/>
 </a:theme>
+</file>
+
+<file path=ppt/theme/theme2.xml><?xml version="1.0" encoding="utf-8"?>
+<a:theme xmlns:a="http://schemas.openxmlformats.org/drawingml/2006/main" name="Office 主题">
+  <a:themeElements>
+    <a:clrScheme name="Office">
+      <a:dk1>
+        <a:sysClr val="windowText" lastClr="000000"/>
+      </a:dk1>
+      <a:lt1>
+        <a:sysClr val="window" lastClr="FFFFFF"/>
+      </a:lt1>
+      <a:dk2>
+        <a:srgbClr val="1F497D"/>
+      </a:dk2>
+      <a:lt2>
+        <a:srgbClr val="EEECE1"/>
+      </a:lt2>
+      <a:accent1>
+        <a:srgbClr val="4F81BD"/>
+      </a:accent1>
+      <a:accent2>
+        <a:srgbClr val="C0504D"/>
+      </a:accent2>
+      <a:accent3>
+        <a:srgbClr val="9BBB59"/>
+      </a:accent3>
+      <a:accent4>
+        <a:srgbClr val="8064A2"/>
+      </a:accent4>
+      <a:accent5>
+        <a:srgbClr val="4BACC6"/>
+      </a:accent5>
+      <a:accent6>
+        <a:srgbClr val="F79646"/>
+      </a:accent6>
+      <a:hlink>
+        <a:srgbClr val="0000FF"/>
+      </a:hlink>
+      <a:folHlink>
+        <a:srgbClr val="800080"/>
+      </a:folHlink>
+    </a:clrScheme>
+    <a:fontScheme name="Office">
+      <a:majorFont>
+        <a:latin typeface="Calibri"/>
+        <a:ea typeface=""/>
+        <a:cs typeface=""/>
+        <a:font script="Jpan" typeface="ＭＳ Ｐゴシック"/>
+        <a:font script="Hang" typeface="맑은 고딕"/>
+        <a:font script="Hans" typeface="宋体"/>
+        <a:font script="Hant" typeface="新細明體"/>
+        <a:font script="Arab" typeface="Times New Roman"/>
+        <a:font script="Hebr" typeface="Times New Roman"/>
+        <a:font script="Thai" typeface="Angsana New"/>
+        <a:font script="Ethi" typeface="Nyala"/>
+        <a:font script="Beng" typeface="Vrinda"/>
+        <a:font script="Gujr" typeface="Shruti"/>
+        <a:font script="Khmr" typeface="MoolBoran"/>
+        <a:font script="Knda" typeface="Tunga"/>
+        <a:font script="Guru" typeface="Raavi"/>
+        <a:font script="Cans" typeface="Euphemia"/>
+        <a:font script="Cher" typeface="Plantagenet Cherokee"/>
+        <a:font script="Yiii" typeface="Microsoft Yi Baiti"/>
+        <a:font script="Tibt" typeface="Microsoft Himalaya"/>
+        <a:font script="Thaa" typeface="MV Boli"/>
+        <a:font script="Deva" typeface="Mangal"/>
+        <a:font script="Telu" typeface="Gautami"/>
+        <a:font script="Taml" typeface="Latha"/>
+        <a:font script="Syrc" typeface="Estrangelo Edessa"/>
+        <a:font script="Orya" typeface="Kalinga"/>
+        <a:font script="Mlym" typeface="Kartika"/>
+        <a:font script="Laoo" typeface="DokChampa"/>
+        <a:font script="Sinh" typeface="Iskoola Pota"/>
+        <a:font script="Mong" typeface="Mongolian Baiti"/>
+        <a:font script="Viet" typeface="Times New Roman"/>
+        <a:font script="Uigh" typeface="Microsoft Uighur"/>
+      </a:majorFont>
+      <a:minorFont>
+        <a:latin typeface="Calibri"/>
+        <a:ea typeface=""/>
+        <a:cs typeface=""/>
+        <a:font script="Jpan" typeface="ＭＳ Ｐゴシック"/>
+        <a:font script="Hang" typeface="맑은 고딕"/>
+        <a:font script="Hans" typeface="宋体"/>
+        <a:font script="Hant" typeface="新細明體"/>
+        <a:font script="Arab" typeface="Arial"/>
+        <a:font script="Hebr" typeface="Arial"/>
+        <a:font script="Thai" typeface="Cordia New"/>
+        <a:font script="Ethi" typeface="Nyala"/>
+        <a:font script="Beng" typeface="Vrinda"/>
+        <a:font script="Gujr" typeface="Shruti"/>
+        <a:font script="Khmr" typeface="DaunPenh"/>
+        <a:font script="Knda" typeface="Tunga"/>
+        <a:font script="Guru" typeface="Raavi"/>
+        <a:font script="Cans" typeface="Euphemia"/>
+        <a:font script="Cher" typeface="Plantagenet Cherokee"/>
+        <a:font script="Yiii" typeface="Microsoft Yi Baiti"/>
+        <a:font script="Tibt" typeface="Microsoft Himalaya"/>
+        <a:font script="Thaa" typeface="MV Boli"/>
+        <a:font script="Deva" typeface="Mangal"/>
+        <a:font script="Telu" typeface="Gautami"/>
+        <a:font script="Taml" typeface="Latha"/>
+        <a:font script="Syrc" typeface="Estrangelo Edessa"/>
+        <a:font script="Orya" typeface="Kalinga"/>
+        <a:font script="Mlym" typeface="Kartika"/>
+        <a:font script="Laoo" typeface="DokChampa"/>
+        <a:font script="Sinh" typeface="Iskoola Pota"/>
+        <a:font script="Mong" typeface="Mongolian Baiti"/>
+        <a:font script="Viet" typeface="Arial"/>
+        <a:font script="Uigh" typeface="Microsoft Uighur"/>
+      </a:minorFont>
+    </a:fontScheme>
+    <a:fmtScheme name="Office">
+      <a:fillStyleLst>
+        <a:solidFill>
+          <a:schemeClr val="phClr"/>
+        </a:solidFill>
+        <a:gradFill rotWithShape="1">
+          <a:gsLst>
+            <a:gs pos="0">
+              <a:schemeClr val="phClr">
+                <a:tint val="50000"/>
+                <a:satMod val="300000"/>
+              </a:schemeClr>
+            </a:gs>
+            <a:gs pos="35000">
+              <a:schemeClr val="phClr">
+                <a:tint val="37000"/>
+                <a:satMod val="300000"/>
+              </a:schemeClr>
+            </a:gs>
+            <a:gs pos="100000">
+              <a:schemeClr val="phClr">
+                <a:tint val="15000"/>
+                <a:satMod val="350000"/>
+              </a:schemeClr>
+            </a:gs>
+          </a:gsLst>
+          <a:lin ang="16200000" scaled="1"/>
+        </a:gradFill>
+        <a:gradFill rotWithShape="1">
+          <a:gsLst>
+            <a:gs pos="0">
+              <a:schemeClr val="phClr">
+                <a:shade val="51000"/>
+                <a:satMod val="130000"/>
+              </a:schemeClr>
+            </a:gs>
+            <a:gs pos="80000">
+              <a:schemeClr val="phClr">
+                <a:shade val="93000"/>
+                <a:satMod val="130000"/>
+              </a:schemeClr>
+            </a:gs>
+            <a:gs pos="100000">
+              <a:schemeClr val="phClr">
+                <a:shade val="94000"/>
+                <a:satMod val="135000"/>
+              </a:schemeClr>
+            </a:gs>
+          </a:gsLst>
+          <a:lin ang="16200000" scaled="0"/>
+        </a:gradFill>
+      </a:fillStyleLst>
+      <a:lnStyleLst>
+        <a:ln w="9525" cap="flat" cmpd="sng" algn="ctr">
+          <a:solidFill>
+            <a:schemeClr val="phClr">
+              <a:shade val="95000"/>
+              <a:satMod val="105000"/>
+            </a:schemeClr>
+          </a:solidFill>
+          <a:prstDash val="solid"/>
+        </a:ln>
+        <a:ln w="25400" cap="flat" cmpd="sng" algn="ctr">
+          <a:solidFill>
+            <a:schemeClr val="phClr"/>
+          </a:solidFill>
+          <a:prstDash val="solid"/>
+        </a:ln>
+        <a:ln w="38100" cap="flat" cmpd="sng" algn="ctr">
+          <a:solidFill>
+            <a:schemeClr val="phClr"/>
+          </a:solidFill>
+          <a:prstDash val="solid"/>
+        </a:ln>
+      </a:lnStyleLst>
+      <a:effectStyleLst>
+        <a:effectStyle>
+          <a:effectLst>
+            <a:outerShdw blurRad="40000" dist="20000" dir="5400000" rotWithShape="0">
+              <a:srgbClr val="000000">
+                <a:alpha val="38000"/>
+              </a:srgbClr>
+            </a:outerShdw>
+          </a:effectLst>
+        </a:effectStyle>
+        <a:effectStyle>
+          <a:effectLst>
+            <a:outerShdw blurRad="40000" dist="23000" dir="5400000" rotWithShape="0">
+              <a:srgbClr val="000000">
+                <a:alpha val="35000"/>
+              </a:srgbClr>
+            </a:outerShdw>
+          </a:effectLst>
+        </a:effectStyle>
+        <a:effectStyle>
+          <a:effectLst>
+            <a:outerShdw blurRad="40000" dist="23000" dir="5400000" rotWithShape="0">
+              <a:srgbClr val="000000">
+                <a:alpha val="35000"/>
+              </a:srgbClr>
+            </a:outerShdw>
+          </a:effectLst>
+          <a:scene3d>
+            <a:camera prst="orthographicFront">
+              <a:rot lat="0" lon="0" rev="0"/>
+            </a:camera>
+            <a:lightRig rig="threePt" dir="t">
+              <a:rot lat="0" lon="0" rev="1200000"/>
+            </a:lightRig>
+          </a:scene3d>
+          <a:sp3d>
+            <a:bevelT w="63500" h="25400"/>
+          </a:sp3d>
+        </a:effectStyle>
+      </a:effectStyleLst>
+      <a:bgFillStyleLst>
+        <a:solidFill>
+          <a:schemeClr val="phClr"/>
+        </a:solidFill>
+        <a:gradFill rotWithShape="1">
+          <a:gsLst>
+            <a:gs pos="0">
+              <a:schemeClr val="phClr">
+                <a:tint val="40000"/>
+                <a:satMod val="350000"/>
+              </a:schemeClr>
+            </a:gs>
+            <a:gs pos="40000">
+              <a:schemeClr val="phClr">
+                <a:tint val="45000"/>
+                <a:shade val="99000"/>
+                <a:satMod val="350000"/>
+              </a:schemeClr>
+            </a:gs>
+            <a:gs pos="100000">
+              <a:schemeClr val="phClr">
+                <a:shade val="20000"/>
+                <a:satMod val="255000"/>
+              </a:schemeClr>
+            </a:gs>
+          </a:gsLst>
+          <a:path path="circle">
+            <a:fillToRect l="50000" t="-80000" r="50000" b="180000"/>
+          </a:path>
+        </a:gradFill>
+        <a:gradFill rotWithShape="1">
+          <a:gsLst>
+            <a:gs pos="0">
+              <a:schemeClr val="phClr">
+                <a:tint val="80000"/>
+                <a:satMod val="300000"/>
+              </a:schemeClr>
+            </a:gs>
+            <a:gs pos="100000">
+              <a:schemeClr val="phClr">
+                <a:shade val="30000"/>
+                <a:satMod val="200000"/>
+              </a:schemeClr>
+            </a:gs>
+          </a:gsLst>
+          <a:path path="circle">
+            <a:fillToRect l="50000" t="50000" r="50000" b="50000"/>
+          </a:path>
+        </a:gradFill>
+      </a:bgFillStyleLst>
+    </a:fmtScheme>
+  </a:themeElements>
+  <a:objectDefaults/>
+  <a:extraClrSchemeLst/>
+</a:theme>
 </file>
--- a/Sql分享.pptx
+++ b/Sql分享.pptx
@@ -5,17 +5,21 @@
     <p:sldMasterId id="2147483648" r:id="rId1"/>
   </p:sldMasterIdLst>
   <p:notesMasterIdLst>
-    <p:notesMasterId r:id="rId10"/>
+    <p:notesMasterId r:id="rId14"/>
   </p:notesMasterIdLst>
   <p:sldIdLst>
-    <p:sldId id="256" r:id="rId2"/>
-    <p:sldId id="257" r:id="rId3"/>
-    <p:sldId id="258" r:id="rId4"/>
-    <p:sldId id="259" r:id="rId5"/>
-    <p:sldId id="261" r:id="rId6"/>
-    <p:sldId id="262" r:id="rId7"/>
-    <p:sldId id="263" r:id="rId8"/>
-    <p:sldId id="264" r:id="rId9"/>
+    <p:sldId id="265" r:id="rId2"/>
+    <p:sldId id="256" r:id="rId3"/>
+    <p:sldId id="257" r:id="rId4"/>
+    <p:sldId id="258" r:id="rId5"/>
+    <p:sldId id="266" r:id="rId6"/>
+    <p:sldId id="259" r:id="rId7"/>
+    <p:sldId id="262" r:id="rId8"/>
+    <p:sldId id="261" r:id="rId9"/>
+    <p:sldId id="263" r:id="rId10"/>
+    <p:sldId id="267" r:id="rId11"/>
+    <p:sldId id="264" r:id="rId12"/>
+    <p:sldId id="268" r:id="rId13"/>
   </p:sldIdLst>
   <p:sldSz cx="9144000" cy="6858000" type="screen4x3"/>
   <p:notesSz cx="6858000" cy="9144000"/>
@@ -199,7 +203,8 @@
           <a:p>
             <a:fld id="{5038CF4C-1DAC-477C-827A-C4F4DE6C48F4}" type="datetimeFigureOut">
               <a:rPr lang="zh-CN" altLang="en-US" smtClean="0"/>
-              <a:t>2017-11-04</a:t>
+              <a:pPr/>
+              <a:t>2017-11-08</a:t>
             </a:fld>
             <a:endParaRPr lang="zh-CN" altLang="en-US"/>
           </a:p>
@@ -360,6 +365,7 @@
           <a:p>
             <a:fld id="{FC770086-5751-47E0-9E57-FD524038D9EE}" type="slidenum">
               <a:rPr lang="zh-CN" altLang="en-US" smtClean="0"/>
+              <a:pPr/>
               <a:t>‹#›</a:t>
             </a:fld>
             <a:endParaRPr lang="zh-CN" altLang="en-US"/>
@@ -531,7 +537,8 @@
           <a:p>
             <a:fld id="{FC770086-5751-47E0-9E57-FD524038D9EE}" type="slidenum">
               <a:rPr lang="zh-CN" altLang="en-US" smtClean="0"/>
-              <a:t>1</a:t>
+              <a:pPr/>
+              <a:t>2</a:t>
             </a:fld>
             <a:endParaRPr lang="zh-CN" altLang="en-US"/>
           </a:p>
@@ -727,7 +734,7 @@
             <a:fld id="{530820CF-B880-4189-942D-D702A7CBA730}" type="datetimeFigureOut">
               <a:rPr lang="zh-CN" altLang="en-US" smtClean="0"/>
               <a:pPr/>
-              <a:t>2017-11-04</a:t>
+              <a:t>2017-11-08</a:t>
             </a:fld>
             <a:endParaRPr lang="zh-CN" altLang="en-US"/>
           </a:p>
@@ -894,7 +901,7 @@
             <a:fld id="{530820CF-B880-4189-942D-D702A7CBA730}" type="datetimeFigureOut">
               <a:rPr lang="zh-CN" altLang="en-US" smtClean="0"/>
               <a:pPr/>
-              <a:t>2017-11-04</a:t>
+              <a:t>2017-11-08</a:t>
             </a:fld>
             <a:endParaRPr lang="zh-CN" altLang="en-US"/>
           </a:p>
@@ -1071,7 +1078,7 @@
             <a:fld id="{530820CF-B880-4189-942D-D702A7CBA730}" type="datetimeFigureOut">
               <a:rPr lang="zh-CN" altLang="en-US" smtClean="0"/>
               <a:pPr/>
-              <a:t>2017-11-04</a:t>
+              <a:t>2017-11-08</a:t>
             </a:fld>
             <a:endParaRPr lang="zh-CN" altLang="en-US"/>
           </a:p>
@@ -1238,7 +1245,7 @@
             <a:fld id="{530820CF-B880-4189-942D-D702A7CBA730}" type="datetimeFigureOut">
               <a:rPr lang="zh-CN" altLang="en-US" smtClean="0"/>
               <a:pPr/>
-              <a:t>2017-11-04</a:t>
+              <a:t>2017-11-08</a:t>
             </a:fld>
             <a:endParaRPr lang="zh-CN" altLang="en-US"/>
           </a:p>
@@ -1481,7 +1488,7 @@
             <a:fld id="{530820CF-B880-4189-942D-D702A7CBA730}" type="datetimeFigureOut">
               <a:rPr lang="zh-CN" altLang="en-US" smtClean="0"/>
               <a:pPr/>
-              <a:t>2017-11-04</a:t>
+              <a:t>2017-11-08</a:t>
             </a:fld>
             <a:endParaRPr lang="zh-CN" altLang="en-US"/>
           </a:p>
@@ -1766,7 +1773,7 @@
             <a:fld id="{530820CF-B880-4189-942D-D702A7CBA730}" type="datetimeFigureOut">
               <a:rPr lang="zh-CN" altLang="en-US" smtClean="0"/>
               <a:pPr/>
-              <a:t>2017-11-04</a:t>
+              <a:t>2017-11-08</a:t>
             </a:fld>
             <a:endParaRPr lang="zh-CN" altLang="en-US"/>
           </a:p>
@@ -2185,7 +2192,7 @@
             <a:fld id="{530820CF-B880-4189-942D-D702A7CBA730}" type="datetimeFigureOut">
               <a:rPr lang="zh-CN" altLang="en-US" smtClean="0"/>
               <a:pPr/>
-              <a:t>2017-11-04</a:t>
+              <a:t>2017-11-08</a:t>
             </a:fld>
             <a:endParaRPr lang="zh-CN" altLang="en-US"/>
           </a:p>
@@ -2300,7 +2307,7 @@
             <a:fld id="{530820CF-B880-4189-942D-D702A7CBA730}" type="datetimeFigureOut">
               <a:rPr lang="zh-CN" altLang="en-US" smtClean="0"/>
               <a:pPr/>
-              <a:t>2017-11-04</a:t>
+              <a:t>2017-11-08</a:t>
             </a:fld>
             <a:endParaRPr lang="zh-CN" altLang="en-US"/>
           </a:p>
@@ -2392,7 +2399,7 @@
             <a:fld id="{530820CF-B880-4189-942D-D702A7CBA730}" type="datetimeFigureOut">
               <a:rPr lang="zh-CN" altLang="en-US" smtClean="0"/>
               <a:pPr/>
-              <a:t>2017-11-04</a:t>
+              <a:t>2017-11-08</a:t>
             </a:fld>
             <a:endParaRPr lang="zh-CN" altLang="en-US"/>
           </a:p>
@@ -2666,7 +2673,7 @@
             <a:fld id="{530820CF-B880-4189-942D-D702A7CBA730}" type="datetimeFigureOut">
               <a:rPr lang="zh-CN" altLang="en-US" smtClean="0"/>
               <a:pPr/>
-              <a:t>2017-11-04</a:t>
+              <a:t>2017-11-08</a:t>
             </a:fld>
             <a:endParaRPr lang="zh-CN" altLang="en-US"/>
           </a:p>
@@ -2916,7 +2923,7 @@
             <a:fld id="{530820CF-B880-4189-942D-D702A7CBA730}" type="datetimeFigureOut">
               <a:rPr lang="zh-CN" altLang="en-US" smtClean="0"/>
               <a:pPr/>
-              <a:t>2017-11-04</a:t>
+              <a:t>2017-11-08</a:t>
             </a:fld>
             <a:endParaRPr lang="zh-CN" altLang="en-US"/>
           </a:p>
@@ -3126,7 +3133,7 @@
             <a:fld id="{530820CF-B880-4189-942D-D702A7CBA730}" type="datetimeFigureOut">
               <a:rPr lang="zh-CN" altLang="en-US" smtClean="0"/>
               <a:pPr/>
-              <a:t>2017-11-04</a:t>
+              <a:t>2017-11-08</a:t>
             </a:fld>
             <a:endParaRPr lang="zh-CN" altLang="en-US"/>
           </a:p>
@@ -3504,15 +3511,135 @@
             <a:spLocks noGrp="1"/>
           </p:cNvSpPr>
           <p:nvPr>
-            <p:ph type="ctrTitle"/>
-          </p:nvPr>
-        </p:nvSpPr>
-        <p:spPr>
-          <a:xfrm>
-            <a:off x="357158" y="357166"/>
-            <a:ext cx="8501122" cy="1470025"/>
-          </a:xfrm>
-        </p:spPr>
+            <p:ph type="title"/>
+          </p:nvPr>
+        </p:nvSpPr>
+        <p:spPr/>
+        <p:style>
+          <a:lnRef idx="3">
+            <a:schemeClr val="lt1"/>
+          </a:lnRef>
+          <a:fillRef idx="1002">
+            <a:schemeClr val="dk1"/>
+          </a:fillRef>
+          <a:effectRef idx="1">
+            <a:schemeClr val="accent1"/>
+          </a:effectRef>
+          <a:fontRef idx="minor">
+            <a:schemeClr val="lt1"/>
+          </a:fontRef>
+        </p:style>
+        <p:txBody>
+          <a:bodyPr/>
+          <a:lstStyle/>
+          <a:p>
+            <a:r>
+              <a:rPr lang="zh-CN" altLang="en-US" dirty="0" smtClean="0"/>
+              <a:t>问题</a:t>
+            </a:r>
+            <a:endParaRPr lang="zh-CN" altLang="en-US" dirty="0"/>
+          </a:p>
+        </p:txBody>
+      </p:sp>
+      <p:sp>
+        <p:nvSpPr>
+          <p:cNvPr id="3" name="内容占位符 2"/>
+          <p:cNvSpPr>
+            <a:spLocks noGrp="1"/>
+          </p:cNvSpPr>
+          <p:nvPr>
+            <p:ph idx="1"/>
+          </p:nvPr>
+        </p:nvSpPr>
+        <p:spPr/>
+        <p:style>
+          <a:lnRef idx="1">
+            <a:schemeClr val="accent5"/>
+          </a:lnRef>
+          <a:fillRef idx="3">
+            <a:schemeClr val="accent5"/>
+          </a:fillRef>
+          <a:effectRef idx="2">
+            <a:schemeClr val="accent5"/>
+          </a:effectRef>
+          <a:fontRef idx="minor">
+            <a:schemeClr val="lt1"/>
+          </a:fontRef>
+        </p:style>
+        <p:txBody>
+          <a:bodyPr/>
+          <a:lstStyle/>
+          <a:p>
+            <a:r>
+              <a:rPr lang="zh-CN" altLang="en-US" dirty="0" smtClean="0"/>
+              <a:t>经常写</a:t>
+            </a:r>
+            <a:r>
+              <a:rPr lang="en-US" altLang="zh-CN" dirty="0" smtClean="0"/>
+              <a:t>SELECT</a:t>
+            </a:r>
+            <a:r>
+              <a:rPr lang="zh-CN" altLang="en-US" dirty="0" smtClean="0"/>
+              <a:t>语句，</a:t>
+            </a:r>
+            <a:r>
+              <a:rPr lang="zh-CN" altLang="en-US" dirty="0" smtClean="0"/>
+              <a:t>为什么还是会</a:t>
+            </a:r>
+            <a:r>
+              <a:rPr lang="zh-CN" altLang="en-US" dirty="0" smtClean="0"/>
+              <a:t>报</a:t>
+            </a:r>
+            <a:r>
+              <a:rPr lang="zh-CN" altLang="en-US" dirty="0" smtClean="0"/>
+              <a:t>错。</a:t>
+            </a:r>
+            <a:endParaRPr lang="en-US" altLang="zh-CN" dirty="0" smtClean="0"/>
+          </a:p>
+          <a:p>
+            <a:pPr>
+              <a:buNone/>
+            </a:pPr>
+            <a:endParaRPr lang="zh-CN" altLang="en-US" dirty="0"/>
+          </a:p>
+        </p:txBody>
+      </p:sp>
+    </p:spTree>
+  </p:cSld>
+  <p:clrMapOvr>
+    <a:masterClrMapping/>
+  </p:clrMapOvr>
+</p:sld>
+</file>
+
+<file path=ppt/slides/slide10.xml><?xml version="1.0" encoding="utf-8"?>
+<p:sld xmlns:a="http://schemas.openxmlformats.org/drawingml/2006/main" xmlns:r="http://schemas.openxmlformats.org/officeDocument/2006/relationships" xmlns:p="http://schemas.openxmlformats.org/presentationml/2006/main">
+  <p:cSld>
+    <p:spTree>
+      <p:nvGrpSpPr>
+        <p:cNvPr id="1" name=""/>
+        <p:cNvGrpSpPr/>
+        <p:nvPr/>
+      </p:nvGrpSpPr>
+      <p:grpSpPr>
+        <a:xfrm>
+          <a:off x="0" y="0"/>
+          <a:ext cx="0" cy="0"/>
+          <a:chOff x="0" y="0"/>
+          <a:chExt cx="0" cy="0"/>
+        </a:xfrm>
+      </p:grpSpPr>
+      <p:sp>
+        <p:nvSpPr>
+          <p:cNvPr id="2" name="标题 1"/>
+          <p:cNvSpPr>
+            <a:spLocks noGrp="1"/>
+          </p:cNvSpPr>
+          <p:nvPr>
+            <p:ph type="title"/>
+          </p:nvPr>
+        </p:nvSpPr>
+        <p:spPr/>
         <p:style>
           <a:lnRef idx="0">
             <a:scrgbClr r="0" g="0" b="0"/>
@@ -3531,11 +3658,7 @@
           <a:p>
             <a:r>
               <a:rPr lang="zh-CN" altLang="en-US" dirty="0" smtClean="0"/>
-              <a:t>什么是</a:t>
-            </a:r>
-            <a:r>
-              <a:rPr lang="en-US" altLang="zh-CN" dirty="0" smtClean="0"/>
-              <a:t>SQL</a:t>
+              <a:t>总结</a:t>
             </a:r>
             <a:endParaRPr lang="zh-CN" altLang="en-US" dirty="0"/>
           </a:p>
@@ -3543,68 +3666,233 @@
       </p:sp>
       <p:sp>
         <p:nvSpPr>
-          <p:cNvPr id="4" name="矩形 3"/>
-          <p:cNvSpPr/>
-          <p:nvPr/>
-        </p:nvSpPr>
-        <p:spPr>
-          <a:xfrm>
-            <a:off x="357158" y="1785926"/>
-            <a:ext cx="8501122" cy="3571900"/>
-          </a:xfrm>
-          <a:prstGeom prst="rect">
-            <a:avLst/>
-          </a:prstGeom>
-        </p:spPr>
+          <p:cNvPr id="3" name="内容占位符 2"/>
+          <p:cNvSpPr>
+            <a:spLocks noGrp="1"/>
+          </p:cNvSpPr>
+          <p:nvPr>
+            <p:ph idx="1"/>
+          </p:nvPr>
+        </p:nvSpPr>
+        <p:spPr/>
+        <p:txBody>
+          <a:bodyPr/>
+          <a:lstStyle/>
+          <a:p>
+            <a:r>
+              <a:rPr lang="zh-CN" altLang="en-US" dirty="0" smtClean="0"/>
+              <a:t>集合</a:t>
+            </a:r>
+            <a:endParaRPr lang="en-US" altLang="zh-CN" dirty="0" smtClean="0"/>
+          </a:p>
+          <a:p>
+            <a:r>
+              <a:rPr lang="zh-CN" altLang="en-US" dirty="0" smtClean="0"/>
+              <a:t>联接</a:t>
+            </a:r>
+            <a:endParaRPr lang="en-US" altLang="zh-CN" dirty="0" smtClean="0"/>
+          </a:p>
+          <a:p>
+            <a:r>
+              <a:rPr lang="zh-CN" altLang="en-US" dirty="0" smtClean="0"/>
+              <a:t>关系</a:t>
+            </a:r>
+            <a:endParaRPr lang="en-US" altLang="zh-CN" dirty="0" smtClean="0"/>
+          </a:p>
+          <a:p>
+            <a:r>
+              <a:rPr lang="zh-CN" altLang="en-US" dirty="0" smtClean="0"/>
+              <a:t>游标</a:t>
+            </a:r>
+            <a:endParaRPr lang="en-US" altLang="zh-CN" dirty="0" smtClean="0"/>
+          </a:p>
+          <a:p>
+            <a:endParaRPr lang="zh-CN" altLang="en-US" dirty="0"/>
+          </a:p>
+        </p:txBody>
+      </p:sp>
+    </p:spTree>
+  </p:cSld>
+  <p:clrMapOvr>
+    <a:masterClrMapping/>
+  </p:clrMapOvr>
+</p:sld>
+</file>
+
+<file path=ppt/slides/slide11.xml><?xml version="1.0" encoding="utf-8"?>
+<p:sld xmlns:a="http://schemas.openxmlformats.org/drawingml/2006/main" xmlns:r="http://schemas.openxmlformats.org/officeDocument/2006/relationships" xmlns:p="http://schemas.openxmlformats.org/presentationml/2006/main">
+  <p:cSld>
+    <p:spTree>
+      <p:nvGrpSpPr>
+        <p:cNvPr id="1" name=""/>
+        <p:cNvGrpSpPr/>
+        <p:nvPr/>
+      </p:nvGrpSpPr>
+      <p:grpSpPr>
+        <a:xfrm>
+          <a:off x="0" y="0"/>
+          <a:ext cx="0" cy="0"/>
+          <a:chOff x="0" y="0"/>
+          <a:chExt cx="0" cy="0"/>
+        </a:xfrm>
+      </p:grpSpPr>
+      <p:sp>
+        <p:nvSpPr>
+          <p:cNvPr id="2" name="标题 1"/>
+          <p:cNvSpPr>
+            <a:spLocks noGrp="1"/>
+          </p:cNvSpPr>
+          <p:nvPr>
+            <p:ph type="title"/>
+          </p:nvPr>
+        </p:nvSpPr>
+        <p:spPr/>
         <p:style>
-          <a:lnRef idx="2">
-            <a:schemeClr val="accent1">
-              <a:shade val="50000"/>
-            </a:schemeClr>
+          <a:lnRef idx="0">
+            <a:scrgbClr r="0" g="0" b="0"/>
           </a:lnRef>
           <a:fillRef idx="1002">
-            <a:schemeClr val="dk2"/>
+            <a:schemeClr val="dk1"/>
           </a:fillRef>
           <a:effectRef idx="0">
-            <a:schemeClr val="accent1"/>
+            <a:scrgbClr r="0" g="0" b="0"/>
+          </a:effectRef>
+          <a:fontRef idx="major"/>
+        </p:style>
+        <p:txBody>
+          <a:bodyPr/>
+          <a:lstStyle/>
+          <a:p>
+            <a:r>
+              <a:rPr lang="zh-CN" altLang="en-US" dirty="0" smtClean="0"/>
+              <a:t>例子</a:t>
+            </a:r>
+            <a:endParaRPr lang="zh-CN" altLang="en-US" dirty="0"/>
+          </a:p>
+        </p:txBody>
+      </p:sp>
+      <p:sp>
+        <p:nvSpPr>
+          <p:cNvPr id="3" name="内容占位符 2"/>
+          <p:cNvSpPr>
+            <a:spLocks noGrp="1"/>
+          </p:cNvSpPr>
+          <p:nvPr>
+            <p:ph idx="1"/>
+          </p:nvPr>
+        </p:nvSpPr>
+        <p:spPr/>
+        <p:txBody>
+          <a:bodyPr/>
+          <a:lstStyle/>
+          <a:p>
+            <a:endParaRPr lang="zh-CN" altLang="en-US" dirty="0"/>
+          </a:p>
+        </p:txBody>
+      </p:sp>
+    </p:spTree>
+  </p:cSld>
+  <p:clrMapOvr>
+    <a:masterClrMapping/>
+  </p:clrMapOvr>
+</p:sld>
+</file>
+
+<file path=ppt/slides/slide12.xml><?xml version="1.0" encoding="utf-8"?>
+<p:sld xmlns:a="http://schemas.openxmlformats.org/drawingml/2006/main" xmlns:r="http://schemas.openxmlformats.org/officeDocument/2006/relationships" xmlns:p="http://schemas.openxmlformats.org/presentationml/2006/main">
+  <p:cSld>
+    <p:spTree>
+      <p:nvGrpSpPr>
+        <p:cNvPr id="1" name=""/>
+        <p:cNvGrpSpPr/>
+        <p:nvPr/>
+      </p:nvGrpSpPr>
+      <p:grpSpPr>
+        <a:xfrm>
+          <a:off x="0" y="0"/>
+          <a:ext cx="0" cy="0"/>
+          <a:chOff x="0" y="0"/>
+          <a:chExt cx="0" cy="0"/>
+        </a:xfrm>
+      </p:grpSpPr>
+      <p:sp>
+        <p:nvSpPr>
+          <p:cNvPr id="2" name="标题 1"/>
+          <p:cNvSpPr>
+            <a:spLocks noGrp="1"/>
+          </p:cNvSpPr>
+          <p:nvPr>
+            <p:ph type="title"/>
+          </p:nvPr>
+        </p:nvSpPr>
+        <p:spPr/>
+        <p:style>
+          <a:lnRef idx="0">
+            <a:scrgbClr r="0" g="0" b="0"/>
+          </a:lnRef>
+          <a:fillRef idx="1002">
+            <a:schemeClr val="dk1"/>
+          </a:fillRef>
+          <a:effectRef idx="0">
+            <a:scrgbClr r="0" g="0" b="0"/>
+          </a:effectRef>
+          <a:fontRef idx="major"/>
+        </p:style>
+        <p:txBody>
+          <a:bodyPr/>
+          <a:lstStyle/>
+          <a:p>
+            <a:r>
+              <a:rPr lang="zh-CN" altLang="en-US" dirty="0" smtClean="0"/>
+              <a:t>谢谢</a:t>
+            </a:r>
+            <a:endParaRPr lang="zh-CN" altLang="en-US" dirty="0"/>
+          </a:p>
+        </p:txBody>
+      </p:sp>
+      <p:sp>
+        <p:nvSpPr>
+          <p:cNvPr id="3" name="内容占位符 2"/>
+          <p:cNvSpPr>
+            <a:spLocks noGrp="1"/>
+          </p:cNvSpPr>
+          <p:nvPr>
+            <p:ph idx="1"/>
+          </p:nvPr>
+        </p:nvSpPr>
+        <p:spPr/>
+        <p:style>
+          <a:lnRef idx="1">
+            <a:schemeClr val="accent5"/>
+          </a:lnRef>
+          <a:fillRef idx="3">
+            <a:schemeClr val="accent5"/>
+          </a:fillRef>
+          <a:effectRef idx="2">
+            <a:schemeClr val="accent5"/>
           </a:effectRef>
           <a:fontRef idx="minor">
             <a:schemeClr val="lt1"/>
           </a:fontRef>
         </p:style>
         <p:txBody>
-          <a:bodyPr rtlCol="0" anchor="ctr"/>
-          <a:lstStyle/>
-          <a:p>
-            <a:pPr algn="ctr"/>
-            <a:r>
-              <a:rPr lang="zh-CN" altLang="en-US" sz="2800" dirty="0" smtClean="0"/>
-              <a:t>结构化查询语言</a:t>
-            </a:r>
-            <a:r>
-              <a:rPr lang="en-US" altLang="zh-CN" sz="2800" dirty="0" smtClean="0"/>
-              <a:t>(Structured Query Language)</a:t>
-            </a:r>
-            <a:r>
-              <a:rPr lang="zh-CN" altLang="en-US" sz="2800" dirty="0" smtClean="0"/>
-              <a:t>简称</a:t>
-            </a:r>
-            <a:r>
-              <a:rPr lang="en-US" altLang="zh-CN" sz="2800" dirty="0" smtClean="0"/>
-              <a:t>SQL</a:t>
-            </a:r>
-          </a:p>
-          <a:p>
-            <a:pPr algn="ctr"/>
-            <a:r>
-              <a:rPr lang="zh-CN" altLang="en-US" sz="2800" dirty="0" smtClean="0"/>
-              <a:t>是</a:t>
-            </a:r>
-            <a:r>
-              <a:rPr lang="zh-CN" altLang="en-US" sz="2800" dirty="0" smtClean="0"/>
-              <a:t>一种特殊目的的编程语言，是一种数据库查询和程序设计语言，用于存取数据以及查询、更新和管理关系数据库系统；同时也是数据库脚本文件的扩展名。</a:t>
-            </a:r>
-            <a:endParaRPr lang="zh-CN" altLang="en-US" sz="2800" dirty="0"/>
+          <a:bodyPr/>
+          <a:lstStyle/>
+          <a:p>
+            <a:r>
+              <a:rPr lang="en-US" altLang="zh-CN" dirty="0" smtClean="0"/>
+              <a:t>Question</a:t>
+            </a:r>
+          </a:p>
+          <a:p>
+            <a:endParaRPr lang="en-US" altLang="zh-CN" dirty="0" smtClean="0"/>
+          </a:p>
+          <a:p>
+            <a:r>
+              <a:rPr lang="zh-CN" altLang="en-US" dirty="0" smtClean="0"/>
+              <a:t>未完待续</a:t>
+            </a:r>
+            <a:endParaRPr lang="zh-CN" altLang="en-US" dirty="0"/>
           </a:p>
         </p:txBody>
       </p:sp>
@@ -3640,16 +3928,21 @@
             <a:spLocks noGrp="1"/>
           </p:cNvSpPr>
           <p:nvPr>
-            <p:ph type="title"/>
-          </p:nvPr>
-        </p:nvSpPr>
-        <p:spPr/>
+            <p:ph type="ctrTitle"/>
+          </p:nvPr>
+        </p:nvSpPr>
+        <p:spPr>
+          <a:xfrm>
+            <a:off x="357158" y="357166"/>
+            <a:ext cx="8501122" cy="1470025"/>
+          </a:xfrm>
+        </p:spPr>
         <p:style>
           <a:lnRef idx="0">
             <a:scrgbClr r="0" g="0" b="0"/>
           </a:lnRef>
           <a:fillRef idx="1002">
-            <a:schemeClr val="dk2"/>
+            <a:schemeClr val="dk1"/>
           </a:fillRef>
           <a:effectRef idx="0">
             <a:scrgbClr r="0" g="0" b="0"/>
@@ -3661,12 +3954,12 @@
           <a:lstStyle/>
           <a:p>
             <a:r>
-              <a:rPr lang="en-US" altLang="zh-CN" dirty="0" smtClean="0"/>
-              <a:t>SELECT</a:t>
-            </a:r>
-            <a:r>
-              <a:rPr lang="zh-CN" altLang="en-US" dirty="0" smtClean="0"/>
-              <a:t>语句</a:t>
+              <a:rPr lang="zh-CN" altLang="en-US" dirty="0" smtClean="0"/>
+              <a:t>什么是</a:t>
+            </a:r>
+            <a:r>
+              <a:rPr lang="en-US" altLang="zh-CN" dirty="0" smtClean="0"/>
+              <a:t>SQL</a:t>
             </a:r>
             <a:endParaRPr lang="zh-CN" altLang="en-US" dirty="0"/>
           </a:p>
@@ -3674,33 +3967,73 @@
       </p:sp>
       <p:sp>
         <p:nvSpPr>
-          <p:cNvPr id="3" name="内容占位符 2"/>
-          <p:cNvSpPr>
-            <a:spLocks noGrp="1"/>
-          </p:cNvSpPr>
-          <p:nvPr>
-            <p:ph idx="1"/>
-          </p:nvPr>
-        </p:nvSpPr>
-        <p:spPr/>
-        <p:txBody>
-          <a:bodyPr/>
-          <a:lstStyle/>
-          <a:p>
-            <a:r>
-              <a:rPr lang="zh-CN" altLang="en-US" dirty="0" smtClean="0"/>
-              <a:t>看似简单，功能却特别强大。</a:t>
-            </a:r>
-            <a:endParaRPr lang="en-US" altLang="zh-CN" dirty="0" smtClean="0"/>
-          </a:p>
-          <a:p>
-            <a:pPr>
-              <a:buNone/>
-            </a:pPr>
-            <a:endParaRPr lang="en-US" altLang="zh-CN" dirty="0" smtClean="0"/>
-          </a:p>
-          <a:p>
-            <a:endParaRPr lang="zh-CN" altLang="en-US" dirty="0"/>
+          <p:cNvPr id="4" name="矩形 3"/>
+          <p:cNvSpPr/>
+          <p:nvPr/>
+        </p:nvSpPr>
+        <p:spPr>
+          <a:xfrm>
+            <a:off x="357158" y="1785926"/>
+            <a:ext cx="8501122" cy="3571900"/>
+          </a:xfrm>
+          <a:prstGeom prst="rect">
+            <a:avLst/>
+          </a:prstGeom>
+        </p:spPr>
+        <p:style>
+          <a:lnRef idx="1">
+            <a:schemeClr val="accent5"/>
+          </a:lnRef>
+          <a:fillRef idx="3">
+            <a:schemeClr val="accent5"/>
+          </a:fillRef>
+          <a:effectRef idx="2">
+            <a:schemeClr val="accent5"/>
+          </a:effectRef>
+          <a:fontRef idx="minor">
+            <a:schemeClr val="lt1"/>
+          </a:fontRef>
+        </p:style>
+        <p:txBody>
+          <a:bodyPr rtlCol="0" anchor="ctr"/>
+          <a:lstStyle/>
+          <a:p>
+            <a:pPr algn="ctr"/>
+            <a:r>
+              <a:rPr lang="zh-CN" altLang="en-US" sz="2800" dirty="0" smtClean="0"/>
+              <a:t>结构化查询语言</a:t>
+            </a:r>
+            <a:r>
+              <a:rPr lang="en-US" altLang="zh-CN" sz="2800" dirty="0" smtClean="0"/>
+              <a:t>(Structured Query Language</a:t>
+            </a:r>
+            <a:r>
+              <a:rPr lang="en-US" altLang="zh-CN" sz="2800" dirty="0" smtClean="0"/>
+              <a:t>)</a:t>
+            </a:r>
+          </a:p>
+          <a:p>
+            <a:pPr algn="ctr"/>
+            <a:r>
+              <a:rPr lang="zh-CN" altLang="en-US" sz="2800" dirty="0" smtClean="0"/>
+              <a:t>简称</a:t>
+            </a:r>
+            <a:r>
+              <a:rPr lang="en-US" altLang="zh-CN" sz="2800" dirty="0" smtClean="0"/>
+              <a:t>SQL</a:t>
+            </a:r>
+          </a:p>
+          <a:p>
+            <a:pPr algn="ctr"/>
+            <a:r>
+              <a:rPr lang="zh-CN" altLang="en-US" sz="2800" dirty="0" smtClean="0"/>
+              <a:t>是一种特殊目的的编程语言，是一种数据库查询和程序设计语言，用于存取数据以及查询、更新和管理关系数据库</a:t>
+            </a:r>
+            <a:r>
+              <a:rPr lang="zh-CN" altLang="en-US" sz="2800" dirty="0" smtClean="0"/>
+              <a:t>系统。</a:t>
+            </a:r>
+            <a:endParaRPr lang="zh-CN" altLang="en-US" sz="2800" dirty="0"/>
           </a:p>
         </p:txBody>
       </p:sp>
@@ -3740,55 +4073,6 @@
           </p:nvPr>
         </p:nvSpPr>
         <p:spPr/>
-        <p:txBody>
-          <a:bodyPr/>
-          <a:lstStyle/>
-          <a:p>
-            <a:r>
-              <a:rPr lang="en-US" altLang="zh-CN" dirty="0" smtClean="0"/>
-              <a:t>SELECT</a:t>
-            </a:r>
-            <a:r>
-              <a:rPr lang="zh-CN" altLang="en-US" dirty="0" smtClean="0"/>
-              <a:t>语法</a:t>
-            </a:r>
-            <a:endParaRPr lang="zh-CN" altLang="en-US" dirty="0"/>
-          </a:p>
-        </p:txBody>
-      </p:sp>
-      <p:pic>
-        <p:nvPicPr>
-          <p:cNvPr id="1027" name="Picture 3"/>
-          <p:cNvPicPr>
-            <a:picLocks noGrp="1" noChangeAspect="1" noChangeArrowheads="1"/>
-          </p:cNvPicPr>
-          <p:nvPr>
-            <p:ph idx="1"/>
-          </p:nvPr>
-        </p:nvPicPr>
-        <p:blipFill>
-          <a:blip r:embed="rId2"/>
-          <a:srcRect/>
-          <a:stretch>
-            <a:fillRect/>
-          </a:stretch>
-        </p:blipFill>
-        <p:spPr bwMode="auto">
-          <a:xfrm>
-            <a:off x="1928794" y="2214554"/>
-            <a:ext cx="5086350" cy="1581947"/>
-          </a:xfrm>
-          <a:prstGeom prst="rect">
-            <a:avLst/>
-          </a:prstGeom>
-          <a:ln w="9525">
-            <a:noFill/>
-            <a:miter lim="800000"/>
-            <a:headEnd/>
-            <a:tailEnd/>
-          </a:ln>
-          <a:effectLst/>
-        </p:spPr>
         <p:style>
           <a:lnRef idx="0">
             <a:scrgbClr r="0" g="0" b="0"/>
@@ -3801,7 +4085,68 @@
           </a:effectRef>
           <a:fontRef idx="major"/>
         </p:style>
-      </p:pic>
+        <p:txBody>
+          <a:bodyPr/>
+          <a:lstStyle/>
+          <a:p>
+            <a:r>
+              <a:rPr lang="en-US" altLang="zh-CN" dirty="0" smtClean="0"/>
+              <a:t>SELECT</a:t>
+            </a:r>
+            <a:r>
+              <a:rPr lang="zh-CN" altLang="en-US" dirty="0" smtClean="0"/>
+              <a:t>语句</a:t>
+            </a:r>
+            <a:endParaRPr lang="zh-CN" altLang="en-US" dirty="0"/>
+          </a:p>
+        </p:txBody>
+      </p:sp>
+      <p:sp>
+        <p:nvSpPr>
+          <p:cNvPr id="3" name="内容占位符 2"/>
+          <p:cNvSpPr>
+            <a:spLocks noGrp="1"/>
+          </p:cNvSpPr>
+          <p:nvPr>
+            <p:ph idx="1"/>
+          </p:nvPr>
+        </p:nvSpPr>
+        <p:spPr/>
+        <p:style>
+          <a:lnRef idx="1">
+            <a:schemeClr val="accent5"/>
+          </a:lnRef>
+          <a:fillRef idx="3">
+            <a:schemeClr val="accent5"/>
+          </a:fillRef>
+          <a:effectRef idx="2">
+            <a:schemeClr val="accent5"/>
+          </a:effectRef>
+          <a:fontRef idx="minor">
+            <a:schemeClr val="lt1"/>
+          </a:fontRef>
+        </p:style>
+        <p:txBody>
+          <a:bodyPr/>
+          <a:lstStyle/>
+          <a:p>
+            <a:r>
+              <a:rPr lang="zh-CN" altLang="en-US" dirty="0" smtClean="0"/>
+              <a:t>看似简单，功能却特别强大。</a:t>
+            </a:r>
+            <a:endParaRPr lang="en-US" altLang="zh-CN" dirty="0" smtClean="0"/>
+          </a:p>
+          <a:p>
+            <a:pPr>
+              <a:buNone/>
+            </a:pPr>
+            <a:endParaRPr lang="en-US" altLang="zh-CN" dirty="0" smtClean="0"/>
+          </a:p>
+          <a:p>
+            <a:endParaRPr lang="zh-CN" altLang="en-US" dirty="0"/>
+          </a:p>
+        </p:txBody>
+      </p:sp>
     </p:spTree>
   </p:cSld>
   <p:clrMapOvr>
@@ -3838,584 +4183,79 @@
           </p:nvPr>
         </p:nvSpPr>
         <p:spPr/>
-        <p:txBody>
-          <a:bodyPr/>
-          <a:lstStyle/>
-          <a:p>
-            <a:r>
-              <a:rPr lang="zh-CN" altLang="en-US" dirty="0" smtClean="0"/>
-              <a:t>执行顺序</a:t>
+        <p:style>
+          <a:lnRef idx="0">
+            <a:scrgbClr r="0" g="0" b="0"/>
+          </a:lnRef>
+          <a:fillRef idx="1002">
+            <a:schemeClr val="dk1"/>
+          </a:fillRef>
+          <a:effectRef idx="0">
+            <a:scrgbClr r="0" g="0" b="0"/>
+          </a:effectRef>
+          <a:fontRef idx="major"/>
+        </p:style>
+        <p:txBody>
+          <a:bodyPr/>
+          <a:lstStyle/>
+          <a:p>
+            <a:r>
+              <a:rPr lang="en-US" altLang="zh-CN" dirty="0" smtClean="0"/>
+              <a:t>SELECT</a:t>
+            </a:r>
+            <a:r>
+              <a:rPr lang="zh-CN" altLang="en-US" dirty="0" smtClean="0"/>
+              <a:t>语法</a:t>
             </a:r>
             <a:endParaRPr lang="zh-CN" altLang="en-US" dirty="0"/>
           </a:p>
         </p:txBody>
       </p:sp>
-      <p:sp>
-        <p:nvSpPr>
-          <p:cNvPr id="3" name="内容占位符 2"/>
-          <p:cNvSpPr>
-            <a:spLocks noGrp="1"/>
-          </p:cNvSpPr>
+      <p:pic>
+        <p:nvPicPr>
+          <p:cNvPr id="1027" name="Picture 3"/>
+          <p:cNvPicPr>
+            <a:picLocks noGrp="1" noChangeAspect="1" noChangeArrowheads="1"/>
+          </p:cNvPicPr>
           <p:nvPr>
             <p:ph idx="1"/>
           </p:nvPr>
-        </p:nvSpPr>
-        <p:spPr/>
-        <p:txBody>
-          <a:bodyPr>
-            <a:normAutofit fontScale="32500" lnSpcReduction="20000"/>
-          </a:bodyPr>
-          <a:lstStyle/>
-          <a:p>
-            <a:r>
-              <a:rPr lang="en-US" dirty="0" smtClean="0"/>
-              <a:t>SQL Server 2005</a:t>
-            </a:r>
-            <a:r>
-              <a:rPr lang="zh-CN" altLang="en-US" dirty="0" smtClean="0"/>
-              <a:t>的各个逻辑步骤的简单描述。</a:t>
-            </a:r>
-          </a:p>
-          <a:p>
-            <a:r>
-              <a:rPr lang="en-US" altLang="zh-CN" dirty="0" smtClean="0"/>
-              <a:t>( 8 ) </a:t>
-            </a:r>
-            <a:r>
-              <a:rPr lang="en-US" dirty="0" smtClean="0"/>
-              <a:t>SELECT ( 9 ) DISTINCT ( 11 ) &lt; Top Num &gt; &lt; select list &gt; </a:t>
-            </a:r>
-            <a:br>
-              <a:rPr lang="en-US" dirty="0" smtClean="0"/>
-            </a:br>
-            <a:r>
-              <a:rPr lang="en-US" dirty="0" smtClean="0"/>
-              <a:t>( 1 ) FROM [ </a:t>
-            </a:r>
-            <a:r>
-              <a:rPr lang="en-US" dirty="0" err="1" smtClean="0"/>
-              <a:t>left_table</a:t>
-            </a:r>
-            <a:r>
-              <a:rPr lang="en-US" dirty="0" smtClean="0"/>
-              <a:t> ] </a:t>
-            </a:r>
-            <a:br>
-              <a:rPr lang="en-US" dirty="0" smtClean="0"/>
-            </a:br>
-            <a:r>
-              <a:rPr lang="en-US" dirty="0" smtClean="0"/>
-              <a:t>( 3 ) &lt; </a:t>
-            </a:r>
-            <a:r>
-              <a:rPr lang="en-US" dirty="0" err="1" smtClean="0"/>
-              <a:t>join_type</a:t>
-            </a:r>
-            <a:r>
-              <a:rPr lang="en-US" dirty="0" smtClean="0"/>
-              <a:t> &gt; JOIN &lt; </a:t>
-            </a:r>
-            <a:r>
-              <a:rPr lang="en-US" dirty="0" err="1" smtClean="0"/>
-              <a:t>right_table</a:t>
-            </a:r>
-            <a:r>
-              <a:rPr lang="en-US" dirty="0" smtClean="0"/>
-              <a:t> &gt; </a:t>
-            </a:r>
-            <a:br>
-              <a:rPr lang="en-US" dirty="0" smtClean="0"/>
-            </a:br>
-            <a:r>
-              <a:rPr lang="en-US" dirty="0" smtClean="0"/>
-              <a:t>( 2 ) ON &lt; </a:t>
-            </a:r>
-            <a:r>
-              <a:rPr lang="en-US" dirty="0" err="1" smtClean="0"/>
-              <a:t>join_condition</a:t>
-            </a:r>
-            <a:r>
-              <a:rPr lang="en-US" dirty="0" smtClean="0"/>
-              <a:t> &gt; </a:t>
-            </a:r>
-            <a:br>
-              <a:rPr lang="en-US" dirty="0" smtClean="0"/>
-            </a:br>
-            <a:r>
-              <a:rPr lang="en-US" dirty="0" smtClean="0"/>
-              <a:t>( 4 ) WHERE &lt; </a:t>
-            </a:r>
-            <a:r>
-              <a:rPr lang="en-US" dirty="0" err="1" smtClean="0"/>
-              <a:t>where_condition</a:t>
-            </a:r>
-            <a:r>
-              <a:rPr lang="en-US" dirty="0" smtClean="0"/>
-              <a:t> &gt; </a:t>
-            </a:r>
-            <a:br>
-              <a:rPr lang="en-US" dirty="0" smtClean="0"/>
-            </a:br>
-            <a:r>
-              <a:rPr lang="en-US" dirty="0" smtClean="0"/>
-              <a:t>( 5 ) GROUP BY &lt; </a:t>
-            </a:r>
-            <a:r>
-              <a:rPr lang="en-US" dirty="0" err="1" smtClean="0"/>
-              <a:t>group_by_list</a:t>
-            </a:r>
-            <a:r>
-              <a:rPr lang="en-US" dirty="0" smtClean="0"/>
-              <a:t> &gt; </a:t>
-            </a:r>
-            <a:br>
-              <a:rPr lang="en-US" dirty="0" smtClean="0"/>
-            </a:br>
-            <a:r>
-              <a:rPr lang="en-US" dirty="0" smtClean="0"/>
-              <a:t>( 6 ) WITH &lt; CUBE | </a:t>
-            </a:r>
-            <a:r>
-              <a:rPr lang="en-US" dirty="0" err="1" smtClean="0"/>
-              <a:t>RollUP</a:t>
-            </a:r>
-            <a:r>
-              <a:rPr lang="en-US" dirty="0" smtClean="0"/>
-              <a:t> &gt; </a:t>
-            </a:r>
-            <a:br>
-              <a:rPr lang="en-US" dirty="0" smtClean="0"/>
-            </a:br>
-            <a:r>
-              <a:rPr lang="en-US" dirty="0" smtClean="0"/>
-              <a:t>( 7 ) HAVING &lt; </a:t>
-            </a:r>
-            <a:r>
-              <a:rPr lang="en-US" dirty="0" err="1" smtClean="0"/>
-              <a:t>having_condition</a:t>
-            </a:r>
-            <a:r>
-              <a:rPr lang="en-US" dirty="0" smtClean="0"/>
-              <a:t> &gt; </a:t>
-            </a:r>
-            <a:br>
-              <a:rPr lang="en-US" dirty="0" smtClean="0"/>
-            </a:br>
-            <a:r>
-              <a:rPr lang="en-US" dirty="0" smtClean="0"/>
-              <a:t>( 10 ) ORDER BY &lt; </a:t>
-            </a:r>
-            <a:r>
-              <a:rPr lang="en-US" dirty="0" err="1" smtClean="0"/>
-              <a:t>order_by_list</a:t>
-            </a:r>
-            <a:r>
-              <a:rPr lang="en-US" dirty="0" smtClean="0"/>
-              <a:t> &gt;</a:t>
-            </a:r>
-          </a:p>
-          <a:p>
-            <a:r>
-              <a:rPr lang="zh-CN" altLang="en-US" dirty="0" smtClean="0"/>
-              <a:t>逻辑查询处理阶段简介 </a:t>
-            </a:r>
-            <a:br>
-              <a:rPr lang="zh-CN" altLang="en-US" dirty="0" smtClean="0"/>
-            </a:br>
-            <a:r>
-              <a:rPr lang="en-US" dirty="0" smtClean="0"/>
-              <a:t>FROM：</a:t>
-            </a:r>
-            <a:r>
-              <a:rPr lang="zh-CN" altLang="en-US" dirty="0" smtClean="0"/>
-              <a:t>对</a:t>
-            </a:r>
-            <a:r>
-              <a:rPr lang="en-US" dirty="0" smtClean="0"/>
-              <a:t>FROM</a:t>
-            </a:r>
-            <a:r>
-              <a:rPr lang="zh-CN" altLang="en-US" dirty="0" smtClean="0"/>
-              <a:t>子句中的前两个表执行笛卡尔积（</a:t>
-            </a:r>
-            <a:r>
-              <a:rPr lang="en-US" dirty="0" smtClean="0"/>
-              <a:t>Cartesian product)(</a:t>
-            </a:r>
-            <a:r>
-              <a:rPr lang="zh-CN" altLang="en-US" dirty="0" smtClean="0"/>
-              <a:t>交叉联接），生成虚拟表</a:t>
-            </a:r>
-            <a:r>
-              <a:rPr lang="en-US" dirty="0" smtClean="0"/>
-              <a:t>VT1</a:t>
-            </a:r>
-          </a:p>
-          <a:p>
-            <a:r>
-              <a:rPr lang="en-US" dirty="0" smtClean="0"/>
-              <a:t>ON：</a:t>
-            </a:r>
-            <a:r>
-              <a:rPr lang="zh-CN" altLang="en-US" dirty="0" smtClean="0"/>
-              <a:t>对</a:t>
-            </a:r>
-            <a:r>
-              <a:rPr lang="en-US" dirty="0" smtClean="0"/>
-              <a:t>VT1</a:t>
-            </a:r>
-            <a:r>
-              <a:rPr lang="zh-CN" altLang="en-US" dirty="0" smtClean="0"/>
-              <a:t>应用</a:t>
-            </a:r>
-            <a:r>
-              <a:rPr lang="en-US" dirty="0" smtClean="0"/>
-              <a:t>ON</a:t>
-            </a:r>
-            <a:r>
-              <a:rPr lang="zh-CN" altLang="en-US" dirty="0" smtClean="0"/>
-              <a:t>筛选器。只有那些使为真的行才被插入</a:t>
-            </a:r>
-            <a:r>
-              <a:rPr lang="en-US" dirty="0" smtClean="0"/>
-              <a:t>VT2。</a:t>
-            </a:r>
-          </a:p>
-          <a:p>
-            <a:r>
-              <a:rPr lang="en-US" dirty="0" smtClean="0"/>
-              <a:t>OUTER(JOIN)：</a:t>
-            </a:r>
-            <a:r>
-              <a:rPr lang="zh-CN" altLang="en-US" dirty="0" smtClean="0"/>
-              <a:t>如 果指定了</a:t>
-            </a:r>
-            <a:r>
-              <a:rPr lang="en-US" dirty="0" smtClean="0"/>
-              <a:t>OUTER JOIN（</a:t>
-            </a:r>
-            <a:r>
-              <a:rPr lang="zh-CN" altLang="en-US" dirty="0" smtClean="0"/>
-              <a:t>相对于</a:t>
-            </a:r>
-            <a:r>
-              <a:rPr lang="en-US" dirty="0" smtClean="0"/>
-              <a:t>CROSS JOIN </a:t>
-            </a:r>
-            <a:r>
-              <a:rPr lang="zh-CN" altLang="en-US" dirty="0" smtClean="0"/>
-              <a:t>或</a:t>
-            </a:r>
-            <a:r>
-              <a:rPr lang="en-US" altLang="zh-CN" dirty="0" smtClean="0"/>
-              <a:t>(</a:t>
-            </a:r>
-            <a:r>
-              <a:rPr lang="en-US" dirty="0" smtClean="0"/>
-              <a:t>INNER JOIN),</a:t>
-            </a:r>
-            <a:r>
-              <a:rPr lang="zh-CN" altLang="en-US" dirty="0" smtClean="0"/>
-              <a:t>保留表（</a:t>
-            </a:r>
-            <a:r>
-              <a:rPr lang="en-US" dirty="0" smtClean="0"/>
-              <a:t>preserved table：</a:t>
-            </a:r>
-            <a:r>
-              <a:rPr lang="zh-CN" altLang="en-US" dirty="0" smtClean="0"/>
-              <a:t>左外部联接把左表标记为保留表，右外部联接把右表标记为保留表，完全外部联接把两个表都标记为保留表）中未找到匹配的行将作为外部行添加到 </a:t>
-            </a:r>
-            <a:r>
-              <a:rPr lang="en-US" dirty="0" smtClean="0"/>
-              <a:t>VT2,</a:t>
-            </a:r>
-            <a:r>
-              <a:rPr lang="zh-CN" altLang="en-US" dirty="0" smtClean="0"/>
-              <a:t>生成</a:t>
-            </a:r>
-            <a:r>
-              <a:rPr lang="en-US" dirty="0" smtClean="0"/>
-              <a:t>VT3.</a:t>
-            </a:r>
-            <a:r>
-              <a:rPr lang="zh-CN" altLang="en-US" dirty="0" smtClean="0"/>
-              <a:t>如果</a:t>
-            </a:r>
-            <a:r>
-              <a:rPr lang="en-US" dirty="0" smtClean="0"/>
-              <a:t>FROM</a:t>
-            </a:r>
-            <a:r>
-              <a:rPr lang="zh-CN" altLang="en-US" dirty="0" smtClean="0"/>
-              <a:t>子句包含两个以上的表，则对上一个联接生成的结果表和下一个表重复执行步骤</a:t>
-            </a:r>
-            <a:r>
-              <a:rPr lang="en-US" altLang="zh-CN" dirty="0" smtClean="0"/>
-              <a:t>1</a:t>
-            </a:r>
-            <a:r>
-              <a:rPr lang="zh-CN" altLang="en-US" dirty="0" smtClean="0"/>
-              <a:t>到步骤</a:t>
-            </a:r>
-            <a:r>
-              <a:rPr lang="en-US" altLang="zh-CN" dirty="0" smtClean="0"/>
-              <a:t>3</a:t>
-            </a:r>
-            <a:r>
-              <a:rPr lang="zh-CN" altLang="en-US" dirty="0" smtClean="0"/>
-              <a:t>，直到处理完所有的表为止。</a:t>
-            </a:r>
-          </a:p>
-          <a:p>
-            <a:r>
-              <a:rPr lang="en-US" dirty="0" smtClean="0"/>
-              <a:t>WHERE：</a:t>
-            </a:r>
-            <a:r>
-              <a:rPr lang="zh-CN" altLang="en-US" dirty="0" smtClean="0"/>
-              <a:t>对</a:t>
-            </a:r>
-            <a:r>
-              <a:rPr lang="en-US" dirty="0" smtClean="0"/>
-              <a:t>VT3</a:t>
-            </a:r>
-            <a:r>
-              <a:rPr lang="zh-CN" altLang="en-US" dirty="0" smtClean="0"/>
-              <a:t>应用</a:t>
-            </a:r>
-            <a:r>
-              <a:rPr lang="en-US" dirty="0" smtClean="0"/>
-              <a:t>WHERE</a:t>
-            </a:r>
-            <a:r>
-              <a:rPr lang="zh-CN" altLang="en-US" dirty="0" smtClean="0"/>
-              <a:t>筛选器。只有使为</a:t>
-            </a:r>
-            <a:r>
-              <a:rPr lang="en-US" dirty="0" smtClean="0"/>
-              <a:t>true</a:t>
-            </a:r>
-            <a:r>
-              <a:rPr lang="zh-CN" altLang="en-US" dirty="0" smtClean="0"/>
-              <a:t>的行才被插入</a:t>
-            </a:r>
-            <a:r>
-              <a:rPr lang="en-US" dirty="0" smtClean="0"/>
-              <a:t>VT4.</a:t>
-            </a:r>
-          </a:p>
-          <a:p>
-            <a:r>
-              <a:rPr lang="en-US" dirty="0" smtClean="0"/>
-              <a:t>GROUP BY：</a:t>
-            </a:r>
-            <a:r>
-              <a:rPr lang="zh-CN" altLang="en-US" dirty="0" smtClean="0"/>
-              <a:t>按</a:t>
-            </a:r>
-            <a:r>
-              <a:rPr lang="en-US" dirty="0" smtClean="0"/>
-              <a:t>GROUP BY</a:t>
-            </a:r>
-            <a:r>
-              <a:rPr lang="zh-CN" altLang="en-US" dirty="0" smtClean="0"/>
-              <a:t>子句中的列列表对</a:t>
-            </a:r>
-            <a:r>
-              <a:rPr lang="en-US" dirty="0" smtClean="0"/>
-              <a:t>VT4</a:t>
-            </a:r>
-            <a:r>
-              <a:rPr lang="zh-CN" altLang="en-US" dirty="0" smtClean="0"/>
-              <a:t>中的行分组，生成</a:t>
-            </a:r>
-            <a:r>
-              <a:rPr lang="en-US" dirty="0" smtClean="0"/>
-              <a:t>VT5.</a:t>
-            </a:r>
-          </a:p>
-          <a:p>
-            <a:r>
-              <a:rPr lang="en-US" dirty="0" smtClean="0"/>
-              <a:t>CUBE|ROLLUP：</a:t>
-            </a:r>
-            <a:r>
-              <a:rPr lang="zh-CN" altLang="en-US" dirty="0" smtClean="0"/>
-              <a:t>把超组</a:t>
-            </a:r>
-            <a:r>
-              <a:rPr lang="en-US" altLang="zh-CN" dirty="0" smtClean="0"/>
-              <a:t>(</a:t>
-            </a:r>
-            <a:r>
-              <a:rPr lang="en-US" dirty="0" err="1" smtClean="0"/>
-              <a:t>Suppergroups</a:t>
-            </a:r>
-            <a:r>
-              <a:rPr lang="en-US" dirty="0" smtClean="0"/>
-              <a:t>)</a:t>
-            </a:r>
-            <a:r>
-              <a:rPr lang="zh-CN" altLang="en-US" dirty="0" smtClean="0"/>
-              <a:t>插入</a:t>
-            </a:r>
-            <a:r>
-              <a:rPr lang="en-US" dirty="0" smtClean="0"/>
-              <a:t>VT5,</a:t>
-            </a:r>
-            <a:r>
-              <a:rPr lang="zh-CN" altLang="en-US" dirty="0" smtClean="0"/>
-              <a:t>生成</a:t>
-            </a:r>
-            <a:r>
-              <a:rPr lang="en-US" dirty="0" smtClean="0"/>
-              <a:t>VT6.</a:t>
-            </a:r>
-          </a:p>
-          <a:p>
-            <a:r>
-              <a:rPr lang="en-US" dirty="0" smtClean="0"/>
-              <a:t>HAVING：</a:t>
-            </a:r>
-            <a:r>
-              <a:rPr lang="zh-CN" altLang="en-US" dirty="0" smtClean="0"/>
-              <a:t>对</a:t>
-            </a:r>
-            <a:r>
-              <a:rPr lang="en-US" dirty="0" smtClean="0"/>
-              <a:t>VT6</a:t>
-            </a:r>
-            <a:r>
-              <a:rPr lang="zh-CN" altLang="en-US" dirty="0" smtClean="0"/>
-              <a:t>应用</a:t>
-            </a:r>
-            <a:r>
-              <a:rPr lang="en-US" dirty="0" smtClean="0"/>
-              <a:t>HAVING</a:t>
-            </a:r>
-            <a:r>
-              <a:rPr lang="zh-CN" altLang="en-US" dirty="0" smtClean="0"/>
-              <a:t>筛选器。只有使为</a:t>
-            </a:r>
-            <a:r>
-              <a:rPr lang="en-US" dirty="0" smtClean="0"/>
-              <a:t>true</a:t>
-            </a:r>
-            <a:r>
-              <a:rPr lang="zh-CN" altLang="en-US" dirty="0" smtClean="0"/>
-              <a:t>的组才会被插入</a:t>
-            </a:r>
-            <a:r>
-              <a:rPr lang="en-US" dirty="0" smtClean="0"/>
-              <a:t>VT7.</a:t>
-            </a:r>
-          </a:p>
-          <a:p>
-            <a:r>
-              <a:rPr lang="en-US" dirty="0" smtClean="0"/>
-              <a:t>SELECT：</a:t>
-            </a:r>
-            <a:r>
-              <a:rPr lang="zh-CN" altLang="en-US" dirty="0" smtClean="0"/>
-              <a:t>处理</a:t>
-            </a:r>
-            <a:r>
-              <a:rPr lang="en-US" dirty="0" smtClean="0"/>
-              <a:t>SELECT</a:t>
-            </a:r>
-            <a:r>
-              <a:rPr lang="zh-CN" altLang="en-US" dirty="0" smtClean="0"/>
-              <a:t>列表，产生</a:t>
-            </a:r>
-            <a:r>
-              <a:rPr lang="en-US" dirty="0" smtClean="0"/>
-              <a:t>VT8.</a:t>
-            </a:r>
-          </a:p>
-          <a:p>
-            <a:r>
-              <a:rPr lang="en-US" dirty="0" smtClean="0"/>
-              <a:t>DISTINCT：</a:t>
-            </a:r>
-            <a:r>
-              <a:rPr lang="zh-CN" altLang="en-US" dirty="0" smtClean="0"/>
-              <a:t>将重复的行从</a:t>
-            </a:r>
-            <a:r>
-              <a:rPr lang="en-US" dirty="0" smtClean="0"/>
-              <a:t>VT8</a:t>
-            </a:r>
-            <a:r>
-              <a:rPr lang="zh-CN" altLang="en-US" dirty="0" smtClean="0"/>
-              <a:t>中移除，产生</a:t>
-            </a:r>
-            <a:r>
-              <a:rPr lang="en-US" dirty="0" smtClean="0"/>
-              <a:t>VT9.</a:t>
-            </a:r>
-          </a:p>
-          <a:p>
-            <a:r>
-              <a:rPr lang="en-US" dirty="0" smtClean="0"/>
-              <a:t>ORDER BY：</a:t>
-            </a:r>
-            <a:r>
-              <a:rPr lang="zh-CN" altLang="en-US" dirty="0" smtClean="0"/>
-              <a:t>将</a:t>
-            </a:r>
-            <a:r>
-              <a:rPr lang="en-US" dirty="0" smtClean="0"/>
-              <a:t>VT9</a:t>
-            </a:r>
-            <a:r>
-              <a:rPr lang="zh-CN" altLang="en-US" dirty="0" smtClean="0"/>
-              <a:t>中的行按</a:t>
-            </a:r>
-            <a:r>
-              <a:rPr lang="en-US" dirty="0" smtClean="0"/>
-              <a:t>ORDER BY </a:t>
-            </a:r>
-            <a:r>
-              <a:rPr lang="zh-CN" altLang="en-US" dirty="0" smtClean="0"/>
-              <a:t>子句中的列列表排序，生成游标（</a:t>
-            </a:r>
-            <a:r>
-              <a:rPr lang="en-US" dirty="0" smtClean="0"/>
-              <a:t>VC10).</a:t>
-            </a:r>
-          </a:p>
-          <a:p>
-            <a:r>
-              <a:rPr lang="en-US" dirty="0" smtClean="0"/>
-              <a:t>TOP：</a:t>
-            </a:r>
-            <a:r>
-              <a:rPr lang="zh-CN" altLang="en-US" dirty="0" smtClean="0"/>
-              <a:t>从</a:t>
-            </a:r>
-            <a:r>
-              <a:rPr lang="en-US" dirty="0" smtClean="0"/>
-              <a:t>VC10</a:t>
-            </a:r>
-            <a:r>
-              <a:rPr lang="zh-CN" altLang="en-US" dirty="0" smtClean="0"/>
-              <a:t>的开始处选择指定数量或比例的行，生成表</a:t>
-            </a:r>
-            <a:r>
-              <a:rPr lang="en-US" dirty="0" smtClean="0"/>
-              <a:t>VT11,</a:t>
-            </a:r>
-            <a:r>
-              <a:rPr lang="zh-CN" altLang="en-US" dirty="0" smtClean="0"/>
-              <a:t>并返回调用者。</a:t>
-            </a:r>
-          </a:p>
-          <a:p>
-            <a:endParaRPr lang="zh-CN" altLang="en-US" dirty="0"/>
-          </a:p>
-        </p:txBody>
-      </p:sp>
+        </p:nvPicPr>
+        <p:blipFill>
+          <a:blip r:embed="rId2"/>
+          <a:srcRect/>
+          <a:stretch>
+            <a:fillRect/>
+          </a:stretch>
+        </p:blipFill>
+        <p:spPr bwMode="auto">
+          <a:xfrm>
+            <a:off x="1285852" y="2214554"/>
+            <a:ext cx="5729292" cy="2000264"/>
+          </a:xfrm>
+          <a:prstGeom prst="rect">
+            <a:avLst/>
+          </a:prstGeom>
+          <a:ln>
+            <a:headEnd/>
+            <a:tailEnd/>
+          </a:ln>
+        </p:spPr>
+        <p:style>
+          <a:lnRef idx="1">
+            <a:schemeClr val="accent5"/>
+          </a:lnRef>
+          <a:fillRef idx="3">
+            <a:schemeClr val="accent5"/>
+          </a:fillRef>
+          <a:effectRef idx="2">
+            <a:schemeClr val="accent5"/>
+          </a:effectRef>
+          <a:fontRef idx="minor">
+            <a:schemeClr val="lt1"/>
+          </a:fontRef>
+        </p:style>
+      </p:pic>
     </p:spTree>
   </p:cSld>
   <p:clrMapOvr>
@@ -4425,6 +4265,1628 @@
 </file>
 
 <file path=ppt/slides/slide5.xml><?xml version="1.0" encoding="utf-8"?>
+<p:sld xmlns:a="http://schemas.openxmlformats.org/drawingml/2006/main" xmlns:r="http://schemas.openxmlformats.org/officeDocument/2006/relationships" xmlns:p="http://schemas.openxmlformats.org/presentationml/2006/main">
+  <p:cSld>
+    <p:spTree>
+      <p:nvGrpSpPr>
+        <p:cNvPr id="1" name=""/>
+        <p:cNvGrpSpPr/>
+        <p:nvPr/>
+      </p:nvGrpSpPr>
+      <p:grpSpPr>
+        <a:xfrm>
+          <a:off x="0" y="0"/>
+          <a:ext cx="0" cy="0"/>
+          <a:chOff x="0" y="0"/>
+          <a:chExt cx="0" cy="0"/>
+        </a:xfrm>
+      </p:grpSpPr>
+      <p:sp>
+        <p:nvSpPr>
+          <p:cNvPr id="2" name="标题 1"/>
+          <p:cNvSpPr>
+            <a:spLocks noGrp="1"/>
+          </p:cNvSpPr>
+          <p:nvPr>
+            <p:ph type="title"/>
+          </p:nvPr>
+        </p:nvSpPr>
+        <p:spPr/>
+        <p:style>
+          <a:lnRef idx="0">
+            <a:scrgbClr r="0" g="0" b="0"/>
+          </a:lnRef>
+          <a:fillRef idx="1002">
+            <a:schemeClr val="dk1"/>
+          </a:fillRef>
+          <a:effectRef idx="0">
+            <a:scrgbClr r="0" g="0" b="0"/>
+          </a:effectRef>
+          <a:fontRef idx="major"/>
+        </p:style>
+        <p:txBody>
+          <a:bodyPr/>
+          <a:lstStyle/>
+          <a:p>
+            <a:r>
+              <a:rPr lang="zh-CN" altLang="en-US" dirty="0" smtClean="0"/>
+              <a:t>引擎是怎么处理</a:t>
+            </a:r>
+            <a:r>
+              <a:rPr lang="en-US" altLang="zh-CN" dirty="0" smtClean="0"/>
+              <a:t>SELECT</a:t>
+            </a:r>
+            <a:r>
+              <a:rPr lang="zh-CN" altLang="en-US" dirty="0" smtClean="0"/>
+              <a:t>语句的</a:t>
+            </a:r>
+            <a:endParaRPr lang="zh-CN" altLang="en-US" dirty="0"/>
+          </a:p>
+        </p:txBody>
+      </p:sp>
+      <p:sp>
+        <p:nvSpPr>
+          <p:cNvPr id="3" name="内容占位符 2"/>
+          <p:cNvSpPr>
+            <a:spLocks noGrp="1"/>
+          </p:cNvSpPr>
+          <p:nvPr>
+            <p:ph idx="1"/>
+          </p:nvPr>
+        </p:nvSpPr>
+        <p:spPr/>
+        <p:txBody>
+          <a:bodyPr/>
+          <a:lstStyle/>
+          <a:p>
+            <a:endParaRPr lang="zh-CN" altLang="en-US" dirty="0"/>
+          </a:p>
+        </p:txBody>
+      </p:sp>
+    </p:spTree>
+  </p:cSld>
+  <p:clrMapOvr>
+    <a:masterClrMapping/>
+  </p:clrMapOvr>
+</p:sld>
+</file>
+
+<file path=ppt/slides/slide6.xml><?xml version="1.0" encoding="utf-8"?>
+<p:sld xmlns:a="http://schemas.openxmlformats.org/drawingml/2006/main" xmlns:r="http://schemas.openxmlformats.org/officeDocument/2006/relationships" xmlns:p="http://schemas.openxmlformats.org/presentationml/2006/main">
+  <p:cSld>
+    <p:spTree>
+      <p:nvGrpSpPr>
+        <p:cNvPr id="1" name=""/>
+        <p:cNvGrpSpPr/>
+        <p:nvPr/>
+      </p:nvGrpSpPr>
+      <p:grpSpPr>
+        <a:xfrm>
+          <a:off x="0" y="0"/>
+          <a:ext cx="0" cy="0"/>
+          <a:chOff x="0" y="0"/>
+          <a:chExt cx="0" cy="0"/>
+        </a:xfrm>
+      </p:grpSpPr>
+      <p:sp>
+        <p:nvSpPr>
+          <p:cNvPr id="2" name="标题 1"/>
+          <p:cNvSpPr>
+            <a:spLocks noGrp="1"/>
+          </p:cNvSpPr>
+          <p:nvPr>
+            <p:ph type="title"/>
+          </p:nvPr>
+        </p:nvSpPr>
+        <p:spPr/>
+        <p:style>
+          <a:lnRef idx="0">
+            <a:scrgbClr r="0" g="0" b="0"/>
+          </a:lnRef>
+          <a:fillRef idx="1002">
+            <a:schemeClr val="dk1"/>
+          </a:fillRef>
+          <a:effectRef idx="0">
+            <a:scrgbClr r="0" g="0" b="0"/>
+          </a:effectRef>
+          <a:fontRef idx="major"/>
+        </p:style>
+        <p:txBody>
+          <a:bodyPr/>
+          <a:lstStyle/>
+          <a:p>
+            <a:r>
+              <a:rPr lang="en-US" altLang="zh-CN" dirty="0" smtClean="0"/>
+              <a:t>SELECT</a:t>
+            </a:r>
+            <a:r>
+              <a:rPr lang="zh-CN" altLang="en-US" dirty="0" smtClean="0"/>
+              <a:t>执行顺序</a:t>
+            </a:r>
+            <a:endParaRPr lang="zh-CN" altLang="en-US" dirty="0"/>
+          </a:p>
+        </p:txBody>
+      </p:sp>
+      <p:sp>
+        <p:nvSpPr>
+          <p:cNvPr id="3" name="内容占位符 2"/>
+          <p:cNvSpPr>
+            <a:spLocks noGrp="1"/>
+          </p:cNvSpPr>
+          <p:nvPr>
+            <p:ph idx="1"/>
+          </p:nvPr>
+        </p:nvSpPr>
+        <p:spPr/>
+        <p:style>
+          <a:lnRef idx="1">
+            <a:schemeClr val="accent5"/>
+          </a:lnRef>
+          <a:fillRef idx="3">
+            <a:schemeClr val="accent5"/>
+          </a:fillRef>
+          <a:effectRef idx="2">
+            <a:schemeClr val="accent5"/>
+          </a:effectRef>
+          <a:fontRef idx="minor">
+            <a:schemeClr val="lt1"/>
+          </a:fontRef>
+        </p:style>
+        <p:txBody>
+          <a:bodyPr>
+            <a:normAutofit fontScale="32500" lnSpcReduction="20000"/>
+          </a:bodyPr>
+          <a:lstStyle/>
+          <a:p>
+            <a:r>
+              <a:rPr lang="en-US" dirty="0" smtClean="0"/>
+              <a:t>SQL Server 2005</a:t>
+            </a:r>
+            <a:r>
+              <a:rPr lang="zh-CN" altLang="en-US" dirty="0" smtClean="0"/>
+              <a:t>的各个逻辑步骤的简单描述。</a:t>
+            </a:r>
+          </a:p>
+          <a:p>
+            <a:r>
+              <a:rPr lang="en-US" altLang="zh-CN" dirty="0" smtClean="0"/>
+              <a:t>( 8 ) </a:t>
+            </a:r>
+            <a:r>
+              <a:rPr lang="en-US" dirty="0" smtClean="0"/>
+              <a:t>SELECT ( 9 ) DISTINCT ( 11 ) &lt; Top Num &gt; &lt; select list &gt; </a:t>
+            </a:r>
+            <a:br>
+              <a:rPr lang="en-US" dirty="0" smtClean="0"/>
+            </a:br>
+            <a:r>
+              <a:rPr lang="en-US" dirty="0" smtClean="0"/>
+              <a:t>( 1 ) FROM [ </a:t>
+            </a:r>
+            <a:r>
+              <a:rPr lang="en-US" dirty="0" err="1" smtClean="0"/>
+              <a:t>left_table</a:t>
+            </a:r>
+            <a:r>
+              <a:rPr lang="en-US" dirty="0" smtClean="0"/>
+              <a:t> ] </a:t>
+            </a:r>
+            <a:br>
+              <a:rPr lang="en-US" dirty="0" smtClean="0"/>
+            </a:br>
+            <a:r>
+              <a:rPr lang="en-US" dirty="0" smtClean="0"/>
+              <a:t>( 3 ) &lt; </a:t>
+            </a:r>
+            <a:r>
+              <a:rPr lang="en-US" dirty="0" err="1" smtClean="0"/>
+              <a:t>join_type</a:t>
+            </a:r>
+            <a:r>
+              <a:rPr lang="en-US" dirty="0" smtClean="0"/>
+              <a:t> &gt; JOIN &lt; </a:t>
+            </a:r>
+            <a:r>
+              <a:rPr lang="en-US" dirty="0" err="1" smtClean="0"/>
+              <a:t>right_table</a:t>
+            </a:r>
+            <a:r>
+              <a:rPr lang="en-US" dirty="0" smtClean="0"/>
+              <a:t> &gt; </a:t>
+            </a:r>
+            <a:br>
+              <a:rPr lang="en-US" dirty="0" smtClean="0"/>
+            </a:br>
+            <a:r>
+              <a:rPr lang="en-US" dirty="0" smtClean="0"/>
+              <a:t>( 2 ) ON &lt; </a:t>
+            </a:r>
+            <a:r>
+              <a:rPr lang="en-US" dirty="0" err="1" smtClean="0"/>
+              <a:t>join_condition</a:t>
+            </a:r>
+            <a:r>
+              <a:rPr lang="en-US" dirty="0" smtClean="0"/>
+              <a:t> &gt; </a:t>
+            </a:r>
+            <a:br>
+              <a:rPr lang="en-US" dirty="0" smtClean="0"/>
+            </a:br>
+            <a:r>
+              <a:rPr lang="en-US" dirty="0" smtClean="0"/>
+              <a:t>( 4 ) WHERE &lt; </a:t>
+            </a:r>
+            <a:r>
+              <a:rPr lang="en-US" dirty="0" err="1" smtClean="0"/>
+              <a:t>where_condition</a:t>
+            </a:r>
+            <a:r>
+              <a:rPr lang="en-US" dirty="0" smtClean="0"/>
+              <a:t> &gt; </a:t>
+            </a:r>
+            <a:br>
+              <a:rPr lang="en-US" dirty="0" smtClean="0"/>
+            </a:br>
+            <a:r>
+              <a:rPr lang="en-US" dirty="0" smtClean="0"/>
+              <a:t>( 5 ) GROUP BY &lt; </a:t>
+            </a:r>
+            <a:r>
+              <a:rPr lang="en-US" dirty="0" err="1" smtClean="0"/>
+              <a:t>group_by_list</a:t>
+            </a:r>
+            <a:r>
+              <a:rPr lang="en-US" dirty="0" smtClean="0"/>
+              <a:t> &gt; </a:t>
+            </a:r>
+            <a:br>
+              <a:rPr lang="en-US" dirty="0" smtClean="0"/>
+            </a:br>
+            <a:r>
+              <a:rPr lang="en-US" dirty="0" smtClean="0"/>
+              <a:t>( 6 ) WITH &lt; CUBE | </a:t>
+            </a:r>
+            <a:r>
+              <a:rPr lang="en-US" dirty="0" err="1" smtClean="0"/>
+              <a:t>RollUP</a:t>
+            </a:r>
+            <a:r>
+              <a:rPr lang="en-US" dirty="0" smtClean="0"/>
+              <a:t> &gt; </a:t>
+            </a:r>
+            <a:br>
+              <a:rPr lang="en-US" dirty="0" smtClean="0"/>
+            </a:br>
+            <a:r>
+              <a:rPr lang="en-US" dirty="0" smtClean="0"/>
+              <a:t>( 7 ) HAVING &lt; </a:t>
+            </a:r>
+            <a:r>
+              <a:rPr lang="en-US" dirty="0" err="1" smtClean="0"/>
+              <a:t>having_condition</a:t>
+            </a:r>
+            <a:r>
+              <a:rPr lang="en-US" dirty="0" smtClean="0"/>
+              <a:t> &gt; </a:t>
+            </a:r>
+            <a:br>
+              <a:rPr lang="en-US" dirty="0" smtClean="0"/>
+            </a:br>
+            <a:r>
+              <a:rPr lang="en-US" dirty="0" smtClean="0"/>
+              <a:t>( 10 ) ORDER BY &lt; </a:t>
+            </a:r>
+            <a:r>
+              <a:rPr lang="en-US" dirty="0" err="1" smtClean="0"/>
+              <a:t>order_by_list</a:t>
+            </a:r>
+            <a:r>
+              <a:rPr lang="en-US" dirty="0" smtClean="0"/>
+              <a:t> &gt;</a:t>
+            </a:r>
+          </a:p>
+          <a:p>
+            <a:r>
+              <a:rPr lang="zh-CN" altLang="en-US" dirty="0" smtClean="0"/>
+              <a:t>逻辑查询处理阶段简介 </a:t>
+            </a:r>
+            <a:br>
+              <a:rPr lang="zh-CN" altLang="en-US" dirty="0" smtClean="0"/>
+            </a:br>
+            <a:r>
+              <a:rPr lang="en-US" dirty="0" smtClean="0"/>
+              <a:t>FROM：</a:t>
+            </a:r>
+            <a:r>
+              <a:rPr lang="zh-CN" altLang="en-US" dirty="0" smtClean="0"/>
+              <a:t>对</a:t>
+            </a:r>
+            <a:r>
+              <a:rPr lang="en-US" dirty="0" smtClean="0"/>
+              <a:t>FROM</a:t>
+            </a:r>
+            <a:r>
+              <a:rPr lang="zh-CN" altLang="en-US" dirty="0" smtClean="0"/>
+              <a:t>子句中的前两个表执行笛卡尔积（</a:t>
+            </a:r>
+            <a:r>
+              <a:rPr lang="en-US" dirty="0" smtClean="0"/>
+              <a:t>Cartesian product)(</a:t>
+            </a:r>
+            <a:r>
+              <a:rPr lang="zh-CN" altLang="en-US" dirty="0" smtClean="0"/>
+              <a:t>交叉联接），生成虚拟表</a:t>
+            </a:r>
+            <a:r>
+              <a:rPr lang="en-US" dirty="0" smtClean="0"/>
+              <a:t>VT1</a:t>
+            </a:r>
+          </a:p>
+          <a:p>
+            <a:r>
+              <a:rPr lang="en-US" dirty="0" smtClean="0"/>
+              <a:t>ON：</a:t>
+            </a:r>
+            <a:r>
+              <a:rPr lang="zh-CN" altLang="en-US" dirty="0" smtClean="0"/>
+              <a:t>对</a:t>
+            </a:r>
+            <a:r>
+              <a:rPr lang="en-US" dirty="0" smtClean="0"/>
+              <a:t>VT1</a:t>
+            </a:r>
+            <a:r>
+              <a:rPr lang="zh-CN" altLang="en-US" dirty="0" smtClean="0"/>
+              <a:t>应用</a:t>
+            </a:r>
+            <a:r>
+              <a:rPr lang="en-US" dirty="0" smtClean="0"/>
+              <a:t>ON</a:t>
+            </a:r>
+            <a:r>
+              <a:rPr lang="zh-CN" altLang="en-US" dirty="0" smtClean="0"/>
+              <a:t>筛选器。只有那些使为真的行才被插入</a:t>
+            </a:r>
+            <a:r>
+              <a:rPr lang="en-US" dirty="0" smtClean="0"/>
+              <a:t>VT2。</a:t>
+            </a:r>
+          </a:p>
+          <a:p>
+            <a:r>
+              <a:rPr lang="en-US" dirty="0" smtClean="0"/>
+              <a:t>OUTER(JOIN)：</a:t>
+            </a:r>
+            <a:r>
+              <a:rPr lang="zh-CN" altLang="en-US" dirty="0" smtClean="0"/>
+              <a:t>如 果指定了</a:t>
+            </a:r>
+            <a:r>
+              <a:rPr lang="en-US" dirty="0" smtClean="0"/>
+              <a:t>OUTER JOIN（</a:t>
+            </a:r>
+            <a:r>
+              <a:rPr lang="zh-CN" altLang="en-US" dirty="0" smtClean="0"/>
+              <a:t>相对于</a:t>
+            </a:r>
+            <a:r>
+              <a:rPr lang="en-US" dirty="0" smtClean="0"/>
+              <a:t>CROSS JOIN </a:t>
+            </a:r>
+            <a:r>
+              <a:rPr lang="zh-CN" altLang="en-US" dirty="0" smtClean="0"/>
+              <a:t>或</a:t>
+            </a:r>
+            <a:r>
+              <a:rPr lang="en-US" altLang="zh-CN" dirty="0" smtClean="0"/>
+              <a:t>(</a:t>
+            </a:r>
+            <a:r>
+              <a:rPr lang="en-US" dirty="0" smtClean="0"/>
+              <a:t>INNER JOIN),</a:t>
+            </a:r>
+            <a:r>
+              <a:rPr lang="zh-CN" altLang="en-US" dirty="0" smtClean="0"/>
+              <a:t>保留表（</a:t>
+            </a:r>
+            <a:r>
+              <a:rPr lang="en-US" dirty="0" smtClean="0"/>
+              <a:t>preserved table：</a:t>
+            </a:r>
+            <a:r>
+              <a:rPr lang="zh-CN" altLang="en-US" dirty="0" smtClean="0"/>
+              <a:t>左外部联接把左表标记为保留表，右外部联接把右表标记为保留表，完全外部联接把两个表都标记为保留表）中未找到匹配的行将作为外部行添加到 </a:t>
+            </a:r>
+            <a:r>
+              <a:rPr lang="en-US" dirty="0" smtClean="0"/>
+              <a:t>VT2,</a:t>
+            </a:r>
+            <a:r>
+              <a:rPr lang="zh-CN" altLang="en-US" dirty="0" smtClean="0"/>
+              <a:t>生成</a:t>
+            </a:r>
+            <a:r>
+              <a:rPr lang="en-US" dirty="0" smtClean="0"/>
+              <a:t>VT3.</a:t>
+            </a:r>
+            <a:r>
+              <a:rPr lang="zh-CN" altLang="en-US" dirty="0" smtClean="0"/>
+              <a:t>如果</a:t>
+            </a:r>
+            <a:r>
+              <a:rPr lang="en-US" dirty="0" smtClean="0"/>
+              <a:t>FROM</a:t>
+            </a:r>
+            <a:r>
+              <a:rPr lang="zh-CN" altLang="en-US" dirty="0" smtClean="0"/>
+              <a:t>子句包含两个以上的表，则对上一个联接生成的结果表和下一个表重复执行步骤</a:t>
+            </a:r>
+            <a:r>
+              <a:rPr lang="en-US" altLang="zh-CN" dirty="0" smtClean="0"/>
+              <a:t>1</a:t>
+            </a:r>
+            <a:r>
+              <a:rPr lang="zh-CN" altLang="en-US" dirty="0" smtClean="0"/>
+              <a:t>到步骤</a:t>
+            </a:r>
+            <a:r>
+              <a:rPr lang="en-US" altLang="zh-CN" dirty="0" smtClean="0"/>
+              <a:t>3</a:t>
+            </a:r>
+            <a:r>
+              <a:rPr lang="zh-CN" altLang="en-US" dirty="0" smtClean="0"/>
+              <a:t>，直到处理完所有的表为止。</a:t>
+            </a:r>
+          </a:p>
+          <a:p>
+            <a:r>
+              <a:rPr lang="en-US" dirty="0" smtClean="0"/>
+              <a:t>WHERE：</a:t>
+            </a:r>
+            <a:r>
+              <a:rPr lang="zh-CN" altLang="en-US" dirty="0" smtClean="0"/>
+              <a:t>对</a:t>
+            </a:r>
+            <a:r>
+              <a:rPr lang="en-US" dirty="0" smtClean="0"/>
+              <a:t>VT3</a:t>
+            </a:r>
+            <a:r>
+              <a:rPr lang="zh-CN" altLang="en-US" dirty="0" smtClean="0"/>
+              <a:t>应用</a:t>
+            </a:r>
+            <a:r>
+              <a:rPr lang="en-US" dirty="0" smtClean="0"/>
+              <a:t>WHERE</a:t>
+            </a:r>
+            <a:r>
+              <a:rPr lang="zh-CN" altLang="en-US" dirty="0" smtClean="0"/>
+              <a:t>筛选器。只有使为</a:t>
+            </a:r>
+            <a:r>
+              <a:rPr lang="en-US" dirty="0" smtClean="0"/>
+              <a:t>true</a:t>
+            </a:r>
+            <a:r>
+              <a:rPr lang="zh-CN" altLang="en-US" dirty="0" smtClean="0"/>
+              <a:t>的行才被插入</a:t>
+            </a:r>
+            <a:r>
+              <a:rPr lang="en-US" dirty="0" smtClean="0"/>
+              <a:t>VT4.</a:t>
+            </a:r>
+          </a:p>
+          <a:p>
+            <a:r>
+              <a:rPr lang="en-US" dirty="0" smtClean="0"/>
+              <a:t>GROUP BY：</a:t>
+            </a:r>
+            <a:r>
+              <a:rPr lang="zh-CN" altLang="en-US" dirty="0" smtClean="0"/>
+              <a:t>按</a:t>
+            </a:r>
+            <a:r>
+              <a:rPr lang="en-US" dirty="0" smtClean="0"/>
+              <a:t>GROUP BY</a:t>
+            </a:r>
+            <a:r>
+              <a:rPr lang="zh-CN" altLang="en-US" dirty="0" smtClean="0"/>
+              <a:t>子句中的列列表对</a:t>
+            </a:r>
+            <a:r>
+              <a:rPr lang="en-US" dirty="0" smtClean="0"/>
+              <a:t>VT4</a:t>
+            </a:r>
+            <a:r>
+              <a:rPr lang="zh-CN" altLang="en-US" dirty="0" smtClean="0"/>
+              <a:t>中的行分组，生成</a:t>
+            </a:r>
+            <a:r>
+              <a:rPr lang="en-US" dirty="0" smtClean="0"/>
+              <a:t>VT5.</a:t>
+            </a:r>
+          </a:p>
+          <a:p>
+            <a:r>
+              <a:rPr lang="en-US" dirty="0" smtClean="0"/>
+              <a:t>CUBE|ROLLUP：</a:t>
+            </a:r>
+            <a:r>
+              <a:rPr lang="zh-CN" altLang="en-US" dirty="0" smtClean="0"/>
+              <a:t>把超组</a:t>
+            </a:r>
+            <a:r>
+              <a:rPr lang="en-US" altLang="zh-CN" dirty="0" smtClean="0"/>
+              <a:t>(</a:t>
+            </a:r>
+            <a:r>
+              <a:rPr lang="en-US" dirty="0" err="1" smtClean="0"/>
+              <a:t>Suppergroups</a:t>
+            </a:r>
+            <a:r>
+              <a:rPr lang="en-US" dirty="0" smtClean="0"/>
+              <a:t>)</a:t>
+            </a:r>
+            <a:r>
+              <a:rPr lang="zh-CN" altLang="en-US" dirty="0" smtClean="0"/>
+              <a:t>插入</a:t>
+            </a:r>
+            <a:r>
+              <a:rPr lang="en-US" dirty="0" smtClean="0"/>
+              <a:t>VT5,</a:t>
+            </a:r>
+            <a:r>
+              <a:rPr lang="zh-CN" altLang="en-US" dirty="0" smtClean="0"/>
+              <a:t>生成</a:t>
+            </a:r>
+            <a:r>
+              <a:rPr lang="en-US" dirty="0" smtClean="0"/>
+              <a:t>VT6.</a:t>
+            </a:r>
+          </a:p>
+          <a:p>
+            <a:r>
+              <a:rPr lang="en-US" dirty="0" smtClean="0"/>
+              <a:t>HAVING：</a:t>
+            </a:r>
+            <a:r>
+              <a:rPr lang="zh-CN" altLang="en-US" dirty="0" smtClean="0"/>
+              <a:t>对</a:t>
+            </a:r>
+            <a:r>
+              <a:rPr lang="en-US" dirty="0" smtClean="0"/>
+              <a:t>VT6</a:t>
+            </a:r>
+            <a:r>
+              <a:rPr lang="zh-CN" altLang="en-US" dirty="0" smtClean="0"/>
+              <a:t>应用</a:t>
+            </a:r>
+            <a:r>
+              <a:rPr lang="en-US" dirty="0" smtClean="0"/>
+              <a:t>HAVING</a:t>
+            </a:r>
+            <a:r>
+              <a:rPr lang="zh-CN" altLang="en-US" dirty="0" smtClean="0"/>
+              <a:t>筛选器。只有使为</a:t>
+            </a:r>
+            <a:r>
+              <a:rPr lang="en-US" dirty="0" smtClean="0"/>
+              <a:t>true</a:t>
+            </a:r>
+            <a:r>
+              <a:rPr lang="zh-CN" altLang="en-US" dirty="0" smtClean="0"/>
+              <a:t>的组才会被插入</a:t>
+            </a:r>
+            <a:r>
+              <a:rPr lang="en-US" dirty="0" smtClean="0"/>
+              <a:t>VT7.</a:t>
+            </a:r>
+          </a:p>
+          <a:p>
+            <a:r>
+              <a:rPr lang="en-US" dirty="0" smtClean="0"/>
+              <a:t>SELECT：</a:t>
+            </a:r>
+            <a:r>
+              <a:rPr lang="zh-CN" altLang="en-US" dirty="0" smtClean="0"/>
+              <a:t>处理</a:t>
+            </a:r>
+            <a:r>
+              <a:rPr lang="en-US" dirty="0" smtClean="0"/>
+              <a:t>SELECT</a:t>
+            </a:r>
+            <a:r>
+              <a:rPr lang="zh-CN" altLang="en-US" dirty="0" smtClean="0"/>
+              <a:t>列表，产生</a:t>
+            </a:r>
+            <a:r>
+              <a:rPr lang="en-US" dirty="0" smtClean="0"/>
+              <a:t>VT8.</a:t>
+            </a:r>
+          </a:p>
+          <a:p>
+            <a:r>
+              <a:rPr lang="en-US" dirty="0" smtClean="0"/>
+              <a:t>DISTINCT：</a:t>
+            </a:r>
+            <a:r>
+              <a:rPr lang="zh-CN" altLang="en-US" dirty="0" smtClean="0"/>
+              <a:t>将重复的行从</a:t>
+            </a:r>
+            <a:r>
+              <a:rPr lang="en-US" dirty="0" smtClean="0"/>
+              <a:t>VT8</a:t>
+            </a:r>
+            <a:r>
+              <a:rPr lang="zh-CN" altLang="en-US" dirty="0" smtClean="0"/>
+              <a:t>中移除，产生</a:t>
+            </a:r>
+            <a:r>
+              <a:rPr lang="en-US" dirty="0" smtClean="0"/>
+              <a:t>VT9.</a:t>
+            </a:r>
+          </a:p>
+          <a:p>
+            <a:r>
+              <a:rPr lang="en-US" dirty="0" smtClean="0"/>
+              <a:t>ORDER BY：</a:t>
+            </a:r>
+            <a:r>
+              <a:rPr lang="zh-CN" altLang="en-US" dirty="0" smtClean="0"/>
+              <a:t>将</a:t>
+            </a:r>
+            <a:r>
+              <a:rPr lang="en-US" dirty="0" smtClean="0"/>
+              <a:t>VT9</a:t>
+            </a:r>
+            <a:r>
+              <a:rPr lang="zh-CN" altLang="en-US" dirty="0" smtClean="0"/>
+              <a:t>中的行按</a:t>
+            </a:r>
+            <a:r>
+              <a:rPr lang="en-US" dirty="0" smtClean="0"/>
+              <a:t>ORDER BY </a:t>
+            </a:r>
+            <a:r>
+              <a:rPr lang="zh-CN" altLang="en-US" dirty="0" smtClean="0"/>
+              <a:t>子句中的列列表排序，生成游标（</a:t>
+            </a:r>
+            <a:r>
+              <a:rPr lang="en-US" dirty="0" smtClean="0"/>
+              <a:t>VC10).</a:t>
+            </a:r>
+          </a:p>
+          <a:p>
+            <a:r>
+              <a:rPr lang="en-US" dirty="0" smtClean="0"/>
+              <a:t>TOP：</a:t>
+            </a:r>
+            <a:r>
+              <a:rPr lang="zh-CN" altLang="en-US" dirty="0" smtClean="0"/>
+              <a:t>从</a:t>
+            </a:r>
+            <a:r>
+              <a:rPr lang="en-US" dirty="0" smtClean="0"/>
+              <a:t>VC10</a:t>
+            </a:r>
+            <a:r>
+              <a:rPr lang="zh-CN" altLang="en-US" dirty="0" smtClean="0"/>
+              <a:t>的开始处选择指定数量或比例的行，生成表</a:t>
+            </a:r>
+            <a:r>
+              <a:rPr lang="en-US" dirty="0" smtClean="0"/>
+              <a:t>VT11,</a:t>
+            </a:r>
+            <a:r>
+              <a:rPr lang="zh-CN" altLang="en-US" dirty="0" smtClean="0"/>
+              <a:t>并返回调用者。</a:t>
+            </a:r>
+          </a:p>
+          <a:p>
+            <a:endParaRPr lang="zh-CN" altLang="en-US" dirty="0"/>
+          </a:p>
+        </p:txBody>
+      </p:sp>
+    </p:spTree>
+  </p:cSld>
+  <p:clrMapOvr>
+    <a:masterClrMapping/>
+  </p:clrMapOvr>
+</p:sld>
+</file>
+
+<file path=ppt/slides/slide7.xml><?xml version="1.0" encoding="utf-8"?>
+<p:sld xmlns:a="http://schemas.openxmlformats.org/drawingml/2006/main" xmlns:r="http://schemas.openxmlformats.org/officeDocument/2006/relationships" xmlns:p="http://schemas.openxmlformats.org/presentationml/2006/main">
+  <p:cSld>
+    <p:spTree>
+      <p:nvGrpSpPr>
+        <p:cNvPr id="1" name=""/>
+        <p:cNvGrpSpPr/>
+        <p:nvPr/>
+      </p:nvGrpSpPr>
+      <p:grpSpPr>
+        <a:xfrm>
+          <a:off x="0" y="0"/>
+          <a:ext cx="0" cy="0"/>
+          <a:chOff x="0" y="0"/>
+          <a:chExt cx="0" cy="0"/>
+        </a:xfrm>
+      </p:grpSpPr>
+      <p:sp>
+        <p:nvSpPr>
+          <p:cNvPr id="2" name="标题 1"/>
+          <p:cNvSpPr>
+            <a:spLocks noGrp="1"/>
+          </p:cNvSpPr>
+          <p:nvPr>
+            <p:ph type="title"/>
+          </p:nvPr>
+        </p:nvSpPr>
+        <p:spPr/>
+        <p:style>
+          <a:lnRef idx="0">
+            <a:scrgbClr r="0" g="0" b="0"/>
+          </a:lnRef>
+          <a:fillRef idx="1002">
+            <a:schemeClr val="dk1"/>
+          </a:fillRef>
+          <a:effectRef idx="0">
+            <a:scrgbClr r="0" g="0" b="0"/>
+          </a:effectRef>
+          <a:fontRef idx="major"/>
+        </p:style>
+        <p:txBody>
+          <a:bodyPr/>
+          <a:lstStyle/>
+          <a:p>
+            <a:r>
+              <a:rPr lang="en-US" altLang="zh-CN" dirty="0" smtClean="0"/>
+              <a:t>SELECT</a:t>
+            </a:r>
+            <a:r>
+              <a:rPr lang="zh-CN" altLang="en-US" dirty="0" smtClean="0"/>
+              <a:t>如何执行的</a:t>
+            </a:r>
+            <a:endParaRPr lang="zh-CN" altLang="en-US" dirty="0"/>
+          </a:p>
+        </p:txBody>
+      </p:sp>
+      <p:sp>
+        <p:nvSpPr>
+          <p:cNvPr id="3" name="内容占位符 2"/>
+          <p:cNvSpPr>
+            <a:spLocks noGrp="1"/>
+          </p:cNvSpPr>
+          <p:nvPr>
+            <p:ph idx="1"/>
+          </p:nvPr>
+        </p:nvSpPr>
+        <p:spPr/>
+        <p:style>
+          <a:lnRef idx="1">
+            <a:schemeClr val="accent5"/>
+          </a:lnRef>
+          <a:fillRef idx="3">
+            <a:schemeClr val="accent5"/>
+          </a:fillRef>
+          <a:effectRef idx="2">
+            <a:schemeClr val="accent5"/>
+          </a:effectRef>
+          <a:fontRef idx="minor">
+            <a:schemeClr val="lt1"/>
+          </a:fontRef>
+        </p:style>
+        <p:txBody>
+          <a:bodyPr>
+            <a:normAutofit fontScale="32500" lnSpcReduction="20000"/>
+          </a:bodyPr>
+          <a:lstStyle/>
+          <a:p>
+            <a:r>
+              <a:rPr lang="zh-CN" altLang="en-US" dirty="0" smtClean="0"/>
+              <a:t>所有的 查询语句都是从</a:t>
+            </a:r>
+            <a:r>
+              <a:rPr lang="en-US" altLang="zh-CN" dirty="0" smtClean="0"/>
+              <a:t>from</a:t>
+            </a:r>
+            <a:r>
+              <a:rPr lang="zh-CN" altLang="en-US" dirty="0" smtClean="0"/>
+              <a:t>开始执行的，在执行过程中，每个步骤都会为下一个步骤生成一个虚拟表，这个虚拟表将作为下一个执行步骤的输入。 </a:t>
+            </a:r>
+            <a:br>
+              <a:rPr lang="zh-CN" altLang="en-US" dirty="0" smtClean="0"/>
+            </a:br>
+            <a:r>
+              <a:rPr lang="zh-CN" altLang="en-US" dirty="0" smtClean="0"/>
+              <a:t>第一步：首先对</a:t>
+            </a:r>
+            <a:r>
+              <a:rPr lang="en-US" altLang="zh-CN" dirty="0" smtClean="0"/>
+              <a:t>from</a:t>
+            </a:r>
+            <a:r>
+              <a:rPr lang="zh-CN" altLang="en-US" dirty="0" smtClean="0"/>
+              <a:t>子句中的前两个表执行一个笛卡尔乘积，此时生成虚拟表 </a:t>
+            </a:r>
+            <a:r>
+              <a:rPr lang="en-US" altLang="zh-CN" dirty="0" smtClean="0"/>
+              <a:t>vt1</a:t>
+            </a:r>
+            <a:r>
+              <a:rPr lang="zh-CN" altLang="en-US" dirty="0" smtClean="0"/>
+              <a:t>（选择相对小的表做基础表） </a:t>
+            </a:r>
+            <a:br>
+              <a:rPr lang="zh-CN" altLang="en-US" dirty="0" smtClean="0"/>
+            </a:br>
+            <a:r>
+              <a:rPr lang="zh-CN" altLang="en-US" dirty="0" smtClean="0"/>
+              <a:t>第二步：接下来便是应用</a:t>
+            </a:r>
+            <a:r>
+              <a:rPr lang="en-US" altLang="zh-CN" dirty="0" smtClean="0"/>
+              <a:t>on</a:t>
+            </a:r>
+            <a:r>
+              <a:rPr lang="zh-CN" altLang="en-US" dirty="0" smtClean="0"/>
+              <a:t>筛选器，</a:t>
+            </a:r>
+            <a:r>
+              <a:rPr lang="en-US" altLang="zh-CN" dirty="0" smtClean="0"/>
+              <a:t>on </a:t>
+            </a:r>
+            <a:r>
+              <a:rPr lang="zh-CN" altLang="en-US" dirty="0" smtClean="0"/>
+              <a:t>中的逻辑表达式将应用到 </a:t>
+            </a:r>
+            <a:r>
+              <a:rPr lang="en-US" altLang="zh-CN" dirty="0" smtClean="0"/>
+              <a:t>vt1 </a:t>
+            </a:r>
+            <a:r>
+              <a:rPr lang="zh-CN" altLang="en-US" dirty="0" smtClean="0"/>
+              <a:t>中的各个行，筛选出满足</a:t>
+            </a:r>
+            <a:r>
+              <a:rPr lang="en-US" altLang="zh-CN" dirty="0" smtClean="0"/>
+              <a:t>on</a:t>
+            </a:r>
+            <a:r>
+              <a:rPr lang="zh-CN" altLang="en-US" dirty="0" smtClean="0"/>
+              <a:t>逻辑表达式的行，生成虚拟表 </a:t>
+            </a:r>
+            <a:r>
+              <a:rPr lang="en-US" altLang="zh-CN" dirty="0" smtClean="0"/>
+              <a:t>vt2 </a:t>
+            </a:r>
+            <a:br>
+              <a:rPr lang="en-US" altLang="zh-CN" dirty="0" smtClean="0"/>
+            </a:br>
+            <a:r>
+              <a:rPr lang="zh-CN" altLang="en-US" dirty="0" smtClean="0"/>
+              <a:t>第三步：如果是</a:t>
+            </a:r>
+            <a:r>
+              <a:rPr lang="en-US" altLang="zh-CN" dirty="0" smtClean="0"/>
+              <a:t>outer join </a:t>
+            </a:r>
+            <a:r>
+              <a:rPr lang="zh-CN" altLang="en-US" dirty="0" smtClean="0"/>
+              <a:t>那么这一步就将添加外部行，</a:t>
+            </a:r>
+            <a:r>
+              <a:rPr lang="en-US" altLang="zh-CN" dirty="0" smtClean="0"/>
+              <a:t>left outer </a:t>
+            </a:r>
+            <a:r>
+              <a:rPr lang="en-US" altLang="zh-CN" dirty="0" err="1" smtClean="0"/>
+              <a:t>jion</a:t>
+            </a:r>
+            <a:r>
+              <a:rPr lang="en-US" altLang="zh-CN" dirty="0" smtClean="0"/>
+              <a:t> </a:t>
+            </a:r>
+            <a:r>
+              <a:rPr lang="zh-CN" altLang="en-US" dirty="0" smtClean="0"/>
+              <a:t>就把左表在第二步中过滤的添加进来，如果是</a:t>
+            </a:r>
+            <a:r>
+              <a:rPr lang="en-US" altLang="zh-CN" dirty="0" smtClean="0"/>
+              <a:t>right outer join </a:t>
+            </a:r>
+            <a:r>
+              <a:rPr lang="zh-CN" altLang="en-US" dirty="0" smtClean="0"/>
+              <a:t>那么就将右表在第二步中过滤掉的行添加进来，这样生成虚拟表 </a:t>
+            </a:r>
+            <a:r>
+              <a:rPr lang="en-US" altLang="zh-CN" dirty="0" smtClean="0"/>
+              <a:t>vt3 </a:t>
+            </a:r>
+            <a:br>
+              <a:rPr lang="en-US" altLang="zh-CN" dirty="0" smtClean="0"/>
+            </a:br>
+            <a:r>
+              <a:rPr lang="zh-CN" altLang="en-US" dirty="0" smtClean="0"/>
+              <a:t>第四步：如果 </a:t>
+            </a:r>
+            <a:r>
+              <a:rPr lang="en-US" altLang="zh-CN" dirty="0" smtClean="0"/>
+              <a:t>from </a:t>
+            </a:r>
+            <a:r>
+              <a:rPr lang="zh-CN" altLang="en-US" dirty="0" smtClean="0"/>
+              <a:t>子句中的表数目多余两个表，那么就将</a:t>
+            </a:r>
+            <a:r>
+              <a:rPr lang="en-US" altLang="zh-CN" dirty="0" smtClean="0"/>
+              <a:t>vt3</a:t>
+            </a:r>
+            <a:r>
+              <a:rPr lang="zh-CN" altLang="en-US" dirty="0" smtClean="0"/>
+              <a:t>和第三个表连接从而计算笛卡尔乘积，生成虚拟表，该过程就是一个重复</a:t>
+            </a:r>
+            <a:r>
+              <a:rPr lang="en-US" altLang="zh-CN" dirty="0" smtClean="0"/>
+              <a:t>1-3</a:t>
+            </a:r>
+            <a:r>
+              <a:rPr lang="zh-CN" altLang="en-US" dirty="0" smtClean="0"/>
+              <a:t>的步骤，最终得到一个新的虚拟表 </a:t>
+            </a:r>
+            <a:r>
+              <a:rPr lang="en-US" altLang="zh-CN" dirty="0" smtClean="0"/>
+              <a:t>vt3</a:t>
+            </a:r>
+            <a:r>
+              <a:rPr lang="zh-CN" altLang="en-US" dirty="0" smtClean="0"/>
+              <a:t>。 </a:t>
+            </a:r>
+            <a:br>
+              <a:rPr lang="zh-CN" altLang="en-US" dirty="0" smtClean="0"/>
+            </a:br>
+            <a:r>
+              <a:rPr lang="zh-CN" altLang="en-US" dirty="0" smtClean="0"/>
+              <a:t>第五步：应用</a:t>
+            </a:r>
+            <a:r>
+              <a:rPr lang="en-US" altLang="zh-CN" dirty="0" smtClean="0"/>
+              <a:t>where</a:t>
+            </a:r>
+            <a:r>
+              <a:rPr lang="zh-CN" altLang="en-US" dirty="0" smtClean="0"/>
+              <a:t>筛选器，对上一步生产的虚拟表引用</a:t>
+            </a:r>
+            <a:r>
+              <a:rPr lang="en-US" altLang="zh-CN" dirty="0" smtClean="0"/>
+              <a:t>where</a:t>
+            </a:r>
+            <a:r>
+              <a:rPr lang="zh-CN" altLang="en-US" dirty="0" smtClean="0"/>
+              <a:t>筛选器，生成虚拟表</a:t>
+            </a:r>
+            <a:r>
+              <a:rPr lang="en-US" altLang="zh-CN" dirty="0" smtClean="0"/>
+              <a:t>vt4</a:t>
+            </a:r>
+            <a:r>
+              <a:rPr lang="zh-CN" altLang="en-US" dirty="0" smtClean="0"/>
+              <a:t>，在这有个比较重要的细节不得不说一下，对于包含</a:t>
+            </a:r>
+            <a:r>
+              <a:rPr lang="en-US" altLang="zh-CN" dirty="0" smtClean="0"/>
+              <a:t>outer join</a:t>
+            </a:r>
+            <a:r>
+              <a:rPr lang="zh-CN" altLang="en-US" dirty="0" smtClean="0"/>
+              <a:t>子句的查询，就有一个让人感到困惑的问题，到底在</a:t>
+            </a:r>
+            <a:r>
+              <a:rPr lang="en-US" altLang="zh-CN" dirty="0" smtClean="0"/>
+              <a:t>on</a:t>
+            </a:r>
+            <a:r>
+              <a:rPr lang="zh-CN" altLang="en-US" dirty="0" smtClean="0"/>
+              <a:t>筛选器还是用</a:t>
+            </a:r>
+            <a:r>
+              <a:rPr lang="en-US" altLang="zh-CN" dirty="0" smtClean="0"/>
+              <a:t>where</a:t>
+            </a:r>
+            <a:r>
+              <a:rPr lang="zh-CN" altLang="en-US" dirty="0" smtClean="0"/>
+              <a:t>筛选器指定逻辑表达式呢？</a:t>
+            </a:r>
+            <a:r>
+              <a:rPr lang="en-US" altLang="zh-CN" dirty="0" smtClean="0"/>
+              <a:t>on</a:t>
+            </a:r>
+            <a:r>
+              <a:rPr lang="zh-CN" altLang="en-US" dirty="0" smtClean="0"/>
+              <a:t>和</a:t>
+            </a:r>
+            <a:r>
+              <a:rPr lang="en-US" altLang="zh-CN" dirty="0" smtClean="0"/>
+              <a:t>where</a:t>
+            </a:r>
+            <a:r>
+              <a:rPr lang="zh-CN" altLang="en-US" dirty="0" smtClean="0"/>
+              <a:t>的最大区别在于，如果在</a:t>
+            </a:r>
+            <a:r>
+              <a:rPr lang="en-US" altLang="zh-CN" dirty="0" smtClean="0"/>
+              <a:t>on</a:t>
+            </a:r>
+            <a:r>
+              <a:rPr lang="zh-CN" altLang="en-US" dirty="0" smtClean="0"/>
+              <a:t>应用逻辑表达式那么在第三步</a:t>
+            </a:r>
+            <a:r>
+              <a:rPr lang="en-US" altLang="zh-CN" dirty="0" smtClean="0"/>
+              <a:t>outer join</a:t>
+            </a:r>
+            <a:r>
+              <a:rPr lang="zh-CN" altLang="en-US" dirty="0" smtClean="0"/>
+              <a:t>中还可以把移除的行再次添加回来，而</a:t>
+            </a:r>
+            <a:r>
+              <a:rPr lang="en-US" altLang="zh-CN" dirty="0" smtClean="0"/>
+              <a:t>where</a:t>
+            </a:r>
+            <a:r>
+              <a:rPr lang="zh-CN" altLang="en-US" dirty="0" smtClean="0"/>
+              <a:t>的移除的最终的。举个简单的例子，有一个学生表（班级</a:t>
+            </a:r>
+            <a:r>
+              <a:rPr lang="en-US" altLang="zh-CN" dirty="0" smtClean="0"/>
+              <a:t>,</a:t>
+            </a:r>
+            <a:r>
+              <a:rPr lang="zh-CN" altLang="en-US" dirty="0" smtClean="0"/>
+              <a:t>姓名）和一个成绩表</a:t>
+            </a:r>
+            <a:r>
+              <a:rPr lang="en-US" altLang="zh-CN" dirty="0" smtClean="0"/>
+              <a:t>(</a:t>
+            </a:r>
+            <a:r>
+              <a:rPr lang="zh-CN" altLang="en-US" dirty="0" smtClean="0"/>
+              <a:t>姓名</a:t>
+            </a:r>
+            <a:r>
+              <a:rPr lang="en-US" altLang="zh-CN" dirty="0" smtClean="0"/>
+              <a:t>,</a:t>
+            </a:r>
+            <a:r>
+              <a:rPr lang="zh-CN" altLang="en-US" dirty="0" smtClean="0"/>
+              <a:t>成绩</a:t>
+            </a:r>
+            <a:r>
+              <a:rPr lang="en-US" altLang="zh-CN" dirty="0" smtClean="0"/>
+              <a:t>)</a:t>
+            </a:r>
+            <a:r>
+              <a:rPr lang="zh-CN" altLang="en-US" dirty="0" smtClean="0"/>
+              <a:t>，我现在需要返回一个</a:t>
+            </a:r>
+            <a:r>
+              <a:rPr lang="en-US" altLang="zh-CN" dirty="0" smtClean="0"/>
+              <a:t>x</a:t>
+            </a:r>
+            <a:r>
+              <a:rPr lang="zh-CN" altLang="en-US" dirty="0" smtClean="0"/>
+              <a:t>班级的全体同学的成绩，但是这个班级有几个学生缺考，也就是说在成绩表中没有记录。为了得到我们预期的结果我们就需要在</a:t>
+            </a:r>
+            <a:r>
+              <a:rPr lang="en-US" altLang="zh-CN" dirty="0" smtClean="0"/>
+              <a:t>on</a:t>
+            </a:r>
+            <a:r>
+              <a:rPr lang="zh-CN" altLang="en-US" dirty="0" smtClean="0"/>
+              <a:t>子句指定学生和成绩表的关系（学生</a:t>
+            </a:r>
+            <a:r>
+              <a:rPr lang="en-US" altLang="zh-CN" dirty="0" smtClean="0"/>
+              <a:t>.</a:t>
+            </a:r>
+            <a:r>
+              <a:rPr lang="zh-CN" altLang="en-US" dirty="0" smtClean="0"/>
+              <a:t>姓名</a:t>
+            </a:r>
+            <a:r>
+              <a:rPr lang="en-US" altLang="zh-CN" dirty="0" smtClean="0"/>
+              <a:t>=</a:t>
+            </a:r>
+            <a:r>
+              <a:rPr lang="zh-CN" altLang="en-US" dirty="0" smtClean="0"/>
+              <a:t>成绩</a:t>
+            </a:r>
+            <a:r>
+              <a:rPr lang="en-US" altLang="zh-CN" dirty="0" smtClean="0"/>
+              <a:t>.</a:t>
+            </a:r>
+            <a:r>
+              <a:rPr lang="zh-CN" altLang="en-US" dirty="0" smtClean="0"/>
+              <a:t>姓名）那么我们是否发现在执行第二步的时候，对于没有参加考试的学生记录就不会出现在</a:t>
+            </a:r>
+            <a:r>
+              <a:rPr lang="en-US" altLang="zh-CN" dirty="0" smtClean="0"/>
+              <a:t>vt2</a:t>
+            </a:r>
+            <a:r>
+              <a:rPr lang="zh-CN" altLang="en-US" dirty="0" smtClean="0"/>
+              <a:t>中，因为他们被</a:t>
+            </a:r>
+            <a:r>
+              <a:rPr lang="en-US" altLang="zh-CN" dirty="0" smtClean="0"/>
+              <a:t>on</a:t>
+            </a:r>
+            <a:r>
+              <a:rPr lang="zh-CN" altLang="en-US" dirty="0" smtClean="0"/>
+              <a:t>的逻辑表达式过滤掉了</a:t>
+            </a:r>
+            <a:r>
+              <a:rPr lang="en-US" altLang="zh-CN" dirty="0" smtClean="0"/>
+              <a:t>,</a:t>
+            </a:r>
+            <a:r>
+              <a:rPr lang="zh-CN" altLang="en-US" dirty="0" smtClean="0"/>
+              <a:t>但是我们用</a:t>
+            </a:r>
+            <a:r>
+              <a:rPr lang="en-US" altLang="zh-CN" dirty="0" smtClean="0"/>
+              <a:t>left outer join</a:t>
+            </a:r>
+            <a:r>
+              <a:rPr lang="zh-CN" altLang="en-US" dirty="0" smtClean="0"/>
+              <a:t>就可以把左表（学生）中没有参加考试的学生找回来，因为我们想返回的是</a:t>
+            </a:r>
+            <a:r>
+              <a:rPr lang="en-US" altLang="zh-CN" dirty="0" smtClean="0"/>
+              <a:t>x</a:t>
+            </a:r>
+            <a:r>
+              <a:rPr lang="zh-CN" altLang="en-US" dirty="0" smtClean="0"/>
+              <a:t>班级的所有学生，如果在</a:t>
+            </a:r>
+            <a:r>
+              <a:rPr lang="en-US" altLang="zh-CN" dirty="0" smtClean="0"/>
+              <a:t>on</a:t>
+            </a:r>
+            <a:r>
+              <a:rPr lang="zh-CN" altLang="en-US" dirty="0" smtClean="0"/>
+              <a:t>中应用学生</a:t>
+            </a:r>
+            <a:r>
+              <a:rPr lang="en-US" altLang="zh-CN" dirty="0" smtClean="0"/>
+              <a:t>.</a:t>
+            </a:r>
+            <a:r>
+              <a:rPr lang="zh-CN" altLang="en-US" dirty="0" smtClean="0"/>
+              <a:t>班级</a:t>
+            </a:r>
+            <a:r>
+              <a:rPr lang="en-US" altLang="zh-CN" dirty="0" smtClean="0"/>
+              <a:t>='x'</a:t>
+            </a:r>
+            <a:r>
+              <a:rPr lang="zh-CN" altLang="en-US" dirty="0" smtClean="0"/>
+              <a:t>的话，</a:t>
+            </a:r>
+            <a:r>
+              <a:rPr lang="en-US" altLang="zh-CN" dirty="0" smtClean="0"/>
+              <a:t>left outer join</a:t>
+            </a:r>
+            <a:r>
+              <a:rPr lang="zh-CN" altLang="en-US" dirty="0" smtClean="0"/>
+              <a:t>会把</a:t>
+            </a:r>
+            <a:r>
+              <a:rPr lang="en-US" altLang="zh-CN" dirty="0" smtClean="0"/>
+              <a:t>x</a:t>
+            </a:r>
+            <a:r>
+              <a:rPr lang="zh-CN" altLang="en-US" dirty="0" smtClean="0"/>
+              <a:t>班级的所有学生记录找回（感谢网友康钦谋</a:t>
+            </a:r>
+            <a:r>
+              <a:rPr lang="en-US" altLang="zh-CN" dirty="0" smtClean="0"/>
+              <a:t>__</a:t>
+            </a:r>
+            <a:r>
+              <a:rPr lang="zh-CN" altLang="en-US" dirty="0" smtClean="0"/>
+              <a:t>康钦苗的指正），所以只能在</a:t>
+            </a:r>
+            <a:r>
+              <a:rPr lang="en-US" altLang="zh-CN" dirty="0" smtClean="0"/>
+              <a:t>where</a:t>
+            </a:r>
+            <a:r>
+              <a:rPr lang="zh-CN" altLang="en-US" dirty="0" smtClean="0"/>
+              <a:t>筛选器中应用学生</a:t>
+            </a:r>
+            <a:r>
+              <a:rPr lang="en-US" altLang="zh-CN" dirty="0" smtClean="0"/>
+              <a:t>.</a:t>
+            </a:r>
+            <a:r>
+              <a:rPr lang="zh-CN" altLang="en-US" dirty="0" smtClean="0"/>
+              <a:t>班级</a:t>
+            </a:r>
+            <a:r>
+              <a:rPr lang="en-US" altLang="zh-CN" dirty="0" smtClean="0"/>
+              <a:t>='x' </a:t>
+            </a:r>
+            <a:r>
+              <a:rPr lang="zh-CN" altLang="en-US" dirty="0" smtClean="0"/>
+              <a:t>因为它的过滤是最终的。 </a:t>
+            </a:r>
+            <a:br>
+              <a:rPr lang="zh-CN" altLang="en-US" dirty="0" smtClean="0"/>
+            </a:br>
+            <a:r>
+              <a:rPr lang="zh-CN" altLang="en-US" dirty="0" smtClean="0"/>
+              <a:t>第六步：</a:t>
+            </a:r>
+            <a:r>
+              <a:rPr lang="en-US" altLang="zh-CN" dirty="0" smtClean="0"/>
+              <a:t>group by </a:t>
+            </a:r>
+            <a:r>
+              <a:rPr lang="zh-CN" altLang="en-US" dirty="0" smtClean="0"/>
+              <a:t>子句将中的唯一的值组合成为一组，得到虚拟表</a:t>
+            </a:r>
+            <a:r>
+              <a:rPr lang="en-US" altLang="zh-CN" dirty="0" smtClean="0"/>
+              <a:t>vt5</a:t>
+            </a:r>
+            <a:r>
+              <a:rPr lang="zh-CN" altLang="en-US" dirty="0" smtClean="0"/>
+              <a:t>。如果应用了</a:t>
+            </a:r>
+            <a:r>
+              <a:rPr lang="en-US" altLang="zh-CN" dirty="0" smtClean="0"/>
+              <a:t>group by</a:t>
+            </a:r>
+            <a:r>
+              <a:rPr lang="zh-CN" altLang="en-US" dirty="0" smtClean="0"/>
+              <a:t>，那么后面的所有步骤都只能得到的</a:t>
+            </a:r>
+            <a:r>
+              <a:rPr lang="en-US" altLang="zh-CN" dirty="0" smtClean="0"/>
+              <a:t>vt5</a:t>
+            </a:r>
+            <a:r>
+              <a:rPr lang="zh-CN" altLang="en-US" dirty="0" smtClean="0"/>
+              <a:t>的列或者是聚合函数（</a:t>
+            </a:r>
+            <a:r>
+              <a:rPr lang="en-US" altLang="zh-CN" dirty="0" smtClean="0"/>
+              <a:t>count</a:t>
+            </a:r>
+            <a:r>
+              <a:rPr lang="zh-CN" altLang="en-US" dirty="0" smtClean="0"/>
+              <a:t>、</a:t>
+            </a:r>
+            <a:r>
+              <a:rPr lang="en-US" altLang="zh-CN" dirty="0" smtClean="0"/>
+              <a:t>sum</a:t>
+            </a:r>
+            <a:r>
+              <a:rPr lang="zh-CN" altLang="en-US" dirty="0" smtClean="0"/>
+              <a:t>、</a:t>
+            </a:r>
+            <a:r>
+              <a:rPr lang="en-US" altLang="zh-CN" dirty="0" err="1" smtClean="0"/>
+              <a:t>avg</a:t>
+            </a:r>
+            <a:r>
+              <a:rPr lang="zh-CN" altLang="en-US" dirty="0" smtClean="0"/>
+              <a:t>等）。原因在于最终的结果集中只为每个组包含一行。这一点请牢记。 </a:t>
+            </a:r>
+            <a:br>
+              <a:rPr lang="zh-CN" altLang="en-US" dirty="0" smtClean="0"/>
+            </a:br>
+            <a:r>
+              <a:rPr lang="zh-CN" altLang="en-US" dirty="0" smtClean="0"/>
+              <a:t>第七步：应用</a:t>
+            </a:r>
+            <a:r>
+              <a:rPr lang="en-US" altLang="zh-CN" dirty="0" smtClean="0"/>
+              <a:t>cube</a:t>
+            </a:r>
+            <a:r>
+              <a:rPr lang="zh-CN" altLang="en-US" dirty="0" smtClean="0"/>
+              <a:t>或者</a:t>
+            </a:r>
+            <a:r>
+              <a:rPr lang="en-US" altLang="zh-CN" dirty="0" smtClean="0"/>
+              <a:t>rollup</a:t>
+            </a:r>
+            <a:r>
+              <a:rPr lang="zh-CN" altLang="en-US" dirty="0" smtClean="0"/>
+              <a:t>选项，为</a:t>
+            </a:r>
+            <a:r>
+              <a:rPr lang="en-US" altLang="zh-CN" dirty="0" smtClean="0"/>
+              <a:t>vt5</a:t>
+            </a:r>
+            <a:r>
+              <a:rPr lang="zh-CN" altLang="en-US" dirty="0" smtClean="0"/>
+              <a:t>生成超组，生成</a:t>
+            </a:r>
+            <a:r>
+              <a:rPr lang="en-US" altLang="zh-CN" dirty="0" smtClean="0"/>
+              <a:t>vt6. </a:t>
+            </a:r>
+            <a:br>
+              <a:rPr lang="en-US" altLang="zh-CN" dirty="0" smtClean="0"/>
+            </a:br>
+            <a:r>
+              <a:rPr lang="zh-CN" altLang="en-US" dirty="0" smtClean="0"/>
+              <a:t>第八步：应用</a:t>
+            </a:r>
+            <a:r>
+              <a:rPr lang="en-US" altLang="zh-CN" dirty="0" smtClean="0"/>
+              <a:t>having</a:t>
+            </a:r>
+            <a:r>
+              <a:rPr lang="zh-CN" altLang="en-US" dirty="0" smtClean="0"/>
+              <a:t>筛选器，生成</a:t>
+            </a:r>
+            <a:r>
+              <a:rPr lang="en-US" altLang="zh-CN" dirty="0" smtClean="0"/>
+              <a:t>vt7</a:t>
+            </a:r>
+            <a:r>
+              <a:rPr lang="zh-CN" altLang="en-US" dirty="0" smtClean="0"/>
+              <a:t>。</a:t>
+            </a:r>
+            <a:r>
+              <a:rPr lang="en-US" altLang="zh-CN" dirty="0" smtClean="0"/>
+              <a:t>having</a:t>
+            </a:r>
+            <a:r>
+              <a:rPr lang="zh-CN" altLang="en-US" dirty="0" smtClean="0"/>
+              <a:t>筛选器是第一个也是为唯一一个应用到已分组数据的筛选器。 </a:t>
+            </a:r>
+            <a:br>
+              <a:rPr lang="zh-CN" altLang="en-US" dirty="0" smtClean="0"/>
+            </a:br>
+            <a:r>
+              <a:rPr lang="zh-CN" altLang="en-US" dirty="0" smtClean="0"/>
+              <a:t>第九步：处理</a:t>
+            </a:r>
+            <a:r>
+              <a:rPr lang="en-US" altLang="zh-CN" dirty="0" smtClean="0"/>
+              <a:t>select</a:t>
+            </a:r>
+            <a:r>
+              <a:rPr lang="zh-CN" altLang="en-US" dirty="0" smtClean="0"/>
+              <a:t>子句。将</a:t>
+            </a:r>
+            <a:r>
+              <a:rPr lang="en-US" altLang="zh-CN" dirty="0" smtClean="0"/>
+              <a:t>vt7</a:t>
+            </a:r>
+            <a:r>
+              <a:rPr lang="zh-CN" altLang="en-US" dirty="0" smtClean="0"/>
+              <a:t>中的在</a:t>
+            </a:r>
+            <a:r>
+              <a:rPr lang="en-US" altLang="zh-CN" dirty="0" smtClean="0"/>
+              <a:t>select</a:t>
+            </a:r>
+            <a:r>
+              <a:rPr lang="zh-CN" altLang="en-US" dirty="0" smtClean="0"/>
+              <a:t>中出现的列筛选出来。生成</a:t>
+            </a:r>
+            <a:r>
+              <a:rPr lang="en-US" altLang="zh-CN" dirty="0" smtClean="0"/>
+              <a:t>vt8. </a:t>
+            </a:r>
+            <a:br>
+              <a:rPr lang="en-US" altLang="zh-CN" dirty="0" smtClean="0"/>
+            </a:br>
+            <a:r>
+              <a:rPr lang="zh-CN" altLang="en-US" dirty="0" smtClean="0"/>
+              <a:t>第十步：应用</a:t>
+            </a:r>
+            <a:r>
+              <a:rPr lang="en-US" altLang="zh-CN" dirty="0" smtClean="0"/>
+              <a:t>distinct</a:t>
+            </a:r>
+            <a:r>
+              <a:rPr lang="zh-CN" altLang="en-US" dirty="0" smtClean="0"/>
+              <a:t>子句，</a:t>
+            </a:r>
+            <a:r>
+              <a:rPr lang="en-US" altLang="zh-CN" dirty="0" smtClean="0"/>
+              <a:t>vt8</a:t>
+            </a:r>
+            <a:r>
+              <a:rPr lang="zh-CN" altLang="en-US" dirty="0" smtClean="0"/>
+              <a:t>中移除相同的行，生成</a:t>
+            </a:r>
+            <a:r>
+              <a:rPr lang="en-US" altLang="zh-CN" dirty="0" smtClean="0"/>
+              <a:t>vt9</a:t>
+            </a:r>
+            <a:r>
+              <a:rPr lang="zh-CN" altLang="en-US" dirty="0" smtClean="0"/>
+              <a:t>。事实上如果应用了</a:t>
+            </a:r>
+            <a:r>
+              <a:rPr lang="en-US" altLang="zh-CN" dirty="0" smtClean="0"/>
+              <a:t>group by</a:t>
+            </a:r>
+            <a:r>
+              <a:rPr lang="zh-CN" altLang="en-US" dirty="0" smtClean="0"/>
+              <a:t>子句那么</a:t>
+            </a:r>
+            <a:r>
+              <a:rPr lang="en-US" altLang="zh-CN" dirty="0" smtClean="0"/>
+              <a:t>distinct</a:t>
+            </a:r>
+            <a:r>
+              <a:rPr lang="zh-CN" altLang="en-US" dirty="0" smtClean="0"/>
+              <a:t>是多余的，原因同样在于，分组的时候是将列中唯一的值分成一组，同时只为每一组返回一行记录，那么所以的记录都将是不相同的。 </a:t>
+            </a:r>
+            <a:br>
+              <a:rPr lang="zh-CN" altLang="en-US" dirty="0" smtClean="0"/>
+            </a:br>
+            <a:r>
+              <a:rPr lang="zh-CN" altLang="en-US" dirty="0" smtClean="0"/>
+              <a:t>第十一步：应用</a:t>
+            </a:r>
+            <a:r>
+              <a:rPr lang="en-US" altLang="zh-CN" dirty="0" smtClean="0"/>
+              <a:t>order by</a:t>
+            </a:r>
+            <a:r>
+              <a:rPr lang="zh-CN" altLang="en-US" dirty="0" smtClean="0"/>
+              <a:t>子句。按照</a:t>
+            </a:r>
+            <a:r>
+              <a:rPr lang="en-US" altLang="zh-CN" dirty="0" err="1" smtClean="0"/>
+              <a:t>order_by_condition</a:t>
+            </a:r>
+            <a:r>
+              <a:rPr lang="zh-CN" altLang="en-US" dirty="0" smtClean="0"/>
+              <a:t>排序</a:t>
+            </a:r>
+            <a:r>
+              <a:rPr lang="en-US" altLang="zh-CN" dirty="0" smtClean="0"/>
+              <a:t>vt9</a:t>
+            </a:r>
+            <a:r>
+              <a:rPr lang="zh-CN" altLang="en-US" dirty="0" smtClean="0"/>
+              <a:t>，此时返回的一个游标，而不是虚拟表。</a:t>
+            </a:r>
+            <a:r>
+              <a:rPr lang="en-US" altLang="zh-CN" dirty="0" err="1" smtClean="0"/>
+              <a:t>sql</a:t>
+            </a:r>
+            <a:r>
+              <a:rPr lang="zh-CN" altLang="en-US" dirty="0" smtClean="0"/>
+              <a:t>是基于集合的理论的，集合不会预先对他的行排序，它只是成员的逻辑集合，成员的顺序是无关紧要的。对表进行排序的查询可以返回一个对象，这个对象包含特定的物理顺序的逻辑组织。这个对象就叫游标。正因为返回值是游标，那么使用</a:t>
+            </a:r>
+            <a:r>
+              <a:rPr lang="en-US" altLang="zh-CN" dirty="0" smtClean="0"/>
+              <a:t>order by </a:t>
+            </a:r>
+            <a:r>
+              <a:rPr lang="zh-CN" altLang="en-US" dirty="0" smtClean="0"/>
+              <a:t>子句查询不能应用于表表达式。排序是很需要成本的，除非你必须要排序，否则最好不要指定</a:t>
+            </a:r>
+            <a:r>
+              <a:rPr lang="en-US" altLang="zh-CN" dirty="0" smtClean="0"/>
+              <a:t>order by</a:t>
+            </a:r>
+            <a:r>
+              <a:rPr lang="zh-CN" altLang="en-US" dirty="0" smtClean="0"/>
+              <a:t>，最后，在这一步中是第一个也是唯一一个可以使用</a:t>
+            </a:r>
+            <a:r>
+              <a:rPr lang="en-US" altLang="zh-CN" dirty="0" smtClean="0"/>
+              <a:t>select</a:t>
+            </a:r>
+            <a:r>
+              <a:rPr lang="zh-CN" altLang="en-US" dirty="0" smtClean="0"/>
+              <a:t>列表中别名的步骤。 </a:t>
+            </a:r>
+            <a:br>
+              <a:rPr lang="zh-CN" altLang="en-US" dirty="0" smtClean="0"/>
+            </a:br>
+            <a:r>
+              <a:rPr lang="zh-CN" altLang="en-US" dirty="0" smtClean="0"/>
+              <a:t>第十二步：应用</a:t>
+            </a:r>
+            <a:r>
+              <a:rPr lang="en-US" altLang="zh-CN" dirty="0" smtClean="0"/>
+              <a:t>top</a:t>
+            </a:r>
+            <a:r>
+              <a:rPr lang="zh-CN" altLang="en-US" dirty="0" smtClean="0"/>
+              <a:t>选项。此时才返回结果给请求者即用户。 </a:t>
+            </a:r>
+          </a:p>
+          <a:p>
+            <a:r>
+              <a:rPr lang="zh-CN" altLang="en-US" dirty="0" smtClean="0"/>
+              <a:t>注：步骤</a:t>
+            </a:r>
+            <a:r>
+              <a:rPr lang="en-US" altLang="zh-CN" dirty="0" smtClean="0"/>
+              <a:t>10</a:t>
+            </a:r>
+            <a:r>
+              <a:rPr lang="zh-CN" altLang="en-US" dirty="0" smtClean="0"/>
+              <a:t>，按</a:t>
+            </a:r>
+            <a:r>
+              <a:rPr lang="en-US" altLang="zh-CN" dirty="0" smtClean="0"/>
+              <a:t>ORDER BY</a:t>
+            </a:r>
+            <a:r>
+              <a:rPr lang="zh-CN" altLang="en-US" dirty="0" smtClean="0"/>
+              <a:t>子句中的列列表排序上步返回的行，返回游标</a:t>
+            </a:r>
+            <a:r>
+              <a:rPr lang="en-US" altLang="zh-CN" dirty="0" smtClean="0"/>
+              <a:t>VC10.</a:t>
+            </a:r>
+            <a:r>
+              <a:rPr lang="zh-CN" altLang="en-US" dirty="0" smtClean="0"/>
+              <a:t>这一步是第一步也是唯一一步可以使用</a:t>
+            </a:r>
+            <a:r>
+              <a:rPr lang="en-US" altLang="zh-CN" dirty="0" smtClean="0"/>
+              <a:t>SELECT</a:t>
+            </a:r>
+            <a:r>
+              <a:rPr lang="zh-CN" altLang="en-US" dirty="0" smtClean="0"/>
+              <a:t>列表中的列别名的步骤。这一步不同于其它步骤的 是，它不返回有效的表，而是返回一个游标。</a:t>
+            </a:r>
+            <a:r>
+              <a:rPr lang="en-US" altLang="zh-CN" dirty="0" smtClean="0"/>
+              <a:t>SQL</a:t>
+            </a:r>
+            <a:r>
+              <a:rPr lang="zh-CN" altLang="en-US" dirty="0" smtClean="0"/>
+              <a:t>是基于集合理论的。集合不会预先对它的行排序，它只是成员的逻辑集合，成员的顺序无关紧要。对表进行排序 的查询可以返回一个对象，包含按特定物理顺序组织的行。</a:t>
+            </a:r>
+            <a:r>
+              <a:rPr lang="en-US" altLang="zh-CN" dirty="0" smtClean="0"/>
+              <a:t>ANSI</a:t>
+            </a:r>
+            <a:r>
+              <a:rPr lang="zh-CN" altLang="en-US" dirty="0" smtClean="0"/>
+              <a:t>把这种对象称为游标。理解这一步是正确理解</a:t>
+            </a:r>
+            <a:r>
+              <a:rPr lang="en-US" altLang="zh-CN" dirty="0" smtClean="0"/>
+              <a:t>SQL</a:t>
+            </a:r>
+            <a:r>
+              <a:rPr lang="zh-CN" altLang="en-US" dirty="0" smtClean="0"/>
+              <a:t>的基础。</a:t>
+            </a:r>
+          </a:p>
+          <a:p>
+            <a:endParaRPr lang="zh-CN" altLang="en-US" dirty="0"/>
+          </a:p>
+        </p:txBody>
+      </p:sp>
+    </p:spTree>
+  </p:cSld>
+  <p:clrMapOvr>
+    <a:masterClrMapping/>
+  </p:clrMapOvr>
+</p:sld>
+</file>
+
+<file path=ppt/slides/slide8.xml><?xml version="1.0" encoding="utf-8"?>
 <p:sld xmlns:a="http://schemas.openxmlformats.org/drawingml/2006/main" xmlns:r="http://schemas.openxmlformats.org/officeDocument/2006/relationships" xmlns:p="http://schemas.openxmlformats.org/presentationml/2006/main">
   <p:cSld>
     <p:spTree>
@@ -4513,7 +5975,7 @@
 </p:sld>
 </file>
 
-<file path=ppt/slides/slide6.xml><?xml version="1.0" encoding="utf-8"?>
+<file path=ppt/slides/slide9.xml><?xml version="1.0" encoding="utf-8"?>
 <p:sld xmlns:a="http://schemas.openxmlformats.org/drawingml/2006/main" xmlns:r="http://schemas.openxmlformats.org/officeDocument/2006/relationships" xmlns:p="http://schemas.openxmlformats.org/presentationml/2006/main">
   <p:cSld>
     <p:spTree>
@@ -4541,867 +6003,18 @@
           </p:nvPr>
         </p:nvSpPr>
         <p:spPr/>
-        <p:txBody>
-          <a:bodyPr/>
-          <a:lstStyle/>
-          <a:p>
-            <a:r>
-              <a:rPr lang="zh-CN" altLang="en-US" dirty="0" smtClean="0"/>
-              <a:t>顺序详解</a:t>
-            </a:r>
-            <a:endParaRPr lang="zh-CN" altLang="en-US" dirty="0"/>
-          </a:p>
-        </p:txBody>
-      </p:sp>
-      <p:sp>
-        <p:nvSpPr>
-          <p:cNvPr id="3" name="内容占位符 2"/>
-          <p:cNvSpPr>
-            <a:spLocks noGrp="1"/>
-          </p:cNvSpPr>
-          <p:nvPr>
-            <p:ph idx="1"/>
-          </p:nvPr>
-        </p:nvSpPr>
-        <p:spPr/>
-        <p:txBody>
-          <a:bodyPr>
-            <a:normAutofit fontScale="32500" lnSpcReduction="20000"/>
-          </a:bodyPr>
-          <a:lstStyle/>
-          <a:p>
-            <a:r>
-              <a:rPr lang="zh-CN" altLang="en-US" dirty="0" smtClean="0"/>
-              <a:t>所有的 查询语句都是从</a:t>
-            </a:r>
-            <a:r>
-              <a:rPr lang="en-US" altLang="zh-CN" dirty="0" smtClean="0"/>
-              <a:t>from</a:t>
-            </a:r>
-            <a:r>
-              <a:rPr lang="zh-CN" altLang="en-US" dirty="0" smtClean="0"/>
-              <a:t>开始执行的，在执行过程中，每个步骤都会为下一个步骤生成一个虚拟表，这个虚拟表将作为下一个执行步骤的输入。 </a:t>
-            </a:r>
-            <a:br>
-              <a:rPr lang="zh-CN" altLang="en-US" dirty="0" smtClean="0"/>
-            </a:br>
-            <a:r>
-              <a:rPr lang="zh-CN" altLang="en-US" dirty="0" smtClean="0"/>
-              <a:t>第一步：首先对</a:t>
-            </a:r>
-            <a:r>
-              <a:rPr lang="en-US" altLang="zh-CN" dirty="0" smtClean="0"/>
-              <a:t>from</a:t>
-            </a:r>
-            <a:r>
-              <a:rPr lang="zh-CN" altLang="en-US" dirty="0" smtClean="0"/>
-              <a:t>子句中的前两个表执行一个笛卡尔乘积，此时生成虚拟表 </a:t>
-            </a:r>
-            <a:r>
-              <a:rPr lang="en-US" altLang="zh-CN" dirty="0" smtClean="0"/>
-              <a:t>vt1</a:t>
-            </a:r>
-            <a:r>
-              <a:rPr lang="zh-CN" altLang="en-US" dirty="0" smtClean="0"/>
-              <a:t>（选择相对小的表做基础表） </a:t>
-            </a:r>
-            <a:br>
-              <a:rPr lang="zh-CN" altLang="en-US" dirty="0" smtClean="0"/>
-            </a:br>
-            <a:r>
-              <a:rPr lang="zh-CN" altLang="en-US" dirty="0" smtClean="0"/>
-              <a:t>第二步：接下来便是应用</a:t>
-            </a:r>
-            <a:r>
-              <a:rPr lang="en-US" altLang="zh-CN" dirty="0" smtClean="0"/>
-              <a:t>on</a:t>
-            </a:r>
-            <a:r>
-              <a:rPr lang="zh-CN" altLang="en-US" dirty="0" smtClean="0"/>
-              <a:t>筛选器，</a:t>
-            </a:r>
-            <a:r>
-              <a:rPr lang="en-US" altLang="zh-CN" dirty="0" smtClean="0"/>
-              <a:t>on </a:t>
-            </a:r>
-            <a:r>
-              <a:rPr lang="zh-CN" altLang="en-US" dirty="0" smtClean="0"/>
-              <a:t>中的逻辑表达式将应用到 </a:t>
-            </a:r>
-            <a:r>
-              <a:rPr lang="en-US" altLang="zh-CN" dirty="0" smtClean="0"/>
-              <a:t>vt1 </a:t>
-            </a:r>
-            <a:r>
-              <a:rPr lang="zh-CN" altLang="en-US" dirty="0" smtClean="0"/>
-              <a:t>中的各个行，筛选出满足</a:t>
-            </a:r>
-            <a:r>
-              <a:rPr lang="en-US" altLang="zh-CN" dirty="0" smtClean="0"/>
-              <a:t>on</a:t>
-            </a:r>
-            <a:r>
-              <a:rPr lang="zh-CN" altLang="en-US" dirty="0" smtClean="0"/>
-              <a:t>逻辑表达式的行，生成虚拟表 </a:t>
-            </a:r>
-            <a:r>
-              <a:rPr lang="en-US" altLang="zh-CN" dirty="0" smtClean="0"/>
-              <a:t>vt2 </a:t>
-            </a:r>
-            <a:br>
-              <a:rPr lang="en-US" altLang="zh-CN" dirty="0" smtClean="0"/>
-            </a:br>
-            <a:r>
-              <a:rPr lang="zh-CN" altLang="en-US" dirty="0" smtClean="0"/>
-              <a:t>第三步：如果是</a:t>
-            </a:r>
-            <a:r>
-              <a:rPr lang="en-US" altLang="zh-CN" dirty="0" smtClean="0"/>
-              <a:t>outer join </a:t>
-            </a:r>
-            <a:r>
-              <a:rPr lang="zh-CN" altLang="en-US" dirty="0" smtClean="0"/>
-              <a:t>那么这一步就将添加外部行，</a:t>
-            </a:r>
-            <a:r>
-              <a:rPr lang="en-US" altLang="zh-CN" dirty="0" smtClean="0"/>
-              <a:t>left outer </a:t>
-            </a:r>
-            <a:r>
-              <a:rPr lang="en-US" altLang="zh-CN" dirty="0" err="1" smtClean="0"/>
-              <a:t>jion</a:t>
-            </a:r>
-            <a:r>
-              <a:rPr lang="en-US" altLang="zh-CN" dirty="0" smtClean="0"/>
-              <a:t> </a:t>
-            </a:r>
-            <a:r>
-              <a:rPr lang="zh-CN" altLang="en-US" dirty="0" smtClean="0"/>
-              <a:t>就把左表在第二步中过滤的添加进来，如果是</a:t>
-            </a:r>
-            <a:r>
-              <a:rPr lang="en-US" altLang="zh-CN" dirty="0" smtClean="0"/>
-              <a:t>right outer join </a:t>
-            </a:r>
-            <a:r>
-              <a:rPr lang="zh-CN" altLang="en-US" dirty="0" smtClean="0"/>
-              <a:t>那么就将右表在第二步中过滤掉的行添加进来，这样生成虚拟表 </a:t>
-            </a:r>
-            <a:r>
-              <a:rPr lang="en-US" altLang="zh-CN" dirty="0" smtClean="0"/>
-              <a:t>vt3 </a:t>
-            </a:r>
-            <a:br>
-              <a:rPr lang="en-US" altLang="zh-CN" dirty="0" smtClean="0"/>
-            </a:br>
-            <a:r>
-              <a:rPr lang="zh-CN" altLang="en-US" dirty="0" smtClean="0"/>
-              <a:t>第四步：如果 </a:t>
-            </a:r>
-            <a:r>
-              <a:rPr lang="en-US" altLang="zh-CN" dirty="0" smtClean="0"/>
-              <a:t>from </a:t>
-            </a:r>
-            <a:r>
-              <a:rPr lang="zh-CN" altLang="en-US" dirty="0" smtClean="0"/>
-              <a:t>子句中的表数目多余两个表，那么就将</a:t>
-            </a:r>
-            <a:r>
-              <a:rPr lang="en-US" altLang="zh-CN" dirty="0" smtClean="0"/>
-              <a:t>vt3</a:t>
-            </a:r>
-            <a:r>
-              <a:rPr lang="zh-CN" altLang="en-US" dirty="0" smtClean="0"/>
-              <a:t>和第三个表连接从而计算笛卡尔乘积，生成虚拟表，该过程就是一个重复</a:t>
-            </a:r>
-            <a:r>
-              <a:rPr lang="en-US" altLang="zh-CN" dirty="0" smtClean="0"/>
-              <a:t>1-3</a:t>
-            </a:r>
-            <a:r>
-              <a:rPr lang="zh-CN" altLang="en-US" dirty="0" smtClean="0"/>
-              <a:t>的步骤，最终得到一个新的虚拟表 </a:t>
-            </a:r>
-            <a:r>
-              <a:rPr lang="en-US" altLang="zh-CN" dirty="0" smtClean="0"/>
-              <a:t>vt3</a:t>
-            </a:r>
-            <a:r>
-              <a:rPr lang="zh-CN" altLang="en-US" dirty="0" smtClean="0"/>
-              <a:t>。 </a:t>
-            </a:r>
-            <a:br>
-              <a:rPr lang="zh-CN" altLang="en-US" dirty="0" smtClean="0"/>
-            </a:br>
-            <a:r>
-              <a:rPr lang="zh-CN" altLang="en-US" dirty="0" smtClean="0"/>
-              <a:t>第五步：应用</a:t>
-            </a:r>
-            <a:r>
-              <a:rPr lang="en-US" altLang="zh-CN" dirty="0" smtClean="0"/>
-              <a:t>where</a:t>
-            </a:r>
-            <a:r>
-              <a:rPr lang="zh-CN" altLang="en-US" dirty="0" smtClean="0"/>
-              <a:t>筛选器，对上一步生产的虚拟表引用</a:t>
-            </a:r>
-            <a:r>
-              <a:rPr lang="en-US" altLang="zh-CN" dirty="0" smtClean="0"/>
-              <a:t>where</a:t>
-            </a:r>
-            <a:r>
-              <a:rPr lang="zh-CN" altLang="en-US" dirty="0" smtClean="0"/>
-              <a:t>筛选器，生成虚拟表</a:t>
-            </a:r>
-            <a:r>
-              <a:rPr lang="en-US" altLang="zh-CN" dirty="0" smtClean="0"/>
-              <a:t>vt4</a:t>
-            </a:r>
-            <a:r>
-              <a:rPr lang="zh-CN" altLang="en-US" dirty="0" smtClean="0"/>
-              <a:t>，在这有个比较重要的细节不得不说一下，对于包含</a:t>
-            </a:r>
-            <a:r>
-              <a:rPr lang="en-US" altLang="zh-CN" dirty="0" smtClean="0"/>
-              <a:t>outer join</a:t>
-            </a:r>
-            <a:r>
-              <a:rPr lang="zh-CN" altLang="en-US" dirty="0" smtClean="0"/>
-              <a:t>子句的查询，就有一个让人感到困惑的问题，到底在</a:t>
-            </a:r>
-            <a:r>
-              <a:rPr lang="en-US" altLang="zh-CN" dirty="0" smtClean="0"/>
-              <a:t>on</a:t>
-            </a:r>
-            <a:r>
-              <a:rPr lang="zh-CN" altLang="en-US" dirty="0" smtClean="0"/>
-              <a:t>筛选器还是用</a:t>
-            </a:r>
-            <a:r>
-              <a:rPr lang="en-US" altLang="zh-CN" dirty="0" smtClean="0"/>
-              <a:t>where</a:t>
-            </a:r>
-            <a:r>
-              <a:rPr lang="zh-CN" altLang="en-US" dirty="0" smtClean="0"/>
-              <a:t>筛选器指定逻辑表达式呢？</a:t>
-            </a:r>
-            <a:r>
-              <a:rPr lang="en-US" altLang="zh-CN" dirty="0" smtClean="0"/>
-              <a:t>on</a:t>
-            </a:r>
-            <a:r>
-              <a:rPr lang="zh-CN" altLang="en-US" dirty="0" smtClean="0"/>
-              <a:t>和</a:t>
-            </a:r>
-            <a:r>
-              <a:rPr lang="en-US" altLang="zh-CN" dirty="0" smtClean="0"/>
-              <a:t>where</a:t>
-            </a:r>
-            <a:r>
-              <a:rPr lang="zh-CN" altLang="en-US" dirty="0" smtClean="0"/>
-              <a:t>的最大区别在于，如果在</a:t>
-            </a:r>
-            <a:r>
-              <a:rPr lang="en-US" altLang="zh-CN" dirty="0" smtClean="0"/>
-              <a:t>on</a:t>
-            </a:r>
-            <a:r>
-              <a:rPr lang="zh-CN" altLang="en-US" dirty="0" smtClean="0"/>
-              <a:t>应用逻辑表达式那么在第三步</a:t>
-            </a:r>
-            <a:r>
-              <a:rPr lang="en-US" altLang="zh-CN" dirty="0" smtClean="0"/>
-              <a:t>outer join</a:t>
-            </a:r>
-            <a:r>
-              <a:rPr lang="zh-CN" altLang="en-US" dirty="0" smtClean="0"/>
-              <a:t>中还可以把移除的行再次添加回来，而</a:t>
-            </a:r>
-            <a:r>
-              <a:rPr lang="en-US" altLang="zh-CN" dirty="0" smtClean="0"/>
-              <a:t>where</a:t>
-            </a:r>
-            <a:r>
-              <a:rPr lang="zh-CN" altLang="en-US" dirty="0" smtClean="0"/>
-              <a:t>的移除的最终的。举个简单的例子，有一个学生表（班级</a:t>
-            </a:r>
-            <a:r>
-              <a:rPr lang="en-US" altLang="zh-CN" dirty="0" smtClean="0"/>
-              <a:t>,</a:t>
-            </a:r>
-            <a:r>
-              <a:rPr lang="zh-CN" altLang="en-US" dirty="0" smtClean="0"/>
-              <a:t>姓名）和一个成绩表</a:t>
-            </a:r>
-            <a:r>
-              <a:rPr lang="en-US" altLang="zh-CN" dirty="0" smtClean="0"/>
-              <a:t>(</a:t>
-            </a:r>
-            <a:r>
-              <a:rPr lang="zh-CN" altLang="en-US" dirty="0" smtClean="0"/>
-              <a:t>姓名</a:t>
-            </a:r>
-            <a:r>
-              <a:rPr lang="en-US" altLang="zh-CN" dirty="0" smtClean="0"/>
-              <a:t>,</a:t>
-            </a:r>
-            <a:r>
-              <a:rPr lang="zh-CN" altLang="en-US" dirty="0" smtClean="0"/>
-              <a:t>成绩</a:t>
-            </a:r>
-            <a:r>
-              <a:rPr lang="en-US" altLang="zh-CN" dirty="0" smtClean="0"/>
-              <a:t>)</a:t>
-            </a:r>
-            <a:r>
-              <a:rPr lang="zh-CN" altLang="en-US" dirty="0" smtClean="0"/>
-              <a:t>，我现在需要返回一个</a:t>
-            </a:r>
-            <a:r>
-              <a:rPr lang="en-US" altLang="zh-CN" dirty="0" smtClean="0"/>
-              <a:t>x</a:t>
-            </a:r>
-            <a:r>
-              <a:rPr lang="zh-CN" altLang="en-US" dirty="0" smtClean="0"/>
-              <a:t>班级的全体同学的成绩，但是这个班级有几个学生缺考，也就是说在成绩表中没有记录。为了得到我们预期的结果我们就需要在</a:t>
-            </a:r>
-            <a:r>
-              <a:rPr lang="en-US" altLang="zh-CN" dirty="0" smtClean="0"/>
-              <a:t>on</a:t>
-            </a:r>
-            <a:r>
-              <a:rPr lang="zh-CN" altLang="en-US" dirty="0" smtClean="0"/>
-              <a:t>子句指定学生和成绩表的关系（学生</a:t>
-            </a:r>
-            <a:r>
-              <a:rPr lang="en-US" altLang="zh-CN" dirty="0" smtClean="0"/>
-              <a:t>.</a:t>
-            </a:r>
-            <a:r>
-              <a:rPr lang="zh-CN" altLang="en-US" dirty="0" smtClean="0"/>
-              <a:t>姓名</a:t>
-            </a:r>
-            <a:r>
-              <a:rPr lang="en-US" altLang="zh-CN" dirty="0" smtClean="0"/>
-              <a:t>=</a:t>
-            </a:r>
-            <a:r>
-              <a:rPr lang="zh-CN" altLang="en-US" dirty="0" smtClean="0"/>
-              <a:t>成绩</a:t>
-            </a:r>
-            <a:r>
-              <a:rPr lang="en-US" altLang="zh-CN" dirty="0" smtClean="0"/>
-              <a:t>.</a:t>
-            </a:r>
-            <a:r>
-              <a:rPr lang="zh-CN" altLang="en-US" dirty="0" smtClean="0"/>
-              <a:t>姓名）那么我们是否发现在执行第二步的时候，对于没有参加考试的学生记录就不会出现在</a:t>
-            </a:r>
-            <a:r>
-              <a:rPr lang="en-US" altLang="zh-CN" dirty="0" smtClean="0"/>
-              <a:t>vt2</a:t>
-            </a:r>
-            <a:r>
-              <a:rPr lang="zh-CN" altLang="en-US" dirty="0" smtClean="0"/>
-              <a:t>中，因为他们被</a:t>
-            </a:r>
-            <a:r>
-              <a:rPr lang="en-US" altLang="zh-CN" dirty="0" smtClean="0"/>
-              <a:t>on</a:t>
-            </a:r>
-            <a:r>
-              <a:rPr lang="zh-CN" altLang="en-US" dirty="0" smtClean="0"/>
-              <a:t>的逻辑表达式过滤掉了</a:t>
-            </a:r>
-            <a:r>
-              <a:rPr lang="en-US" altLang="zh-CN" dirty="0" smtClean="0"/>
-              <a:t>,</a:t>
-            </a:r>
-            <a:r>
-              <a:rPr lang="zh-CN" altLang="en-US" dirty="0" smtClean="0"/>
-              <a:t>但是我们用</a:t>
-            </a:r>
-            <a:r>
-              <a:rPr lang="en-US" altLang="zh-CN" dirty="0" smtClean="0"/>
-              <a:t>left outer join</a:t>
-            </a:r>
-            <a:r>
-              <a:rPr lang="zh-CN" altLang="en-US" dirty="0" smtClean="0"/>
-              <a:t>就可以把左表（学生）中没有参加考试的学生找回来，因为我们想返回的是</a:t>
-            </a:r>
-            <a:r>
-              <a:rPr lang="en-US" altLang="zh-CN" dirty="0" smtClean="0"/>
-              <a:t>x</a:t>
-            </a:r>
-            <a:r>
-              <a:rPr lang="zh-CN" altLang="en-US" dirty="0" smtClean="0"/>
-              <a:t>班级的所有学生，如果在</a:t>
-            </a:r>
-            <a:r>
-              <a:rPr lang="en-US" altLang="zh-CN" dirty="0" smtClean="0"/>
-              <a:t>on</a:t>
-            </a:r>
-            <a:r>
-              <a:rPr lang="zh-CN" altLang="en-US" dirty="0" smtClean="0"/>
-              <a:t>中应用学生</a:t>
-            </a:r>
-            <a:r>
-              <a:rPr lang="en-US" altLang="zh-CN" dirty="0" smtClean="0"/>
-              <a:t>.</a:t>
-            </a:r>
-            <a:r>
-              <a:rPr lang="zh-CN" altLang="en-US" dirty="0" smtClean="0"/>
-              <a:t>班级</a:t>
-            </a:r>
-            <a:r>
-              <a:rPr lang="en-US" altLang="zh-CN" dirty="0" smtClean="0"/>
-              <a:t>='x'</a:t>
-            </a:r>
-            <a:r>
-              <a:rPr lang="zh-CN" altLang="en-US" dirty="0" smtClean="0"/>
-              <a:t>的话，</a:t>
-            </a:r>
-            <a:r>
-              <a:rPr lang="en-US" altLang="zh-CN" dirty="0" smtClean="0"/>
-              <a:t>left outer join</a:t>
-            </a:r>
-            <a:r>
-              <a:rPr lang="zh-CN" altLang="en-US" dirty="0" smtClean="0"/>
-              <a:t>会把</a:t>
-            </a:r>
-            <a:r>
-              <a:rPr lang="en-US" altLang="zh-CN" dirty="0" smtClean="0"/>
-              <a:t>x</a:t>
-            </a:r>
-            <a:r>
-              <a:rPr lang="zh-CN" altLang="en-US" dirty="0" smtClean="0"/>
-              <a:t>班级的所有学生记录找回（感谢网友康钦谋</a:t>
-            </a:r>
-            <a:r>
-              <a:rPr lang="en-US" altLang="zh-CN" dirty="0" smtClean="0"/>
-              <a:t>__</a:t>
-            </a:r>
-            <a:r>
-              <a:rPr lang="zh-CN" altLang="en-US" dirty="0" smtClean="0"/>
-              <a:t>康钦苗的指正），所以只能在</a:t>
-            </a:r>
-            <a:r>
-              <a:rPr lang="en-US" altLang="zh-CN" dirty="0" smtClean="0"/>
-              <a:t>where</a:t>
-            </a:r>
-            <a:r>
-              <a:rPr lang="zh-CN" altLang="en-US" dirty="0" smtClean="0"/>
-              <a:t>筛选器中应用学生</a:t>
-            </a:r>
-            <a:r>
-              <a:rPr lang="en-US" altLang="zh-CN" dirty="0" smtClean="0"/>
-              <a:t>.</a:t>
-            </a:r>
-            <a:r>
-              <a:rPr lang="zh-CN" altLang="en-US" dirty="0" smtClean="0"/>
-              <a:t>班级</a:t>
-            </a:r>
-            <a:r>
-              <a:rPr lang="en-US" altLang="zh-CN" dirty="0" smtClean="0"/>
-              <a:t>='x' </a:t>
-            </a:r>
-            <a:r>
-              <a:rPr lang="zh-CN" altLang="en-US" dirty="0" smtClean="0"/>
-              <a:t>因为它的过滤是最终的。 </a:t>
-            </a:r>
-            <a:br>
-              <a:rPr lang="zh-CN" altLang="en-US" dirty="0" smtClean="0"/>
-            </a:br>
-            <a:r>
-              <a:rPr lang="zh-CN" altLang="en-US" dirty="0" smtClean="0"/>
-              <a:t>第六步：</a:t>
-            </a:r>
-            <a:r>
-              <a:rPr lang="en-US" altLang="zh-CN" dirty="0" smtClean="0"/>
-              <a:t>group by </a:t>
-            </a:r>
-            <a:r>
-              <a:rPr lang="zh-CN" altLang="en-US" dirty="0" smtClean="0"/>
-              <a:t>子句将中的唯一的值组合成为一组，得到虚拟表</a:t>
-            </a:r>
-            <a:r>
-              <a:rPr lang="en-US" altLang="zh-CN" dirty="0" smtClean="0"/>
-              <a:t>vt5</a:t>
-            </a:r>
-            <a:r>
-              <a:rPr lang="zh-CN" altLang="en-US" dirty="0" smtClean="0"/>
-              <a:t>。如果应用了</a:t>
-            </a:r>
-            <a:r>
-              <a:rPr lang="en-US" altLang="zh-CN" dirty="0" smtClean="0"/>
-              <a:t>group by</a:t>
-            </a:r>
-            <a:r>
-              <a:rPr lang="zh-CN" altLang="en-US" dirty="0" smtClean="0"/>
-              <a:t>，那么后面的所有步骤都只能得到的</a:t>
-            </a:r>
-            <a:r>
-              <a:rPr lang="en-US" altLang="zh-CN" dirty="0" smtClean="0"/>
-              <a:t>vt5</a:t>
-            </a:r>
-            <a:r>
-              <a:rPr lang="zh-CN" altLang="en-US" dirty="0" smtClean="0"/>
-              <a:t>的列或者是聚合函数（</a:t>
-            </a:r>
-            <a:r>
-              <a:rPr lang="en-US" altLang="zh-CN" dirty="0" smtClean="0"/>
-              <a:t>count</a:t>
-            </a:r>
-            <a:r>
-              <a:rPr lang="zh-CN" altLang="en-US" dirty="0" smtClean="0"/>
-              <a:t>、</a:t>
-            </a:r>
-            <a:r>
-              <a:rPr lang="en-US" altLang="zh-CN" dirty="0" smtClean="0"/>
-              <a:t>sum</a:t>
-            </a:r>
-            <a:r>
-              <a:rPr lang="zh-CN" altLang="en-US" dirty="0" smtClean="0"/>
-              <a:t>、</a:t>
-            </a:r>
-            <a:r>
-              <a:rPr lang="en-US" altLang="zh-CN" dirty="0" err="1" smtClean="0"/>
-              <a:t>avg</a:t>
-            </a:r>
-            <a:r>
-              <a:rPr lang="zh-CN" altLang="en-US" dirty="0" smtClean="0"/>
-              <a:t>等）。原因在于最终的结果集中只为每个组包含一行。这一点请牢记。 </a:t>
-            </a:r>
-            <a:br>
-              <a:rPr lang="zh-CN" altLang="en-US" dirty="0" smtClean="0"/>
-            </a:br>
-            <a:r>
-              <a:rPr lang="zh-CN" altLang="en-US" dirty="0" smtClean="0"/>
-              <a:t>第七步：应用</a:t>
-            </a:r>
-            <a:r>
-              <a:rPr lang="en-US" altLang="zh-CN" dirty="0" smtClean="0"/>
-              <a:t>cube</a:t>
-            </a:r>
-            <a:r>
-              <a:rPr lang="zh-CN" altLang="en-US" dirty="0" smtClean="0"/>
-              <a:t>或者</a:t>
-            </a:r>
-            <a:r>
-              <a:rPr lang="en-US" altLang="zh-CN" dirty="0" smtClean="0"/>
-              <a:t>rollup</a:t>
-            </a:r>
-            <a:r>
-              <a:rPr lang="zh-CN" altLang="en-US" dirty="0" smtClean="0"/>
-              <a:t>选项，为</a:t>
-            </a:r>
-            <a:r>
-              <a:rPr lang="en-US" altLang="zh-CN" dirty="0" smtClean="0"/>
-              <a:t>vt5</a:t>
-            </a:r>
-            <a:r>
-              <a:rPr lang="zh-CN" altLang="en-US" dirty="0" smtClean="0"/>
-              <a:t>生成超组，生成</a:t>
-            </a:r>
-            <a:r>
-              <a:rPr lang="en-US" altLang="zh-CN" dirty="0" smtClean="0"/>
-              <a:t>vt6. </a:t>
-            </a:r>
-            <a:br>
-              <a:rPr lang="en-US" altLang="zh-CN" dirty="0" smtClean="0"/>
-            </a:br>
-            <a:r>
-              <a:rPr lang="zh-CN" altLang="en-US" dirty="0" smtClean="0"/>
-              <a:t>第八步：应用</a:t>
-            </a:r>
-            <a:r>
-              <a:rPr lang="en-US" altLang="zh-CN" dirty="0" smtClean="0"/>
-              <a:t>having</a:t>
-            </a:r>
-            <a:r>
-              <a:rPr lang="zh-CN" altLang="en-US" dirty="0" smtClean="0"/>
-              <a:t>筛选器，生成</a:t>
-            </a:r>
-            <a:r>
-              <a:rPr lang="en-US" altLang="zh-CN" dirty="0" smtClean="0"/>
-              <a:t>vt7</a:t>
-            </a:r>
-            <a:r>
-              <a:rPr lang="zh-CN" altLang="en-US" dirty="0" smtClean="0"/>
-              <a:t>。</a:t>
-            </a:r>
-            <a:r>
-              <a:rPr lang="en-US" altLang="zh-CN" dirty="0" smtClean="0"/>
-              <a:t>having</a:t>
-            </a:r>
-            <a:r>
-              <a:rPr lang="zh-CN" altLang="en-US" dirty="0" smtClean="0"/>
-              <a:t>筛选器是第一个也是为唯一一个应用到已分组数据的筛选器。 </a:t>
-            </a:r>
-            <a:br>
-              <a:rPr lang="zh-CN" altLang="en-US" dirty="0" smtClean="0"/>
-            </a:br>
-            <a:r>
-              <a:rPr lang="zh-CN" altLang="en-US" dirty="0" smtClean="0"/>
-              <a:t>第九步：处理</a:t>
-            </a:r>
-            <a:r>
-              <a:rPr lang="en-US" altLang="zh-CN" dirty="0" smtClean="0"/>
-              <a:t>select</a:t>
-            </a:r>
-            <a:r>
-              <a:rPr lang="zh-CN" altLang="en-US" dirty="0" smtClean="0"/>
-              <a:t>子句。将</a:t>
-            </a:r>
-            <a:r>
-              <a:rPr lang="en-US" altLang="zh-CN" dirty="0" smtClean="0"/>
-              <a:t>vt7</a:t>
-            </a:r>
-            <a:r>
-              <a:rPr lang="zh-CN" altLang="en-US" dirty="0" smtClean="0"/>
-              <a:t>中的在</a:t>
-            </a:r>
-            <a:r>
-              <a:rPr lang="en-US" altLang="zh-CN" dirty="0" smtClean="0"/>
-              <a:t>select</a:t>
-            </a:r>
-            <a:r>
-              <a:rPr lang="zh-CN" altLang="en-US" dirty="0" smtClean="0"/>
-              <a:t>中出现的列筛选出来。生成</a:t>
-            </a:r>
-            <a:r>
-              <a:rPr lang="en-US" altLang="zh-CN" dirty="0" smtClean="0"/>
-              <a:t>vt8. </a:t>
-            </a:r>
-            <a:br>
-              <a:rPr lang="en-US" altLang="zh-CN" dirty="0" smtClean="0"/>
-            </a:br>
-            <a:r>
-              <a:rPr lang="zh-CN" altLang="en-US" dirty="0" smtClean="0"/>
-              <a:t>第十步：应用</a:t>
-            </a:r>
-            <a:r>
-              <a:rPr lang="en-US" altLang="zh-CN" dirty="0" smtClean="0"/>
-              <a:t>distinct</a:t>
-            </a:r>
-            <a:r>
-              <a:rPr lang="zh-CN" altLang="en-US" dirty="0" smtClean="0"/>
-              <a:t>子句，</a:t>
-            </a:r>
-            <a:r>
-              <a:rPr lang="en-US" altLang="zh-CN" dirty="0" smtClean="0"/>
-              <a:t>vt8</a:t>
-            </a:r>
-            <a:r>
-              <a:rPr lang="zh-CN" altLang="en-US" dirty="0" smtClean="0"/>
-              <a:t>中移除相同的行，生成</a:t>
-            </a:r>
-            <a:r>
-              <a:rPr lang="en-US" altLang="zh-CN" dirty="0" smtClean="0"/>
-              <a:t>vt9</a:t>
-            </a:r>
-            <a:r>
-              <a:rPr lang="zh-CN" altLang="en-US" dirty="0" smtClean="0"/>
-              <a:t>。事实上如果应用了</a:t>
-            </a:r>
-            <a:r>
-              <a:rPr lang="en-US" altLang="zh-CN" dirty="0" smtClean="0"/>
-              <a:t>group by</a:t>
-            </a:r>
-            <a:r>
-              <a:rPr lang="zh-CN" altLang="en-US" dirty="0" smtClean="0"/>
-              <a:t>子句那么</a:t>
-            </a:r>
-            <a:r>
-              <a:rPr lang="en-US" altLang="zh-CN" dirty="0" smtClean="0"/>
-              <a:t>distinct</a:t>
-            </a:r>
-            <a:r>
-              <a:rPr lang="zh-CN" altLang="en-US" dirty="0" smtClean="0"/>
-              <a:t>是多余的，原因同样在于，分组的时候是将列中唯一的值分成一组，同时只为每一组返回一行记录，那么所以的记录都将是不相同的。 </a:t>
-            </a:r>
-            <a:br>
-              <a:rPr lang="zh-CN" altLang="en-US" dirty="0" smtClean="0"/>
-            </a:br>
-            <a:r>
-              <a:rPr lang="zh-CN" altLang="en-US" dirty="0" smtClean="0"/>
-              <a:t>第十一步：应用</a:t>
-            </a:r>
-            <a:r>
-              <a:rPr lang="en-US" altLang="zh-CN" dirty="0" smtClean="0"/>
-              <a:t>order by</a:t>
-            </a:r>
-            <a:r>
-              <a:rPr lang="zh-CN" altLang="en-US" dirty="0" smtClean="0"/>
-              <a:t>子句。按照</a:t>
-            </a:r>
-            <a:r>
-              <a:rPr lang="en-US" altLang="zh-CN" dirty="0" err="1" smtClean="0"/>
-              <a:t>order_by_condition</a:t>
-            </a:r>
-            <a:r>
-              <a:rPr lang="zh-CN" altLang="en-US" dirty="0" smtClean="0"/>
-              <a:t>排序</a:t>
-            </a:r>
-            <a:r>
-              <a:rPr lang="en-US" altLang="zh-CN" dirty="0" smtClean="0"/>
-              <a:t>vt9</a:t>
-            </a:r>
-            <a:r>
-              <a:rPr lang="zh-CN" altLang="en-US" dirty="0" smtClean="0"/>
-              <a:t>，此时返回的一个游标，而不是虚拟表。</a:t>
-            </a:r>
-            <a:r>
-              <a:rPr lang="en-US" altLang="zh-CN" dirty="0" err="1" smtClean="0"/>
-              <a:t>sql</a:t>
-            </a:r>
-            <a:r>
-              <a:rPr lang="zh-CN" altLang="en-US" dirty="0" smtClean="0"/>
-              <a:t>是基于集合的理论的，集合不会预先对他的行排序，它只是成员的逻辑集合，成员的顺序是无关紧要的。对表进行排序的查询可以返回一个对象，这个对象包含特定的物理顺序的逻辑组织。这个对象就叫游标。正因为返回值是游标，那么使用</a:t>
-            </a:r>
-            <a:r>
-              <a:rPr lang="en-US" altLang="zh-CN" dirty="0" smtClean="0"/>
-              <a:t>order by </a:t>
-            </a:r>
-            <a:r>
-              <a:rPr lang="zh-CN" altLang="en-US" dirty="0" smtClean="0"/>
-              <a:t>子句查询不能应用于表表达式。排序是很需要成本的，除非你必须要排序，否则最好不要指定</a:t>
-            </a:r>
-            <a:r>
-              <a:rPr lang="en-US" altLang="zh-CN" dirty="0" smtClean="0"/>
-              <a:t>order by</a:t>
-            </a:r>
-            <a:r>
-              <a:rPr lang="zh-CN" altLang="en-US" dirty="0" smtClean="0"/>
-              <a:t>，最后，在这一步中是第一个也是唯一一个可以使用</a:t>
-            </a:r>
-            <a:r>
-              <a:rPr lang="en-US" altLang="zh-CN" dirty="0" smtClean="0"/>
-              <a:t>select</a:t>
-            </a:r>
-            <a:r>
-              <a:rPr lang="zh-CN" altLang="en-US" dirty="0" smtClean="0"/>
-              <a:t>列表中别名的步骤。 </a:t>
-            </a:r>
-            <a:br>
-              <a:rPr lang="zh-CN" altLang="en-US" dirty="0" smtClean="0"/>
-            </a:br>
-            <a:r>
-              <a:rPr lang="zh-CN" altLang="en-US" dirty="0" smtClean="0"/>
-              <a:t>第十二步：应用</a:t>
-            </a:r>
-            <a:r>
-              <a:rPr lang="en-US" altLang="zh-CN" dirty="0" smtClean="0"/>
-              <a:t>top</a:t>
-            </a:r>
-            <a:r>
-              <a:rPr lang="zh-CN" altLang="en-US" dirty="0" smtClean="0"/>
-              <a:t>选项。此时才返回结果给请求者即用户。 </a:t>
-            </a:r>
-          </a:p>
-          <a:p>
-            <a:r>
-              <a:rPr lang="zh-CN" altLang="en-US" dirty="0" smtClean="0"/>
-              <a:t>注：步骤</a:t>
-            </a:r>
-            <a:r>
-              <a:rPr lang="en-US" altLang="zh-CN" dirty="0" smtClean="0"/>
-              <a:t>10</a:t>
-            </a:r>
-            <a:r>
-              <a:rPr lang="zh-CN" altLang="en-US" dirty="0" smtClean="0"/>
-              <a:t>，按</a:t>
-            </a:r>
-            <a:r>
-              <a:rPr lang="en-US" altLang="zh-CN" dirty="0" smtClean="0"/>
-              <a:t>ORDER BY</a:t>
-            </a:r>
-            <a:r>
-              <a:rPr lang="zh-CN" altLang="en-US" dirty="0" smtClean="0"/>
-              <a:t>子句中的列列表排序上步返回的行，返回游标</a:t>
-            </a:r>
-            <a:r>
-              <a:rPr lang="en-US" altLang="zh-CN" dirty="0" smtClean="0"/>
-              <a:t>VC10.</a:t>
-            </a:r>
-            <a:r>
-              <a:rPr lang="zh-CN" altLang="en-US" dirty="0" smtClean="0"/>
-              <a:t>这一步是第一步也是唯一一步可以使用</a:t>
-            </a:r>
-            <a:r>
-              <a:rPr lang="en-US" altLang="zh-CN" dirty="0" smtClean="0"/>
-              <a:t>SELECT</a:t>
-            </a:r>
-            <a:r>
-              <a:rPr lang="zh-CN" altLang="en-US" dirty="0" smtClean="0"/>
-              <a:t>列表中的列别名的步骤。这一步不同于其它步骤的 是，它不返回有效的表，而是返回一个游标。</a:t>
-            </a:r>
-            <a:r>
-              <a:rPr lang="en-US" altLang="zh-CN" dirty="0" smtClean="0"/>
-              <a:t>SQL</a:t>
-            </a:r>
-            <a:r>
-              <a:rPr lang="zh-CN" altLang="en-US" dirty="0" smtClean="0"/>
-              <a:t>是基于集合理论的。集合不会预先对它的行排序，它只是成员的逻辑集合，成员的顺序无关紧要。对表进行排序 的查询可以返回一个对象，包含按特定物理顺序组织的行。</a:t>
-            </a:r>
-            <a:r>
-              <a:rPr lang="en-US" altLang="zh-CN" dirty="0" smtClean="0"/>
-              <a:t>ANSI</a:t>
-            </a:r>
-            <a:r>
-              <a:rPr lang="zh-CN" altLang="en-US" dirty="0" smtClean="0"/>
-              <a:t>把这种对象称为游标。理解这一步是正确理解</a:t>
-            </a:r>
-            <a:r>
-              <a:rPr lang="en-US" altLang="zh-CN" dirty="0" smtClean="0"/>
-              <a:t>SQL</a:t>
-            </a:r>
-            <a:r>
-              <a:rPr lang="zh-CN" altLang="en-US" dirty="0" smtClean="0"/>
-              <a:t>的基础。</a:t>
-            </a:r>
-          </a:p>
-          <a:p>
-            <a:endParaRPr lang="zh-CN" altLang="en-US" dirty="0"/>
-          </a:p>
-        </p:txBody>
-      </p:sp>
-    </p:spTree>
-  </p:cSld>
-  <p:clrMapOvr>
-    <a:masterClrMapping/>
-  </p:clrMapOvr>
-</p:sld>
-</file>
-
-<file path=ppt/slides/slide7.xml><?xml version="1.0" encoding="utf-8"?>
-<p:sld xmlns:a="http://schemas.openxmlformats.org/drawingml/2006/main" xmlns:r="http://schemas.openxmlformats.org/officeDocument/2006/relationships" xmlns:p="http://schemas.openxmlformats.org/presentationml/2006/main">
-  <p:cSld>
-    <p:spTree>
-      <p:nvGrpSpPr>
-        <p:cNvPr id="1" name=""/>
-        <p:cNvGrpSpPr/>
-        <p:nvPr/>
-      </p:nvGrpSpPr>
-      <p:grpSpPr>
-        <a:xfrm>
-          <a:off x="0" y="0"/>
-          <a:ext cx="0" cy="0"/>
-          <a:chOff x="0" y="0"/>
-          <a:chExt cx="0" cy="0"/>
-        </a:xfrm>
-      </p:grpSpPr>
-      <p:sp>
-        <p:nvSpPr>
-          <p:cNvPr id="2" name="标题 1"/>
-          <p:cNvSpPr>
-            <a:spLocks noGrp="1"/>
-          </p:cNvSpPr>
-          <p:nvPr>
-            <p:ph type="title"/>
-          </p:nvPr>
-        </p:nvSpPr>
-        <p:spPr/>
+        <p:style>
+          <a:lnRef idx="0">
+            <a:scrgbClr r="0" g="0" b="0"/>
+          </a:lnRef>
+          <a:fillRef idx="1002">
+            <a:schemeClr val="dk1"/>
+          </a:fillRef>
+          <a:effectRef idx="0">
+            <a:scrgbClr r="0" g="0" b="0"/>
+          </a:effectRef>
+          <a:fontRef idx="major"/>
+        </p:style>
         <p:txBody>
           <a:bodyPr/>
           <a:lstStyle/>
@@ -5468,69 +6081,6 @@
           <a:noFill/>
         </p:spPr>
       </p:pic>
-    </p:spTree>
-  </p:cSld>
-  <p:clrMapOvr>
-    <a:masterClrMapping/>
-  </p:clrMapOvr>
-</p:sld>
-</file>
-
-<file path=ppt/slides/slide8.xml><?xml version="1.0" encoding="utf-8"?>
-<p:sld xmlns:a="http://schemas.openxmlformats.org/drawingml/2006/main" xmlns:r="http://schemas.openxmlformats.org/officeDocument/2006/relationships" xmlns:p="http://schemas.openxmlformats.org/presentationml/2006/main">
-  <p:cSld>
-    <p:spTree>
-      <p:nvGrpSpPr>
-        <p:cNvPr id="1" name=""/>
-        <p:cNvGrpSpPr/>
-        <p:nvPr/>
-      </p:nvGrpSpPr>
-      <p:grpSpPr>
-        <a:xfrm>
-          <a:off x="0" y="0"/>
-          <a:ext cx="0" cy="0"/>
-          <a:chOff x="0" y="0"/>
-          <a:chExt cx="0" cy="0"/>
-        </a:xfrm>
-      </p:grpSpPr>
-      <p:sp>
-        <p:nvSpPr>
-          <p:cNvPr id="2" name="标题 1"/>
-          <p:cNvSpPr>
-            <a:spLocks noGrp="1"/>
-          </p:cNvSpPr>
-          <p:nvPr>
-            <p:ph type="title"/>
-          </p:nvPr>
-        </p:nvSpPr>
-        <p:spPr/>
-        <p:txBody>
-          <a:bodyPr/>
-          <a:lstStyle/>
-          <a:p>
-            <a:endParaRPr lang="zh-CN" altLang="en-US" dirty="0"/>
-          </a:p>
-        </p:txBody>
-      </p:sp>
-      <p:sp>
-        <p:nvSpPr>
-          <p:cNvPr id="3" name="内容占位符 2"/>
-          <p:cNvSpPr>
-            <a:spLocks noGrp="1"/>
-          </p:cNvSpPr>
-          <p:nvPr>
-            <p:ph idx="1"/>
-          </p:nvPr>
-        </p:nvSpPr>
-        <p:spPr/>
-        <p:txBody>
-          <a:bodyPr/>
-          <a:lstStyle/>
-          <a:p>
-            <a:endParaRPr lang="zh-CN" altLang="en-US"/>
-          </a:p>
-        </p:txBody>
-      </p:sp>
     </p:spTree>
   </p:cSld>
   <p:clrMapOvr>
